--- a/Week 1/Workshops/Psychological Measurement – Workshop 1.pptx
+++ b/Week 1/Workshops/Psychological Measurement – Workshop 1.pptx
@@ -2,7 +2,7 @@
 <file path=ppt/presentation.xml><?xml version="1.0" encoding="utf-8"?>
 <p:presentation xmlns:a="http://schemas.openxmlformats.org/drawingml/2006/main" xmlns:r="http://schemas.openxmlformats.org/officeDocument/2006/relationships" xmlns:p="http://schemas.openxmlformats.org/presentationml/2006/main" saveSubsetFonts="1">
   <p:sldMasterIdLst>
-    <p:sldMasterId id="2147483648" r:id="rId1"/>
+    <p:sldMasterId id="2147483696" r:id="rId1"/>
   </p:sldMasterIdLst>
   <p:sldIdLst>
     <p:sldId id="256" r:id="rId2"/>
@@ -22,7 +22,7 @@
     <a:defPPr>
       <a:defRPr lang="en-US"/>
     </a:defPPr>
-    <a:lvl1pPr marL="0" algn="l" defTabSz="914400" rtl="0" eaLnBrk="1" latinLnBrk="0" hangingPunct="1">
+    <a:lvl1pPr marL="0" algn="l" defTabSz="457200" rtl="0" eaLnBrk="1" latinLnBrk="0" hangingPunct="1">
       <a:defRPr sz="1800" kern="1200">
         <a:solidFill>
           <a:schemeClr val="tx1"/>
@@ -32,7 +32,7 @@
         <a:cs typeface="+mn-cs"/>
       </a:defRPr>
     </a:lvl1pPr>
-    <a:lvl2pPr marL="457200" algn="l" defTabSz="914400" rtl="0" eaLnBrk="1" latinLnBrk="0" hangingPunct="1">
+    <a:lvl2pPr marL="457200" algn="l" defTabSz="457200" rtl="0" eaLnBrk="1" latinLnBrk="0" hangingPunct="1">
       <a:defRPr sz="1800" kern="1200">
         <a:solidFill>
           <a:schemeClr val="tx1"/>
@@ -42,7 +42,7 @@
         <a:cs typeface="+mn-cs"/>
       </a:defRPr>
     </a:lvl2pPr>
-    <a:lvl3pPr marL="914400" algn="l" defTabSz="914400" rtl="0" eaLnBrk="1" latinLnBrk="0" hangingPunct="1">
+    <a:lvl3pPr marL="914400" algn="l" defTabSz="457200" rtl="0" eaLnBrk="1" latinLnBrk="0" hangingPunct="1">
       <a:defRPr sz="1800" kern="1200">
         <a:solidFill>
           <a:schemeClr val="tx1"/>
@@ -52,7 +52,7 @@
         <a:cs typeface="+mn-cs"/>
       </a:defRPr>
     </a:lvl3pPr>
-    <a:lvl4pPr marL="1371600" algn="l" defTabSz="914400" rtl="0" eaLnBrk="1" latinLnBrk="0" hangingPunct="1">
+    <a:lvl4pPr marL="1371600" algn="l" defTabSz="457200" rtl="0" eaLnBrk="1" latinLnBrk="0" hangingPunct="1">
       <a:defRPr sz="1800" kern="1200">
         <a:solidFill>
           <a:schemeClr val="tx1"/>
@@ -62,7 +62,7 @@
         <a:cs typeface="+mn-cs"/>
       </a:defRPr>
     </a:lvl4pPr>
-    <a:lvl5pPr marL="1828800" algn="l" defTabSz="914400" rtl="0" eaLnBrk="1" latinLnBrk="0" hangingPunct="1">
+    <a:lvl5pPr marL="1828800" algn="l" defTabSz="457200" rtl="0" eaLnBrk="1" latinLnBrk="0" hangingPunct="1">
       <a:defRPr sz="1800" kern="1200">
         <a:solidFill>
           <a:schemeClr val="tx1"/>
@@ -72,7 +72,7 @@
         <a:cs typeface="+mn-cs"/>
       </a:defRPr>
     </a:lvl5pPr>
-    <a:lvl6pPr marL="2286000" algn="l" defTabSz="914400" rtl="0" eaLnBrk="1" latinLnBrk="0" hangingPunct="1">
+    <a:lvl6pPr marL="2286000" algn="l" defTabSz="457200" rtl="0" eaLnBrk="1" latinLnBrk="0" hangingPunct="1">
       <a:defRPr sz="1800" kern="1200">
         <a:solidFill>
           <a:schemeClr val="tx1"/>
@@ -82,7 +82,7 @@
         <a:cs typeface="+mn-cs"/>
       </a:defRPr>
     </a:lvl6pPr>
-    <a:lvl7pPr marL="2743200" algn="l" defTabSz="914400" rtl="0" eaLnBrk="1" latinLnBrk="0" hangingPunct="1">
+    <a:lvl7pPr marL="2743200" algn="l" defTabSz="457200" rtl="0" eaLnBrk="1" latinLnBrk="0" hangingPunct="1">
       <a:defRPr sz="1800" kern="1200">
         <a:solidFill>
           <a:schemeClr val="tx1"/>
@@ -92,7 +92,7 @@
         <a:cs typeface="+mn-cs"/>
       </a:defRPr>
     </a:lvl7pPr>
-    <a:lvl8pPr marL="3200400" algn="l" defTabSz="914400" rtl="0" eaLnBrk="1" latinLnBrk="0" hangingPunct="1">
+    <a:lvl8pPr marL="3200400" algn="l" defTabSz="457200" rtl="0" eaLnBrk="1" latinLnBrk="0" hangingPunct="1">
       <a:defRPr sz="1800" kern="1200">
         <a:solidFill>
           <a:schemeClr val="tx1"/>
@@ -102,7 +102,7 @@
         <a:cs typeface="+mn-cs"/>
       </a:defRPr>
     </a:lvl8pPr>
-    <a:lvl9pPr marL="3657600" algn="l" defTabSz="914400" rtl="0" eaLnBrk="1" latinLnBrk="0" hangingPunct="1">
+    <a:lvl9pPr marL="3657600" algn="l" defTabSz="457200" rtl="0" eaLnBrk="1" latinLnBrk="0" hangingPunct="1">
       <a:defRPr sz="1800" kern="1200">
         <a:solidFill>
           <a:schemeClr val="tx1"/>
@@ -558,13 +558,7 @@
       </p:grpSpPr>
       <p:sp>
         <p:nvSpPr>
-          <p:cNvPr id="2" name="Title 1">
-            <a:extLst>
-              <a:ext uri="{FF2B5EF4-FFF2-40B4-BE49-F238E27FC236}">
-                <a16:creationId xmlns:a16="http://schemas.microsoft.com/office/drawing/2014/main" id="{424AC410-8999-5E29-934D-2CF232E14AE4}"/>
-              </a:ext>
-            </a:extLst>
-          </p:cNvPr>
+          <p:cNvPr id="2" name="Title 1"/>
           <p:cNvSpPr>
             <a:spLocks noGrp="1"/>
           </p:cNvSpPr>
@@ -574,15 +568,15 @@
         </p:nvSpPr>
         <p:spPr>
           <a:xfrm>
-            <a:off x="1524000" y="1122363"/>
-            <a:ext cx="9144000" cy="2387600"/>
+            <a:off x="1154955" y="1447800"/>
+            <a:ext cx="8825658" cy="3329581"/>
           </a:xfrm>
         </p:spPr>
         <p:txBody>
           <a:bodyPr anchor="b"/>
           <a:lstStyle>
-            <a:lvl1pPr algn="ctr">
-              <a:defRPr sz="6000"/>
+            <a:lvl1pPr>
+              <a:defRPr sz="7200"/>
             </a:lvl1pPr>
           </a:lstStyle>
           <a:p>
@@ -590,19 +584,13 @@
               <a:rPr lang="en-US"/>
               <a:t>Click to edit Master title style</a:t>
             </a:r>
-            <a:endParaRPr lang="en-GB"/>
-          </a:p>
-        </p:txBody>
-      </p:sp>
-      <p:sp>
-        <p:nvSpPr>
-          <p:cNvPr id="3" name="Subtitle 2">
-            <a:extLst>
-              <a:ext uri="{FF2B5EF4-FFF2-40B4-BE49-F238E27FC236}">
-                <a16:creationId xmlns:a16="http://schemas.microsoft.com/office/drawing/2014/main" id="{A8369575-D4CD-DC61-B9F1-4898810F7BE6}"/>
-              </a:ext>
-            </a:extLst>
-          </p:cNvPr>
+            <a:endParaRPr lang="en-US" dirty="0"/>
+          </a:p>
+        </p:txBody>
+      </p:sp>
+      <p:sp>
+        <p:nvSpPr>
+          <p:cNvPr id="3" name="Subtitle 2"/>
           <p:cNvSpPr>
             <a:spLocks noGrp="1"/>
           </p:cNvSpPr>
@@ -612,48 +600,100 @@
         </p:nvSpPr>
         <p:spPr>
           <a:xfrm>
-            <a:off x="1524000" y="3602038"/>
-            <a:ext cx="9144000" cy="1655762"/>
+            <a:off x="1154955" y="4777380"/>
+            <a:ext cx="8825658" cy="861420"/>
           </a:xfrm>
         </p:spPr>
         <p:txBody>
-          <a:bodyPr/>
+          <a:bodyPr anchor="t"/>
           <a:lstStyle>
-            <a:lvl1pPr marL="0" indent="0" algn="ctr">
-              <a:buNone/>
-              <a:defRPr sz="2400"/>
+            <a:lvl1pPr marL="0" indent="0" algn="l">
+              <a:buNone/>
+              <a:defRPr cap="all">
+                <a:solidFill>
+                  <a:schemeClr val="accent1"/>
+                </a:solidFill>
+              </a:defRPr>
             </a:lvl1pPr>
             <a:lvl2pPr marL="457200" indent="0" algn="ctr">
               <a:buNone/>
-              <a:defRPr sz="2000"/>
+              <a:defRPr>
+                <a:solidFill>
+                  <a:schemeClr val="tx1">
+                    <a:tint val="75000"/>
+                  </a:schemeClr>
+                </a:solidFill>
+              </a:defRPr>
             </a:lvl2pPr>
             <a:lvl3pPr marL="914400" indent="0" algn="ctr">
               <a:buNone/>
-              <a:defRPr sz="1800"/>
+              <a:defRPr>
+                <a:solidFill>
+                  <a:schemeClr val="tx1">
+                    <a:tint val="75000"/>
+                  </a:schemeClr>
+                </a:solidFill>
+              </a:defRPr>
             </a:lvl3pPr>
             <a:lvl4pPr marL="1371600" indent="0" algn="ctr">
               <a:buNone/>
-              <a:defRPr sz="1600"/>
+              <a:defRPr>
+                <a:solidFill>
+                  <a:schemeClr val="tx1">
+                    <a:tint val="75000"/>
+                  </a:schemeClr>
+                </a:solidFill>
+              </a:defRPr>
             </a:lvl4pPr>
             <a:lvl5pPr marL="1828800" indent="0" algn="ctr">
               <a:buNone/>
-              <a:defRPr sz="1600"/>
+              <a:defRPr>
+                <a:solidFill>
+                  <a:schemeClr val="tx1">
+                    <a:tint val="75000"/>
+                  </a:schemeClr>
+                </a:solidFill>
+              </a:defRPr>
             </a:lvl5pPr>
             <a:lvl6pPr marL="2286000" indent="0" algn="ctr">
               <a:buNone/>
-              <a:defRPr sz="1600"/>
+              <a:defRPr>
+                <a:solidFill>
+                  <a:schemeClr val="tx1">
+                    <a:tint val="75000"/>
+                  </a:schemeClr>
+                </a:solidFill>
+              </a:defRPr>
             </a:lvl6pPr>
             <a:lvl7pPr marL="2743200" indent="0" algn="ctr">
               <a:buNone/>
-              <a:defRPr sz="1600"/>
+              <a:defRPr>
+                <a:solidFill>
+                  <a:schemeClr val="tx1">
+                    <a:tint val="75000"/>
+                  </a:schemeClr>
+                </a:solidFill>
+              </a:defRPr>
             </a:lvl7pPr>
             <a:lvl8pPr marL="3200400" indent="0" algn="ctr">
               <a:buNone/>
-              <a:defRPr sz="1600"/>
+              <a:defRPr>
+                <a:solidFill>
+                  <a:schemeClr val="tx1">
+                    <a:tint val="75000"/>
+                  </a:schemeClr>
+                </a:solidFill>
+              </a:defRPr>
             </a:lvl8pPr>
             <a:lvl9pPr marL="3657600" indent="0" algn="ctr">
               <a:buNone/>
-              <a:defRPr sz="1600"/>
+              <a:defRPr>
+                <a:solidFill>
+                  <a:schemeClr val="tx1">
+                    <a:tint val="75000"/>
+                  </a:schemeClr>
+                </a:solidFill>
+              </a:defRPr>
             </a:lvl9pPr>
           </a:lstStyle>
           <a:p>
@@ -661,19 +701,13 @@
               <a:rPr lang="en-US"/>
               <a:t>Click to edit Master subtitle style</a:t>
             </a:r>
-            <a:endParaRPr lang="en-GB"/>
-          </a:p>
-        </p:txBody>
-      </p:sp>
-      <p:sp>
-        <p:nvSpPr>
-          <p:cNvPr id="4" name="Date Placeholder 3">
-            <a:extLst>
-              <a:ext uri="{FF2B5EF4-FFF2-40B4-BE49-F238E27FC236}">
-                <a16:creationId xmlns:a16="http://schemas.microsoft.com/office/drawing/2014/main" id="{CDBDEC57-5DE5-DDA3-BBA2-763A42F40B8D}"/>
-              </a:ext>
-            </a:extLst>
-          </p:cNvPr>
+            <a:endParaRPr lang="en-US" dirty="0"/>
+          </a:p>
+        </p:txBody>
+      </p:sp>
+      <p:sp>
+        <p:nvSpPr>
+          <p:cNvPr id="4" name="Date Placeholder 3"/>
           <p:cNvSpPr>
             <a:spLocks noGrp="1"/>
           </p:cNvSpPr>
@@ -688,7 +722,7 @@
           <a:p>
             <a:fld id="{AEC2FEFB-2644-498B-B0EE-CDE108AFE4F9}" type="datetimeFigureOut">
               <a:rPr lang="en-GB" smtClean="0"/>
-              <a:t>17/01/2023</a:t>
+              <a:t>30/01/2023</a:t>
             </a:fld>
             <a:endParaRPr lang="en-GB"/>
           </a:p>
@@ -696,13 +730,7 @@
       </p:sp>
       <p:sp>
         <p:nvSpPr>
-          <p:cNvPr id="5" name="Footer Placeholder 4">
-            <a:extLst>
-              <a:ext uri="{FF2B5EF4-FFF2-40B4-BE49-F238E27FC236}">
-                <a16:creationId xmlns:a16="http://schemas.microsoft.com/office/drawing/2014/main" id="{0851D308-23A1-51B3-B8B0-EE571E5E5C9B}"/>
-              </a:ext>
-            </a:extLst>
-          </p:cNvPr>
+          <p:cNvPr id="5" name="Footer Placeholder 4"/>
           <p:cNvSpPr>
             <a:spLocks noGrp="1"/>
           </p:cNvSpPr>
@@ -721,13 +749,7 @@
       </p:sp>
       <p:sp>
         <p:nvSpPr>
-          <p:cNvPr id="6" name="Slide Number Placeholder 5">
-            <a:extLst>
-              <a:ext uri="{FF2B5EF4-FFF2-40B4-BE49-F238E27FC236}">
-                <a16:creationId xmlns:a16="http://schemas.microsoft.com/office/drawing/2014/main" id="{9050A849-FAE9-C827-1700-EA8BD51CB23D}"/>
-              </a:ext>
-            </a:extLst>
-          </p:cNvPr>
+          <p:cNvPr id="6" name="Slide Number Placeholder 5"/>
           <p:cNvSpPr>
             <a:spLocks noGrp="1"/>
           </p:cNvSpPr>
@@ -751,7 +773,7 @@
     </p:spTree>
     <p:extLst>
       <p:ext uri="{BB962C8B-B14F-4D97-AF65-F5344CB8AC3E}">
-        <p14:creationId xmlns:p14="http://schemas.microsoft.com/office/powerpoint/2010/main" val="2373074336"/>
+        <p14:creationId xmlns:p14="http://schemas.microsoft.com/office/powerpoint/2010/main" val="2692540278"/>
       </p:ext>
     </p:extLst>
   </p:cSld>
@@ -762,6 +784,2532 @@
 </file>
 
 <file path=ppt/slideLayouts/slideLayout10.xml><?xml version="1.0" encoding="utf-8"?>
+<p:sldLayout xmlns:a="http://schemas.openxmlformats.org/drawingml/2006/main" xmlns:r="http://schemas.openxmlformats.org/officeDocument/2006/relationships" xmlns:p="http://schemas.openxmlformats.org/presentationml/2006/main" preserve="1">
+  <p:cSld name="Panoramic Picture with Caption">
+    <p:spTree>
+      <p:nvGrpSpPr>
+        <p:cNvPr id="1" name=""/>
+        <p:cNvGrpSpPr/>
+        <p:nvPr/>
+      </p:nvGrpSpPr>
+      <p:grpSpPr>
+        <a:xfrm>
+          <a:off x="0" y="0"/>
+          <a:ext cx="0" cy="0"/>
+          <a:chOff x="0" y="0"/>
+          <a:chExt cx="0" cy="0"/>
+        </a:xfrm>
+      </p:grpSpPr>
+      <p:sp>
+        <p:nvSpPr>
+          <p:cNvPr id="2" name="Title 1"/>
+          <p:cNvSpPr>
+            <a:spLocks noGrp="1"/>
+          </p:cNvSpPr>
+          <p:nvPr>
+            <p:ph type="title"/>
+          </p:nvPr>
+        </p:nvSpPr>
+        <p:spPr>
+          <a:xfrm>
+            <a:off x="1154956" y="4800587"/>
+            <a:ext cx="8825657" cy="566738"/>
+          </a:xfrm>
+        </p:spPr>
+        <p:txBody>
+          <a:bodyPr anchor="b">
+            <a:normAutofit/>
+          </a:bodyPr>
+          <a:lstStyle>
+            <a:lvl1pPr algn="l">
+              <a:defRPr sz="2400" b="0"/>
+            </a:lvl1pPr>
+          </a:lstStyle>
+          <a:p>
+            <a:r>
+              <a:rPr lang="en-US"/>
+              <a:t>Click to edit Master title style</a:t>
+            </a:r>
+            <a:endParaRPr lang="en-US" dirty="0"/>
+          </a:p>
+        </p:txBody>
+      </p:sp>
+      <p:sp>
+        <p:nvSpPr>
+          <p:cNvPr id="3" name="Picture Placeholder 2"/>
+          <p:cNvSpPr>
+            <a:spLocks noGrp="1" noChangeAspect="1"/>
+          </p:cNvSpPr>
+          <p:nvPr>
+            <p:ph type="pic" idx="1"/>
+          </p:nvPr>
+        </p:nvSpPr>
+        <p:spPr>
+          <a:xfrm>
+            <a:off x="1154955" y="685800"/>
+            <a:ext cx="8825658" cy="3640666"/>
+          </a:xfrm>
+          <a:prstGeom prst="roundRect">
+            <a:avLst>
+              <a:gd name="adj" fmla="val 1858"/>
+            </a:avLst>
+          </a:prstGeom>
+          <a:effectLst>
+            <a:outerShdw blurRad="50800" dist="50800" dir="5400000" algn="tl" rotWithShape="0">
+              <a:srgbClr val="000000">
+                <a:alpha val="43000"/>
+              </a:srgbClr>
+            </a:outerShdw>
+          </a:effectLst>
+        </p:spPr>
+        <p:txBody>
+          <a:bodyPr anchor="t">
+            <a:normAutofit/>
+          </a:bodyPr>
+          <a:lstStyle>
+            <a:lvl1pPr marL="0" indent="0" algn="ctr">
+              <a:buNone/>
+              <a:defRPr sz="1600"/>
+            </a:lvl1pPr>
+            <a:lvl2pPr marL="457200" indent="0">
+              <a:buNone/>
+              <a:defRPr sz="1600"/>
+            </a:lvl2pPr>
+            <a:lvl3pPr marL="914400" indent="0">
+              <a:buNone/>
+              <a:defRPr sz="1600"/>
+            </a:lvl3pPr>
+            <a:lvl4pPr marL="1371600" indent="0">
+              <a:buNone/>
+              <a:defRPr sz="1600"/>
+            </a:lvl4pPr>
+            <a:lvl5pPr marL="1828800" indent="0">
+              <a:buNone/>
+              <a:defRPr sz="1600"/>
+            </a:lvl5pPr>
+            <a:lvl6pPr marL="2286000" indent="0">
+              <a:buNone/>
+              <a:defRPr sz="1600"/>
+            </a:lvl6pPr>
+            <a:lvl7pPr marL="2743200" indent="0">
+              <a:buNone/>
+              <a:defRPr sz="1600"/>
+            </a:lvl7pPr>
+            <a:lvl8pPr marL="3200400" indent="0">
+              <a:buNone/>
+              <a:defRPr sz="1600"/>
+            </a:lvl8pPr>
+            <a:lvl9pPr marL="3657600" indent="0">
+              <a:buNone/>
+              <a:defRPr sz="1600"/>
+            </a:lvl9pPr>
+          </a:lstStyle>
+          <a:p>
+            <a:r>
+              <a:rPr lang="en-US"/>
+              <a:t>Click icon to add picture</a:t>
+            </a:r>
+            <a:endParaRPr lang="en-US" dirty="0"/>
+          </a:p>
+        </p:txBody>
+      </p:sp>
+      <p:sp>
+        <p:nvSpPr>
+          <p:cNvPr id="4" name="Text Placeholder 3"/>
+          <p:cNvSpPr>
+            <a:spLocks noGrp="1"/>
+          </p:cNvSpPr>
+          <p:nvPr>
+            <p:ph type="body" sz="half" idx="2"/>
+          </p:nvPr>
+        </p:nvSpPr>
+        <p:spPr>
+          <a:xfrm>
+            <a:off x="1154956" y="5367325"/>
+            <a:ext cx="8825656" cy="493712"/>
+          </a:xfrm>
+        </p:spPr>
+        <p:txBody>
+          <a:bodyPr>
+            <a:normAutofit/>
+          </a:bodyPr>
+          <a:lstStyle>
+            <a:lvl1pPr marL="0" indent="0">
+              <a:buNone/>
+              <a:defRPr sz="1200"/>
+            </a:lvl1pPr>
+            <a:lvl2pPr marL="457200" indent="0">
+              <a:buNone/>
+              <a:defRPr sz="1200"/>
+            </a:lvl2pPr>
+            <a:lvl3pPr marL="914400" indent="0">
+              <a:buNone/>
+              <a:defRPr sz="1000"/>
+            </a:lvl3pPr>
+            <a:lvl4pPr marL="1371600" indent="0">
+              <a:buNone/>
+              <a:defRPr sz="900"/>
+            </a:lvl4pPr>
+            <a:lvl5pPr marL="1828800" indent="0">
+              <a:buNone/>
+              <a:defRPr sz="900"/>
+            </a:lvl5pPr>
+            <a:lvl6pPr marL="2286000" indent="0">
+              <a:buNone/>
+              <a:defRPr sz="900"/>
+            </a:lvl6pPr>
+            <a:lvl7pPr marL="2743200" indent="0">
+              <a:buNone/>
+              <a:defRPr sz="900"/>
+            </a:lvl7pPr>
+            <a:lvl8pPr marL="3200400" indent="0">
+              <a:buNone/>
+              <a:defRPr sz="900"/>
+            </a:lvl8pPr>
+            <a:lvl9pPr marL="3657600" indent="0">
+              <a:buNone/>
+              <a:defRPr sz="900"/>
+            </a:lvl9pPr>
+          </a:lstStyle>
+          <a:p>
+            <a:pPr lvl="0"/>
+            <a:r>
+              <a:rPr lang="en-US"/>
+              <a:t>Click to edit Master text styles</a:t>
+            </a:r>
+          </a:p>
+        </p:txBody>
+      </p:sp>
+      <p:sp>
+        <p:nvSpPr>
+          <p:cNvPr id="5" name="Date Placeholder 4"/>
+          <p:cNvSpPr>
+            <a:spLocks noGrp="1"/>
+          </p:cNvSpPr>
+          <p:nvPr>
+            <p:ph type="dt" sz="half" idx="10"/>
+          </p:nvPr>
+        </p:nvSpPr>
+        <p:spPr/>
+        <p:txBody>
+          <a:bodyPr/>
+          <a:lstStyle/>
+          <a:p>
+            <a:fld id="{AEC2FEFB-2644-498B-B0EE-CDE108AFE4F9}" type="datetimeFigureOut">
+              <a:rPr lang="en-GB" smtClean="0"/>
+              <a:t>30/01/2023</a:t>
+            </a:fld>
+            <a:endParaRPr lang="en-GB"/>
+          </a:p>
+        </p:txBody>
+      </p:sp>
+      <p:sp>
+        <p:nvSpPr>
+          <p:cNvPr id="6" name="Footer Placeholder 5"/>
+          <p:cNvSpPr>
+            <a:spLocks noGrp="1"/>
+          </p:cNvSpPr>
+          <p:nvPr>
+            <p:ph type="ftr" sz="quarter" idx="11"/>
+          </p:nvPr>
+        </p:nvSpPr>
+        <p:spPr/>
+        <p:txBody>
+          <a:bodyPr/>
+          <a:lstStyle/>
+          <a:p>
+            <a:endParaRPr lang="en-GB"/>
+          </a:p>
+        </p:txBody>
+      </p:sp>
+      <p:sp>
+        <p:nvSpPr>
+          <p:cNvPr id="7" name="Slide Number Placeholder 6"/>
+          <p:cNvSpPr>
+            <a:spLocks noGrp="1"/>
+          </p:cNvSpPr>
+          <p:nvPr>
+            <p:ph type="sldNum" sz="quarter" idx="12"/>
+          </p:nvPr>
+        </p:nvSpPr>
+        <p:spPr/>
+        <p:txBody>
+          <a:bodyPr/>
+          <a:lstStyle/>
+          <a:p>
+            <a:fld id="{A207C0AD-144B-4360-9928-DF51CF6E082E}" type="slidenum">
+              <a:rPr lang="en-GB" smtClean="0"/>
+              <a:t>‹#›</a:t>
+            </a:fld>
+            <a:endParaRPr lang="en-GB"/>
+          </a:p>
+        </p:txBody>
+      </p:sp>
+    </p:spTree>
+    <p:extLst>
+      <p:ext uri="{BB962C8B-B14F-4D97-AF65-F5344CB8AC3E}">
+        <p14:creationId xmlns:p14="http://schemas.microsoft.com/office/powerpoint/2010/main" val="4230744601"/>
+      </p:ext>
+    </p:extLst>
+  </p:cSld>
+  <p:clrMapOvr>
+    <a:masterClrMapping/>
+  </p:clrMapOvr>
+</p:sldLayout>
+</file>
+
+<file path=ppt/slideLayouts/slideLayout11.xml><?xml version="1.0" encoding="utf-8"?>
+<p:sldLayout xmlns:a="http://schemas.openxmlformats.org/drawingml/2006/main" xmlns:r="http://schemas.openxmlformats.org/officeDocument/2006/relationships" xmlns:p="http://schemas.openxmlformats.org/presentationml/2006/main" preserve="1">
+  <p:cSld name="Title and Caption">
+    <p:spTree>
+      <p:nvGrpSpPr>
+        <p:cNvPr id="1" name=""/>
+        <p:cNvGrpSpPr/>
+        <p:nvPr/>
+      </p:nvGrpSpPr>
+      <p:grpSpPr>
+        <a:xfrm>
+          <a:off x="0" y="0"/>
+          <a:ext cx="0" cy="0"/>
+          <a:chOff x="0" y="0"/>
+          <a:chExt cx="0" cy="0"/>
+        </a:xfrm>
+      </p:grpSpPr>
+      <p:sp>
+        <p:nvSpPr>
+          <p:cNvPr id="2" name="Title 1"/>
+          <p:cNvSpPr>
+            <a:spLocks noGrp="1"/>
+          </p:cNvSpPr>
+          <p:nvPr>
+            <p:ph type="title"/>
+          </p:nvPr>
+        </p:nvSpPr>
+        <p:spPr>
+          <a:xfrm>
+            <a:off x="1154954" y="1447800"/>
+            <a:ext cx="8825659" cy="1981200"/>
+          </a:xfrm>
+        </p:spPr>
+        <p:txBody>
+          <a:bodyPr/>
+          <a:lstStyle>
+            <a:lvl1pPr>
+              <a:defRPr sz="4800"/>
+            </a:lvl1pPr>
+          </a:lstStyle>
+          <a:p>
+            <a:r>
+              <a:rPr lang="en-US"/>
+              <a:t>Click to edit Master title style</a:t>
+            </a:r>
+            <a:endParaRPr lang="en-US" dirty="0"/>
+          </a:p>
+        </p:txBody>
+      </p:sp>
+      <p:sp>
+        <p:nvSpPr>
+          <p:cNvPr id="8" name="Text Placeholder 3"/>
+          <p:cNvSpPr>
+            <a:spLocks noGrp="1"/>
+          </p:cNvSpPr>
+          <p:nvPr>
+            <p:ph type="body" sz="half" idx="2"/>
+          </p:nvPr>
+        </p:nvSpPr>
+        <p:spPr>
+          <a:xfrm>
+            <a:off x="1154954" y="3657600"/>
+            <a:ext cx="8825659" cy="2362200"/>
+          </a:xfrm>
+        </p:spPr>
+        <p:txBody>
+          <a:bodyPr anchor="ctr">
+            <a:normAutofit/>
+          </a:bodyPr>
+          <a:lstStyle>
+            <a:lvl1pPr marL="0" indent="0">
+              <a:buNone/>
+              <a:defRPr sz="1800"/>
+            </a:lvl1pPr>
+            <a:lvl2pPr marL="457200" indent="0">
+              <a:buNone/>
+              <a:defRPr sz="1200"/>
+            </a:lvl2pPr>
+            <a:lvl3pPr marL="914400" indent="0">
+              <a:buNone/>
+              <a:defRPr sz="1000"/>
+            </a:lvl3pPr>
+            <a:lvl4pPr marL="1371600" indent="0">
+              <a:buNone/>
+              <a:defRPr sz="900"/>
+            </a:lvl4pPr>
+            <a:lvl5pPr marL="1828800" indent="0">
+              <a:buNone/>
+              <a:defRPr sz="900"/>
+            </a:lvl5pPr>
+            <a:lvl6pPr marL="2286000" indent="0">
+              <a:buNone/>
+              <a:defRPr sz="900"/>
+            </a:lvl6pPr>
+            <a:lvl7pPr marL="2743200" indent="0">
+              <a:buNone/>
+              <a:defRPr sz="900"/>
+            </a:lvl7pPr>
+            <a:lvl8pPr marL="3200400" indent="0">
+              <a:buNone/>
+              <a:defRPr sz="900"/>
+            </a:lvl8pPr>
+            <a:lvl9pPr marL="3657600" indent="0">
+              <a:buNone/>
+              <a:defRPr sz="900"/>
+            </a:lvl9pPr>
+          </a:lstStyle>
+          <a:p>
+            <a:pPr lvl="0"/>
+            <a:r>
+              <a:rPr lang="en-US"/>
+              <a:t>Click to edit Master text styles</a:t>
+            </a:r>
+          </a:p>
+        </p:txBody>
+      </p:sp>
+      <p:sp>
+        <p:nvSpPr>
+          <p:cNvPr id="4" name="Date Placeholder 3"/>
+          <p:cNvSpPr>
+            <a:spLocks noGrp="1"/>
+          </p:cNvSpPr>
+          <p:nvPr>
+            <p:ph type="dt" sz="half" idx="10"/>
+          </p:nvPr>
+        </p:nvSpPr>
+        <p:spPr/>
+        <p:txBody>
+          <a:bodyPr/>
+          <a:lstStyle/>
+          <a:p>
+            <a:fld id="{AEC2FEFB-2644-498B-B0EE-CDE108AFE4F9}" type="datetimeFigureOut">
+              <a:rPr lang="en-GB" smtClean="0"/>
+              <a:t>30/01/2023</a:t>
+            </a:fld>
+            <a:endParaRPr lang="en-GB"/>
+          </a:p>
+        </p:txBody>
+      </p:sp>
+      <p:sp>
+        <p:nvSpPr>
+          <p:cNvPr id="5" name="Footer Placeholder 4"/>
+          <p:cNvSpPr>
+            <a:spLocks noGrp="1"/>
+          </p:cNvSpPr>
+          <p:nvPr>
+            <p:ph type="ftr" sz="quarter" idx="11"/>
+          </p:nvPr>
+        </p:nvSpPr>
+        <p:spPr/>
+        <p:txBody>
+          <a:bodyPr/>
+          <a:lstStyle/>
+          <a:p>
+            <a:endParaRPr lang="en-GB"/>
+          </a:p>
+        </p:txBody>
+      </p:sp>
+      <p:sp>
+        <p:nvSpPr>
+          <p:cNvPr id="6" name="Slide Number Placeholder 5"/>
+          <p:cNvSpPr>
+            <a:spLocks noGrp="1"/>
+          </p:cNvSpPr>
+          <p:nvPr>
+            <p:ph type="sldNum" sz="quarter" idx="12"/>
+          </p:nvPr>
+        </p:nvSpPr>
+        <p:spPr/>
+        <p:txBody>
+          <a:bodyPr/>
+          <a:lstStyle/>
+          <a:p>
+            <a:fld id="{A207C0AD-144B-4360-9928-DF51CF6E082E}" type="slidenum">
+              <a:rPr lang="en-GB" smtClean="0"/>
+              <a:t>‹#›</a:t>
+            </a:fld>
+            <a:endParaRPr lang="en-GB"/>
+          </a:p>
+        </p:txBody>
+      </p:sp>
+    </p:spTree>
+    <p:extLst>
+      <p:ext uri="{BB962C8B-B14F-4D97-AF65-F5344CB8AC3E}">
+        <p14:creationId xmlns:p14="http://schemas.microsoft.com/office/powerpoint/2010/main" val="3177677924"/>
+      </p:ext>
+    </p:extLst>
+  </p:cSld>
+  <p:clrMapOvr>
+    <a:masterClrMapping/>
+  </p:clrMapOvr>
+</p:sldLayout>
+</file>
+
+<file path=ppt/slideLayouts/slideLayout12.xml><?xml version="1.0" encoding="utf-8"?>
+<p:sldLayout xmlns:a="http://schemas.openxmlformats.org/drawingml/2006/main" xmlns:r="http://schemas.openxmlformats.org/officeDocument/2006/relationships" xmlns:p="http://schemas.openxmlformats.org/presentationml/2006/main" preserve="1">
+  <p:cSld name="Quote with Caption">
+    <p:spTree>
+      <p:nvGrpSpPr>
+        <p:cNvPr id="1" name=""/>
+        <p:cNvGrpSpPr/>
+        <p:nvPr/>
+      </p:nvGrpSpPr>
+      <p:grpSpPr>
+        <a:xfrm>
+          <a:off x="0" y="0"/>
+          <a:ext cx="0" cy="0"/>
+          <a:chOff x="0" y="0"/>
+          <a:chExt cx="0" cy="0"/>
+        </a:xfrm>
+      </p:grpSpPr>
+      <p:sp>
+        <p:nvSpPr>
+          <p:cNvPr id="2" name="Title 1"/>
+          <p:cNvSpPr>
+            <a:spLocks noGrp="1"/>
+          </p:cNvSpPr>
+          <p:nvPr>
+            <p:ph type="title"/>
+          </p:nvPr>
+        </p:nvSpPr>
+        <p:spPr>
+          <a:xfrm>
+            <a:off x="1574801" y="1447800"/>
+            <a:ext cx="7999315" cy="2323374"/>
+          </a:xfrm>
+        </p:spPr>
+        <p:txBody>
+          <a:bodyPr/>
+          <a:lstStyle>
+            <a:lvl1pPr>
+              <a:defRPr sz="4800"/>
+            </a:lvl1pPr>
+          </a:lstStyle>
+          <a:p>
+            <a:r>
+              <a:rPr lang="en-US"/>
+              <a:t>Click to edit Master title style</a:t>
+            </a:r>
+            <a:endParaRPr lang="en-US" dirty="0"/>
+          </a:p>
+        </p:txBody>
+      </p:sp>
+      <p:sp>
+        <p:nvSpPr>
+          <p:cNvPr id="14" name="Text Placeholder 3"/>
+          <p:cNvSpPr>
+            <a:spLocks noGrp="1"/>
+          </p:cNvSpPr>
+          <p:nvPr>
+            <p:ph type="body" sz="half" idx="13"/>
+          </p:nvPr>
+        </p:nvSpPr>
+        <p:spPr>
+          <a:xfrm>
+            <a:off x="1930400" y="3771174"/>
+            <a:ext cx="7385828" cy="342174"/>
+          </a:xfrm>
+        </p:spPr>
+        <p:txBody>
+          <a:bodyPr anchor="t">
+            <a:normAutofit/>
+          </a:bodyPr>
+          <a:lstStyle>
+            <a:lvl1pPr marL="0" indent="0">
+              <a:buNone/>
+              <a:defRPr lang="en-US" sz="1400" b="0" i="0" kern="1200" cap="small" dirty="0">
+                <a:solidFill>
+                  <a:schemeClr val="accent1"/>
+                </a:solidFill>
+                <a:latin typeface="+mj-lt"/>
+                <a:ea typeface="+mj-ea"/>
+                <a:cs typeface="+mj-cs"/>
+              </a:defRPr>
+            </a:lvl1pPr>
+            <a:lvl2pPr marL="457200" indent="0">
+              <a:buNone/>
+              <a:defRPr sz="1200"/>
+            </a:lvl2pPr>
+            <a:lvl3pPr marL="914400" indent="0">
+              <a:buNone/>
+              <a:defRPr sz="1000"/>
+            </a:lvl3pPr>
+            <a:lvl4pPr marL="1371600" indent="0">
+              <a:buNone/>
+              <a:defRPr sz="900"/>
+            </a:lvl4pPr>
+            <a:lvl5pPr marL="1828800" indent="0">
+              <a:buNone/>
+              <a:defRPr sz="900"/>
+            </a:lvl5pPr>
+            <a:lvl6pPr marL="2286000" indent="0">
+              <a:buNone/>
+              <a:defRPr sz="900"/>
+            </a:lvl6pPr>
+            <a:lvl7pPr marL="2743200" indent="0">
+              <a:buNone/>
+              <a:defRPr sz="900"/>
+            </a:lvl7pPr>
+            <a:lvl8pPr marL="3200400" indent="0">
+              <a:buNone/>
+              <a:defRPr sz="900"/>
+            </a:lvl8pPr>
+            <a:lvl9pPr marL="3657600" indent="0">
+              <a:buNone/>
+              <a:defRPr sz="900"/>
+            </a:lvl9pPr>
+          </a:lstStyle>
+          <a:p>
+            <a:pPr lvl="0"/>
+            <a:r>
+              <a:rPr lang="en-US"/>
+              <a:t>Click to edit Master text styles</a:t>
+            </a:r>
+          </a:p>
+        </p:txBody>
+      </p:sp>
+      <p:sp>
+        <p:nvSpPr>
+          <p:cNvPr id="10" name="Text Placeholder 3"/>
+          <p:cNvSpPr>
+            <a:spLocks noGrp="1"/>
+          </p:cNvSpPr>
+          <p:nvPr>
+            <p:ph type="body" sz="half" idx="2"/>
+          </p:nvPr>
+        </p:nvSpPr>
+        <p:spPr>
+          <a:xfrm>
+            <a:off x="1154954" y="4350657"/>
+            <a:ext cx="8825659" cy="1676400"/>
+          </a:xfrm>
+        </p:spPr>
+        <p:txBody>
+          <a:bodyPr anchor="ctr">
+            <a:normAutofit/>
+          </a:bodyPr>
+          <a:lstStyle>
+            <a:lvl1pPr marL="0" indent="0">
+              <a:buNone/>
+              <a:defRPr sz="1800"/>
+            </a:lvl1pPr>
+            <a:lvl2pPr marL="457200" indent="0">
+              <a:buNone/>
+              <a:defRPr sz="1200"/>
+            </a:lvl2pPr>
+            <a:lvl3pPr marL="914400" indent="0">
+              <a:buNone/>
+              <a:defRPr sz="1000"/>
+            </a:lvl3pPr>
+            <a:lvl4pPr marL="1371600" indent="0">
+              <a:buNone/>
+              <a:defRPr sz="900"/>
+            </a:lvl4pPr>
+            <a:lvl5pPr marL="1828800" indent="0">
+              <a:buNone/>
+              <a:defRPr sz="900"/>
+            </a:lvl5pPr>
+            <a:lvl6pPr marL="2286000" indent="0">
+              <a:buNone/>
+              <a:defRPr sz="900"/>
+            </a:lvl6pPr>
+            <a:lvl7pPr marL="2743200" indent="0">
+              <a:buNone/>
+              <a:defRPr sz="900"/>
+            </a:lvl7pPr>
+            <a:lvl8pPr marL="3200400" indent="0">
+              <a:buNone/>
+              <a:defRPr sz="900"/>
+            </a:lvl8pPr>
+            <a:lvl9pPr marL="3657600" indent="0">
+              <a:buNone/>
+              <a:defRPr sz="900"/>
+            </a:lvl9pPr>
+          </a:lstStyle>
+          <a:p>
+            <a:pPr lvl="0"/>
+            <a:r>
+              <a:rPr lang="en-US"/>
+              <a:t>Click to edit Master text styles</a:t>
+            </a:r>
+          </a:p>
+        </p:txBody>
+      </p:sp>
+      <p:sp>
+        <p:nvSpPr>
+          <p:cNvPr id="4" name="Date Placeholder 3"/>
+          <p:cNvSpPr>
+            <a:spLocks noGrp="1"/>
+          </p:cNvSpPr>
+          <p:nvPr>
+            <p:ph type="dt" sz="half" idx="10"/>
+          </p:nvPr>
+        </p:nvSpPr>
+        <p:spPr/>
+        <p:txBody>
+          <a:bodyPr/>
+          <a:lstStyle/>
+          <a:p>
+            <a:fld id="{AEC2FEFB-2644-498B-B0EE-CDE108AFE4F9}" type="datetimeFigureOut">
+              <a:rPr lang="en-GB" smtClean="0"/>
+              <a:t>30/01/2023</a:t>
+            </a:fld>
+            <a:endParaRPr lang="en-GB"/>
+          </a:p>
+        </p:txBody>
+      </p:sp>
+      <p:sp>
+        <p:nvSpPr>
+          <p:cNvPr id="5" name="Footer Placeholder 4"/>
+          <p:cNvSpPr>
+            <a:spLocks noGrp="1"/>
+          </p:cNvSpPr>
+          <p:nvPr>
+            <p:ph type="ftr" sz="quarter" idx="11"/>
+          </p:nvPr>
+        </p:nvSpPr>
+        <p:spPr/>
+        <p:txBody>
+          <a:bodyPr/>
+          <a:lstStyle/>
+          <a:p>
+            <a:endParaRPr lang="en-GB"/>
+          </a:p>
+        </p:txBody>
+      </p:sp>
+      <p:sp>
+        <p:nvSpPr>
+          <p:cNvPr id="6" name="Slide Number Placeholder 5"/>
+          <p:cNvSpPr>
+            <a:spLocks noGrp="1"/>
+          </p:cNvSpPr>
+          <p:nvPr>
+            <p:ph type="sldNum" sz="quarter" idx="12"/>
+          </p:nvPr>
+        </p:nvSpPr>
+        <p:spPr/>
+        <p:txBody>
+          <a:bodyPr/>
+          <a:lstStyle/>
+          <a:p>
+            <a:fld id="{A207C0AD-144B-4360-9928-DF51CF6E082E}" type="slidenum">
+              <a:rPr lang="en-GB" smtClean="0"/>
+              <a:t>‹#›</a:t>
+            </a:fld>
+            <a:endParaRPr lang="en-GB"/>
+          </a:p>
+        </p:txBody>
+      </p:sp>
+      <p:sp>
+        <p:nvSpPr>
+          <p:cNvPr id="11" name="TextBox 10"/>
+          <p:cNvSpPr txBox="1"/>
+          <p:nvPr/>
+        </p:nvSpPr>
+        <p:spPr>
+          <a:xfrm>
+            <a:off x="898295" y="971253"/>
+            <a:ext cx="801912" cy="1969770"/>
+          </a:xfrm>
+          <a:prstGeom prst="rect">
+            <a:avLst/>
+          </a:prstGeom>
+          <a:noFill/>
+        </p:spPr>
+        <p:txBody>
+          <a:bodyPr wrap="square" rtlCol="0">
+            <a:spAutoFit/>
+          </a:bodyPr>
+          <a:lstStyle>
+            <a:defPPr>
+              <a:defRPr lang="en-US"/>
+            </a:defPPr>
+            <a:lvl1pPr algn="r">
+              <a:defRPr sz="12200" b="0" i="0">
+                <a:solidFill>
+                  <a:schemeClr val="accent1"/>
+                </a:solidFill>
+                <a:latin typeface="Arial"/>
+                <a:ea typeface="+mj-ea"/>
+                <a:cs typeface="+mj-cs"/>
+              </a:defRPr>
+            </a:lvl1pPr>
+          </a:lstStyle>
+          <a:p>
+            <a:pPr lvl="0"/>
+            <a:r>
+              <a:rPr lang="en-US" dirty="0"/>
+              <a:t>“</a:t>
+            </a:r>
+          </a:p>
+        </p:txBody>
+      </p:sp>
+      <p:sp>
+        <p:nvSpPr>
+          <p:cNvPr id="13" name="TextBox 12"/>
+          <p:cNvSpPr txBox="1"/>
+          <p:nvPr/>
+        </p:nvSpPr>
+        <p:spPr>
+          <a:xfrm>
+            <a:off x="9330490" y="2613787"/>
+            <a:ext cx="801912" cy="1969770"/>
+          </a:xfrm>
+          <a:prstGeom prst="rect">
+            <a:avLst/>
+          </a:prstGeom>
+          <a:noFill/>
+        </p:spPr>
+        <p:txBody>
+          <a:bodyPr wrap="square" rtlCol="0">
+            <a:spAutoFit/>
+          </a:bodyPr>
+          <a:lstStyle>
+            <a:defPPr>
+              <a:defRPr lang="en-US"/>
+            </a:defPPr>
+            <a:lvl1pPr algn="r">
+              <a:defRPr sz="12200" b="0" i="0">
+                <a:solidFill>
+                  <a:schemeClr val="accent1"/>
+                </a:solidFill>
+                <a:latin typeface="Arial"/>
+                <a:ea typeface="+mj-ea"/>
+                <a:cs typeface="+mj-cs"/>
+              </a:defRPr>
+            </a:lvl1pPr>
+          </a:lstStyle>
+          <a:p>
+            <a:pPr lvl="0"/>
+            <a:r>
+              <a:rPr lang="en-US" dirty="0"/>
+              <a:t>”</a:t>
+            </a:r>
+          </a:p>
+        </p:txBody>
+      </p:sp>
+    </p:spTree>
+    <p:extLst>
+      <p:ext uri="{BB962C8B-B14F-4D97-AF65-F5344CB8AC3E}">
+        <p14:creationId xmlns:p14="http://schemas.microsoft.com/office/powerpoint/2010/main" val="3129092922"/>
+      </p:ext>
+    </p:extLst>
+  </p:cSld>
+  <p:clrMapOvr>
+    <a:masterClrMapping/>
+  </p:clrMapOvr>
+</p:sldLayout>
+</file>
+
+<file path=ppt/slideLayouts/slideLayout13.xml><?xml version="1.0" encoding="utf-8"?>
+<p:sldLayout xmlns:a="http://schemas.openxmlformats.org/drawingml/2006/main" xmlns:r="http://schemas.openxmlformats.org/officeDocument/2006/relationships" xmlns:p="http://schemas.openxmlformats.org/presentationml/2006/main" preserve="1">
+  <p:cSld name="Name Card">
+    <p:spTree>
+      <p:nvGrpSpPr>
+        <p:cNvPr id="1" name=""/>
+        <p:cNvGrpSpPr/>
+        <p:nvPr/>
+      </p:nvGrpSpPr>
+      <p:grpSpPr>
+        <a:xfrm>
+          <a:off x="0" y="0"/>
+          <a:ext cx="0" cy="0"/>
+          <a:chOff x="0" y="0"/>
+          <a:chExt cx="0" cy="0"/>
+        </a:xfrm>
+      </p:grpSpPr>
+      <p:sp>
+        <p:nvSpPr>
+          <p:cNvPr id="2" name="Title 1"/>
+          <p:cNvSpPr>
+            <a:spLocks noGrp="1"/>
+          </p:cNvSpPr>
+          <p:nvPr>
+            <p:ph type="title"/>
+          </p:nvPr>
+        </p:nvSpPr>
+        <p:spPr>
+          <a:xfrm>
+            <a:off x="1154954" y="3124201"/>
+            <a:ext cx="8825659" cy="1653180"/>
+          </a:xfrm>
+        </p:spPr>
+        <p:txBody>
+          <a:bodyPr anchor="b"/>
+          <a:lstStyle>
+            <a:lvl1pPr algn="l">
+              <a:defRPr sz="4000" b="0" cap="none"/>
+            </a:lvl1pPr>
+          </a:lstStyle>
+          <a:p>
+            <a:r>
+              <a:rPr lang="en-US"/>
+              <a:t>Click to edit Master title style</a:t>
+            </a:r>
+            <a:endParaRPr lang="en-US" dirty="0"/>
+          </a:p>
+        </p:txBody>
+      </p:sp>
+      <p:sp>
+        <p:nvSpPr>
+          <p:cNvPr id="3" name="Text Placeholder 2"/>
+          <p:cNvSpPr>
+            <a:spLocks noGrp="1"/>
+          </p:cNvSpPr>
+          <p:nvPr>
+            <p:ph type="body" idx="1"/>
+          </p:nvPr>
+        </p:nvSpPr>
+        <p:spPr>
+          <a:xfrm>
+            <a:off x="1154955" y="4777381"/>
+            <a:ext cx="8825658" cy="860400"/>
+          </a:xfrm>
+        </p:spPr>
+        <p:txBody>
+          <a:bodyPr anchor="t"/>
+          <a:lstStyle>
+            <a:lvl1pPr marL="0" indent="0" algn="l">
+              <a:buNone/>
+              <a:defRPr sz="2000" cap="none">
+                <a:solidFill>
+                  <a:schemeClr val="accent1"/>
+                </a:solidFill>
+              </a:defRPr>
+            </a:lvl1pPr>
+            <a:lvl2pPr marL="457200" indent="0">
+              <a:buNone/>
+              <a:defRPr sz="1800">
+                <a:solidFill>
+                  <a:schemeClr val="tx1">
+                    <a:tint val="75000"/>
+                  </a:schemeClr>
+                </a:solidFill>
+              </a:defRPr>
+            </a:lvl2pPr>
+            <a:lvl3pPr marL="914400" indent="0">
+              <a:buNone/>
+              <a:defRPr sz="1600">
+                <a:solidFill>
+                  <a:schemeClr val="tx1">
+                    <a:tint val="75000"/>
+                  </a:schemeClr>
+                </a:solidFill>
+              </a:defRPr>
+            </a:lvl3pPr>
+            <a:lvl4pPr marL="1371600" indent="0">
+              <a:buNone/>
+              <a:defRPr sz="1400">
+                <a:solidFill>
+                  <a:schemeClr val="tx1">
+                    <a:tint val="75000"/>
+                  </a:schemeClr>
+                </a:solidFill>
+              </a:defRPr>
+            </a:lvl4pPr>
+            <a:lvl5pPr marL="1828800" indent="0">
+              <a:buNone/>
+              <a:defRPr sz="1400">
+                <a:solidFill>
+                  <a:schemeClr val="tx1">
+                    <a:tint val="75000"/>
+                  </a:schemeClr>
+                </a:solidFill>
+              </a:defRPr>
+            </a:lvl5pPr>
+            <a:lvl6pPr marL="2286000" indent="0">
+              <a:buNone/>
+              <a:defRPr sz="1400">
+                <a:solidFill>
+                  <a:schemeClr val="tx1">
+                    <a:tint val="75000"/>
+                  </a:schemeClr>
+                </a:solidFill>
+              </a:defRPr>
+            </a:lvl6pPr>
+            <a:lvl7pPr marL="2743200" indent="0">
+              <a:buNone/>
+              <a:defRPr sz="1400">
+                <a:solidFill>
+                  <a:schemeClr val="tx1">
+                    <a:tint val="75000"/>
+                  </a:schemeClr>
+                </a:solidFill>
+              </a:defRPr>
+            </a:lvl7pPr>
+            <a:lvl8pPr marL="3200400" indent="0">
+              <a:buNone/>
+              <a:defRPr sz="1400">
+                <a:solidFill>
+                  <a:schemeClr val="tx1">
+                    <a:tint val="75000"/>
+                  </a:schemeClr>
+                </a:solidFill>
+              </a:defRPr>
+            </a:lvl8pPr>
+            <a:lvl9pPr marL="3657600" indent="0">
+              <a:buNone/>
+              <a:defRPr sz="1400">
+                <a:solidFill>
+                  <a:schemeClr val="tx1">
+                    <a:tint val="75000"/>
+                  </a:schemeClr>
+                </a:solidFill>
+              </a:defRPr>
+            </a:lvl9pPr>
+          </a:lstStyle>
+          <a:p>
+            <a:pPr lvl="0"/>
+            <a:r>
+              <a:rPr lang="en-US"/>
+              <a:t>Click to edit Master text styles</a:t>
+            </a:r>
+          </a:p>
+        </p:txBody>
+      </p:sp>
+      <p:sp>
+        <p:nvSpPr>
+          <p:cNvPr id="4" name="Date Placeholder 3"/>
+          <p:cNvSpPr>
+            <a:spLocks noGrp="1"/>
+          </p:cNvSpPr>
+          <p:nvPr>
+            <p:ph type="dt" sz="half" idx="10"/>
+          </p:nvPr>
+        </p:nvSpPr>
+        <p:spPr/>
+        <p:txBody>
+          <a:bodyPr/>
+          <a:lstStyle/>
+          <a:p>
+            <a:fld id="{AEC2FEFB-2644-498B-B0EE-CDE108AFE4F9}" type="datetimeFigureOut">
+              <a:rPr lang="en-GB" smtClean="0"/>
+              <a:t>30/01/2023</a:t>
+            </a:fld>
+            <a:endParaRPr lang="en-GB"/>
+          </a:p>
+        </p:txBody>
+      </p:sp>
+      <p:sp>
+        <p:nvSpPr>
+          <p:cNvPr id="5" name="Footer Placeholder 4"/>
+          <p:cNvSpPr>
+            <a:spLocks noGrp="1"/>
+          </p:cNvSpPr>
+          <p:nvPr>
+            <p:ph type="ftr" sz="quarter" idx="11"/>
+          </p:nvPr>
+        </p:nvSpPr>
+        <p:spPr/>
+        <p:txBody>
+          <a:bodyPr/>
+          <a:lstStyle/>
+          <a:p>
+            <a:endParaRPr lang="en-GB"/>
+          </a:p>
+        </p:txBody>
+      </p:sp>
+      <p:sp>
+        <p:nvSpPr>
+          <p:cNvPr id="6" name="Slide Number Placeholder 5"/>
+          <p:cNvSpPr>
+            <a:spLocks noGrp="1"/>
+          </p:cNvSpPr>
+          <p:nvPr>
+            <p:ph type="sldNum" sz="quarter" idx="12"/>
+          </p:nvPr>
+        </p:nvSpPr>
+        <p:spPr/>
+        <p:txBody>
+          <a:bodyPr/>
+          <a:lstStyle/>
+          <a:p>
+            <a:fld id="{A207C0AD-144B-4360-9928-DF51CF6E082E}" type="slidenum">
+              <a:rPr lang="en-GB" smtClean="0"/>
+              <a:t>‹#›</a:t>
+            </a:fld>
+            <a:endParaRPr lang="en-GB"/>
+          </a:p>
+        </p:txBody>
+      </p:sp>
+    </p:spTree>
+    <p:extLst>
+      <p:ext uri="{BB962C8B-B14F-4D97-AF65-F5344CB8AC3E}">
+        <p14:creationId xmlns:p14="http://schemas.microsoft.com/office/powerpoint/2010/main" val="227552707"/>
+      </p:ext>
+    </p:extLst>
+  </p:cSld>
+  <p:clrMapOvr>
+    <a:masterClrMapping/>
+  </p:clrMapOvr>
+</p:sldLayout>
+</file>
+
+<file path=ppt/slideLayouts/slideLayout14.xml><?xml version="1.0" encoding="utf-8"?>
+<p:sldLayout xmlns:a="http://schemas.openxmlformats.org/drawingml/2006/main" xmlns:r="http://schemas.openxmlformats.org/officeDocument/2006/relationships" xmlns:p="http://schemas.openxmlformats.org/presentationml/2006/main" preserve="1">
+  <p:cSld name="3 Column">
+    <p:spTree>
+      <p:nvGrpSpPr>
+        <p:cNvPr id="1" name=""/>
+        <p:cNvGrpSpPr/>
+        <p:nvPr/>
+      </p:nvGrpSpPr>
+      <p:grpSpPr>
+        <a:xfrm>
+          <a:off x="0" y="0"/>
+          <a:ext cx="0" cy="0"/>
+          <a:chOff x="0" y="0"/>
+          <a:chExt cx="0" cy="0"/>
+        </a:xfrm>
+      </p:grpSpPr>
+      <p:sp>
+        <p:nvSpPr>
+          <p:cNvPr id="2" name="Title 1"/>
+          <p:cNvSpPr>
+            <a:spLocks noGrp="1"/>
+          </p:cNvSpPr>
+          <p:nvPr>
+            <p:ph type="title"/>
+          </p:nvPr>
+        </p:nvSpPr>
+        <p:spPr/>
+        <p:txBody>
+          <a:bodyPr/>
+          <a:lstStyle>
+            <a:lvl1pPr>
+              <a:defRPr sz="4200"/>
+            </a:lvl1pPr>
+          </a:lstStyle>
+          <a:p>
+            <a:r>
+              <a:rPr lang="en-US"/>
+              <a:t>Click to edit Master title style</a:t>
+            </a:r>
+            <a:endParaRPr lang="en-US" dirty="0"/>
+          </a:p>
+        </p:txBody>
+      </p:sp>
+      <p:sp>
+        <p:nvSpPr>
+          <p:cNvPr id="3" name="Text Placeholder 2"/>
+          <p:cNvSpPr>
+            <a:spLocks noGrp="1"/>
+          </p:cNvSpPr>
+          <p:nvPr>
+            <p:ph type="body" idx="1"/>
+          </p:nvPr>
+        </p:nvSpPr>
+        <p:spPr>
+          <a:xfrm>
+            <a:off x="632947" y="1981200"/>
+            <a:ext cx="2946866" cy="576262"/>
+          </a:xfrm>
+        </p:spPr>
+        <p:txBody>
+          <a:bodyPr anchor="b">
+            <a:noAutofit/>
+          </a:bodyPr>
+          <a:lstStyle>
+            <a:lvl1pPr marL="0" indent="0">
+              <a:buNone/>
+              <a:defRPr sz="2400" b="0">
+                <a:solidFill>
+                  <a:schemeClr val="accent1"/>
+                </a:solidFill>
+              </a:defRPr>
+            </a:lvl1pPr>
+            <a:lvl2pPr marL="457200" indent="0">
+              <a:buNone/>
+              <a:defRPr sz="2000" b="1"/>
+            </a:lvl2pPr>
+            <a:lvl3pPr marL="914400" indent="0">
+              <a:buNone/>
+              <a:defRPr sz="1800" b="1"/>
+            </a:lvl3pPr>
+            <a:lvl4pPr marL="1371600" indent="0">
+              <a:buNone/>
+              <a:defRPr sz="1600" b="1"/>
+            </a:lvl4pPr>
+            <a:lvl5pPr marL="1828800" indent="0">
+              <a:buNone/>
+              <a:defRPr sz="1600" b="1"/>
+            </a:lvl5pPr>
+            <a:lvl6pPr marL="2286000" indent="0">
+              <a:buNone/>
+              <a:defRPr sz="1600" b="1"/>
+            </a:lvl6pPr>
+            <a:lvl7pPr marL="2743200" indent="0">
+              <a:buNone/>
+              <a:defRPr sz="1600" b="1"/>
+            </a:lvl7pPr>
+            <a:lvl8pPr marL="3200400" indent="0">
+              <a:buNone/>
+              <a:defRPr sz="1600" b="1"/>
+            </a:lvl8pPr>
+            <a:lvl9pPr marL="3657600" indent="0">
+              <a:buNone/>
+              <a:defRPr sz="1600" b="1"/>
+            </a:lvl9pPr>
+          </a:lstStyle>
+          <a:p>
+            <a:pPr lvl="0"/>
+            <a:r>
+              <a:rPr lang="en-US"/>
+              <a:t>Click to edit Master text styles</a:t>
+            </a:r>
+          </a:p>
+        </p:txBody>
+      </p:sp>
+      <p:sp>
+        <p:nvSpPr>
+          <p:cNvPr id="16" name="Text Placeholder 3"/>
+          <p:cNvSpPr>
+            <a:spLocks noGrp="1"/>
+          </p:cNvSpPr>
+          <p:nvPr>
+            <p:ph type="body" sz="half" idx="15"/>
+          </p:nvPr>
+        </p:nvSpPr>
+        <p:spPr>
+          <a:xfrm>
+            <a:off x="652463" y="2667000"/>
+            <a:ext cx="2927350" cy="3589338"/>
+          </a:xfrm>
+        </p:spPr>
+        <p:txBody>
+          <a:bodyPr anchor="t">
+            <a:normAutofit/>
+          </a:bodyPr>
+          <a:lstStyle>
+            <a:lvl1pPr marL="0" indent="0">
+              <a:buNone/>
+              <a:defRPr sz="1400"/>
+            </a:lvl1pPr>
+            <a:lvl2pPr marL="457200" indent="0">
+              <a:buNone/>
+              <a:defRPr sz="1200"/>
+            </a:lvl2pPr>
+            <a:lvl3pPr marL="914400" indent="0">
+              <a:buNone/>
+              <a:defRPr sz="1000"/>
+            </a:lvl3pPr>
+            <a:lvl4pPr marL="1371600" indent="0">
+              <a:buNone/>
+              <a:defRPr sz="900"/>
+            </a:lvl4pPr>
+            <a:lvl5pPr marL="1828800" indent="0">
+              <a:buNone/>
+              <a:defRPr sz="900"/>
+            </a:lvl5pPr>
+            <a:lvl6pPr marL="2286000" indent="0">
+              <a:buNone/>
+              <a:defRPr sz="900"/>
+            </a:lvl6pPr>
+            <a:lvl7pPr marL="2743200" indent="0">
+              <a:buNone/>
+              <a:defRPr sz="900"/>
+            </a:lvl7pPr>
+            <a:lvl8pPr marL="3200400" indent="0">
+              <a:buNone/>
+              <a:defRPr sz="900"/>
+            </a:lvl8pPr>
+            <a:lvl9pPr marL="3657600" indent="0">
+              <a:buNone/>
+              <a:defRPr sz="900"/>
+            </a:lvl9pPr>
+          </a:lstStyle>
+          <a:p>
+            <a:pPr lvl="0"/>
+            <a:r>
+              <a:rPr lang="en-US"/>
+              <a:t>Click to edit Master text styles</a:t>
+            </a:r>
+          </a:p>
+        </p:txBody>
+      </p:sp>
+      <p:sp>
+        <p:nvSpPr>
+          <p:cNvPr id="5" name="Text Placeholder 4"/>
+          <p:cNvSpPr>
+            <a:spLocks noGrp="1"/>
+          </p:cNvSpPr>
+          <p:nvPr>
+            <p:ph type="body" sz="quarter" idx="3"/>
+          </p:nvPr>
+        </p:nvSpPr>
+        <p:spPr>
+          <a:xfrm>
+            <a:off x="3883659" y="1981200"/>
+            <a:ext cx="2936241" cy="576262"/>
+          </a:xfrm>
+        </p:spPr>
+        <p:txBody>
+          <a:bodyPr anchor="b">
+            <a:noAutofit/>
+          </a:bodyPr>
+          <a:lstStyle>
+            <a:lvl1pPr marL="0" indent="0">
+              <a:buNone/>
+              <a:defRPr sz="2400" b="0">
+                <a:solidFill>
+                  <a:schemeClr val="accent1"/>
+                </a:solidFill>
+              </a:defRPr>
+            </a:lvl1pPr>
+            <a:lvl2pPr marL="457200" indent="0">
+              <a:buNone/>
+              <a:defRPr sz="2000" b="1"/>
+            </a:lvl2pPr>
+            <a:lvl3pPr marL="914400" indent="0">
+              <a:buNone/>
+              <a:defRPr sz="1800" b="1"/>
+            </a:lvl3pPr>
+            <a:lvl4pPr marL="1371600" indent="0">
+              <a:buNone/>
+              <a:defRPr sz="1600" b="1"/>
+            </a:lvl4pPr>
+            <a:lvl5pPr marL="1828800" indent="0">
+              <a:buNone/>
+              <a:defRPr sz="1600" b="1"/>
+            </a:lvl5pPr>
+            <a:lvl6pPr marL="2286000" indent="0">
+              <a:buNone/>
+              <a:defRPr sz="1600" b="1"/>
+            </a:lvl6pPr>
+            <a:lvl7pPr marL="2743200" indent="0">
+              <a:buNone/>
+              <a:defRPr sz="1600" b="1"/>
+            </a:lvl7pPr>
+            <a:lvl8pPr marL="3200400" indent="0">
+              <a:buNone/>
+              <a:defRPr sz="1600" b="1"/>
+            </a:lvl8pPr>
+            <a:lvl9pPr marL="3657600" indent="0">
+              <a:buNone/>
+              <a:defRPr sz="1600" b="1"/>
+            </a:lvl9pPr>
+          </a:lstStyle>
+          <a:p>
+            <a:pPr lvl="0"/>
+            <a:r>
+              <a:rPr lang="en-US"/>
+              <a:t>Click to edit Master text styles</a:t>
+            </a:r>
+          </a:p>
+        </p:txBody>
+      </p:sp>
+      <p:sp>
+        <p:nvSpPr>
+          <p:cNvPr id="19" name="Text Placeholder 3"/>
+          <p:cNvSpPr>
+            <a:spLocks noGrp="1"/>
+          </p:cNvSpPr>
+          <p:nvPr>
+            <p:ph type="body" sz="half" idx="16"/>
+          </p:nvPr>
+        </p:nvSpPr>
+        <p:spPr>
+          <a:xfrm>
+            <a:off x="3873106" y="2667000"/>
+            <a:ext cx="2946794" cy="3589338"/>
+          </a:xfrm>
+        </p:spPr>
+        <p:txBody>
+          <a:bodyPr anchor="t">
+            <a:normAutofit/>
+          </a:bodyPr>
+          <a:lstStyle>
+            <a:lvl1pPr marL="0" indent="0">
+              <a:buNone/>
+              <a:defRPr sz="1400"/>
+            </a:lvl1pPr>
+            <a:lvl2pPr marL="457200" indent="0">
+              <a:buNone/>
+              <a:defRPr sz="1200"/>
+            </a:lvl2pPr>
+            <a:lvl3pPr marL="914400" indent="0">
+              <a:buNone/>
+              <a:defRPr sz="1000"/>
+            </a:lvl3pPr>
+            <a:lvl4pPr marL="1371600" indent="0">
+              <a:buNone/>
+              <a:defRPr sz="900"/>
+            </a:lvl4pPr>
+            <a:lvl5pPr marL="1828800" indent="0">
+              <a:buNone/>
+              <a:defRPr sz="900"/>
+            </a:lvl5pPr>
+            <a:lvl6pPr marL="2286000" indent="0">
+              <a:buNone/>
+              <a:defRPr sz="900"/>
+            </a:lvl6pPr>
+            <a:lvl7pPr marL="2743200" indent="0">
+              <a:buNone/>
+              <a:defRPr sz="900"/>
+            </a:lvl7pPr>
+            <a:lvl8pPr marL="3200400" indent="0">
+              <a:buNone/>
+              <a:defRPr sz="900"/>
+            </a:lvl8pPr>
+            <a:lvl9pPr marL="3657600" indent="0">
+              <a:buNone/>
+              <a:defRPr sz="900"/>
+            </a:lvl9pPr>
+          </a:lstStyle>
+          <a:p>
+            <a:pPr lvl="0"/>
+            <a:r>
+              <a:rPr lang="en-US"/>
+              <a:t>Click to edit Master text styles</a:t>
+            </a:r>
+          </a:p>
+        </p:txBody>
+      </p:sp>
+      <p:sp>
+        <p:nvSpPr>
+          <p:cNvPr id="14" name="Text Placeholder 4"/>
+          <p:cNvSpPr>
+            <a:spLocks noGrp="1"/>
+          </p:cNvSpPr>
+          <p:nvPr>
+            <p:ph type="body" sz="quarter" idx="13"/>
+          </p:nvPr>
+        </p:nvSpPr>
+        <p:spPr>
+          <a:xfrm>
+            <a:off x="7124700" y="1981200"/>
+            <a:ext cx="2932113" cy="576262"/>
+          </a:xfrm>
+        </p:spPr>
+        <p:txBody>
+          <a:bodyPr anchor="b">
+            <a:noAutofit/>
+          </a:bodyPr>
+          <a:lstStyle>
+            <a:lvl1pPr marL="0" indent="0">
+              <a:buNone/>
+              <a:defRPr sz="2400" b="0">
+                <a:solidFill>
+                  <a:schemeClr val="accent1"/>
+                </a:solidFill>
+              </a:defRPr>
+            </a:lvl1pPr>
+            <a:lvl2pPr marL="457200" indent="0">
+              <a:buNone/>
+              <a:defRPr sz="2000" b="1"/>
+            </a:lvl2pPr>
+            <a:lvl3pPr marL="914400" indent="0">
+              <a:buNone/>
+              <a:defRPr sz="1800" b="1"/>
+            </a:lvl3pPr>
+            <a:lvl4pPr marL="1371600" indent="0">
+              <a:buNone/>
+              <a:defRPr sz="1600" b="1"/>
+            </a:lvl4pPr>
+            <a:lvl5pPr marL="1828800" indent="0">
+              <a:buNone/>
+              <a:defRPr sz="1600" b="1"/>
+            </a:lvl5pPr>
+            <a:lvl6pPr marL="2286000" indent="0">
+              <a:buNone/>
+              <a:defRPr sz="1600" b="1"/>
+            </a:lvl6pPr>
+            <a:lvl7pPr marL="2743200" indent="0">
+              <a:buNone/>
+              <a:defRPr sz="1600" b="1"/>
+            </a:lvl7pPr>
+            <a:lvl8pPr marL="3200400" indent="0">
+              <a:buNone/>
+              <a:defRPr sz="1600" b="1"/>
+            </a:lvl8pPr>
+            <a:lvl9pPr marL="3657600" indent="0">
+              <a:buNone/>
+              <a:defRPr sz="1600" b="1"/>
+            </a:lvl9pPr>
+          </a:lstStyle>
+          <a:p>
+            <a:pPr lvl="0"/>
+            <a:r>
+              <a:rPr lang="en-US"/>
+              <a:t>Click to edit Master text styles</a:t>
+            </a:r>
+          </a:p>
+        </p:txBody>
+      </p:sp>
+      <p:sp>
+        <p:nvSpPr>
+          <p:cNvPr id="20" name="Text Placeholder 3"/>
+          <p:cNvSpPr>
+            <a:spLocks noGrp="1"/>
+          </p:cNvSpPr>
+          <p:nvPr>
+            <p:ph type="body" sz="half" idx="17"/>
+          </p:nvPr>
+        </p:nvSpPr>
+        <p:spPr>
+          <a:xfrm>
+            <a:off x="7124700" y="2667000"/>
+            <a:ext cx="2932113" cy="3589338"/>
+          </a:xfrm>
+        </p:spPr>
+        <p:txBody>
+          <a:bodyPr anchor="t">
+            <a:normAutofit/>
+          </a:bodyPr>
+          <a:lstStyle>
+            <a:lvl1pPr marL="0" indent="0">
+              <a:buNone/>
+              <a:defRPr sz="1400"/>
+            </a:lvl1pPr>
+            <a:lvl2pPr marL="457200" indent="0">
+              <a:buNone/>
+              <a:defRPr sz="1200"/>
+            </a:lvl2pPr>
+            <a:lvl3pPr marL="914400" indent="0">
+              <a:buNone/>
+              <a:defRPr sz="1000"/>
+            </a:lvl3pPr>
+            <a:lvl4pPr marL="1371600" indent="0">
+              <a:buNone/>
+              <a:defRPr sz="900"/>
+            </a:lvl4pPr>
+            <a:lvl5pPr marL="1828800" indent="0">
+              <a:buNone/>
+              <a:defRPr sz="900"/>
+            </a:lvl5pPr>
+            <a:lvl6pPr marL="2286000" indent="0">
+              <a:buNone/>
+              <a:defRPr sz="900"/>
+            </a:lvl6pPr>
+            <a:lvl7pPr marL="2743200" indent="0">
+              <a:buNone/>
+              <a:defRPr sz="900"/>
+            </a:lvl7pPr>
+            <a:lvl8pPr marL="3200400" indent="0">
+              <a:buNone/>
+              <a:defRPr sz="900"/>
+            </a:lvl8pPr>
+            <a:lvl9pPr marL="3657600" indent="0">
+              <a:buNone/>
+              <a:defRPr sz="900"/>
+            </a:lvl9pPr>
+          </a:lstStyle>
+          <a:p>
+            <a:pPr lvl="0"/>
+            <a:r>
+              <a:rPr lang="en-US"/>
+              <a:t>Click to edit Master text styles</a:t>
+            </a:r>
+          </a:p>
+        </p:txBody>
+      </p:sp>
+      <p:cxnSp>
+        <p:nvCxnSpPr>
+          <p:cNvPr id="17" name="Straight Connector 16"/>
+          <p:cNvCxnSpPr/>
+          <p:nvPr/>
+        </p:nvCxnSpPr>
+        <p:spPr>
+          <a:xfrm>
+            <a:off x="3726142" y="2133600"/>
+            <a:ext cx="0" cy="3962400"/>
+          </a:xfrm>
+          <a:prstGeom prst="line">
+            <a:avLst/>
+          </a:prstGeom>
+          <a:ln w="12700" cmpd="sng">
+            <a:solidFill>
+              <a:schemeClr val="accent1">
+                <a:alpha val="40000"/>
+              </a:schemeClr>
+            </a:solidFill>
+          </a:ln>
+        </p:spPr>
+        <p:style>
+          <a:lnRef idx="2">
+            <a:schemeClr val="accent1"/>
+          </a:lnRef>
+          <a:fillRef idx="0">
+            <a:schemeClr val="accent1"/>
+          </a:fillRef>
+          <a:effectRef idx="1">
+            <a:schemeClr val="accent1"/>
+          </a:effectRef>
+          <a:fontRef idx="minor">
+            <a:schemeClr val="tx1"/>
+          </a:fontRef>
+        </p:style>
+      </p:cxnSp>
+      <p:cxnSp>
+        <p:nvCxnSpPr>
+          <p:cNvPr id="18" name="Straight Connector 17"/>
+          <p:cNvCxnSpPr/>
+          <p:nvPr/>
+        </p:nvCxnSpPr>
+        <p:spPr>
+          <a:xfrm>
+            <a:off x="6962227" y="2133600"/>
+            <a:ext cx="0" cy="3966882"/>
+          </a:xfrm>
+          <a:prstGeom prst="line">
+            <a:avLst/>
+          </a:prstGeom>
+          <a:ln w="12700" cmpd="sng">
+            <a:solidFill>
+              <a:schemeClr val="accent1">
+                <a:alpha val="40000"/>
+              </a:schemeClr>
+            </a:solidFill>
+          </a:ln>
+        </p:spPr>
+        <p:style>
+          <a:lnRef idx="2">
+            <a:schemeClr val="accent1"/>
+          </a:lnRef>
+          <a:fillRef idx="0">
+            <a:schemeClr val="accent1"/>
+          </a:fillRef>
+          <a:effectRef idx="1">
+            <a:schemeClr val="accent1"/>
+          </a:effectRef>
+          <a:fontRef idx="minor">
+            <a:schemeClr val="tx1"/>
+          </a:fontRef>
+        </p:style>
+      </p:cxnSp>
+      <p:sp>
+        <p:nvSpPr>
+          <p:cNvPr id="7" name="Date Placeholder 3"/>
+          <p:cNvSpPr>
+            <a:spLocks noGrp="1"/>
+          </p:cNvSpPr>
+          <p:nvPr>
+            <p:ph type="dt" sz="half" idx="10"/>
+          </p:nvPr>
+        </p:nvSpPr>
+        <p:spPr/>
+        <p:txBody>
+          <a:bodyPr/>
+          <a:lstStyle/>
+          <a:p>
+            <a:fld id="{AEC2FEFB-2644-498B-B0EE-CDE108AFE4F9}" type="datetimeFigureOut">
+              <a:rPr lang="en-GB" smtClean="0"/>
+              <a:t>30/01/2023</a:t>
+            </a:fld>
+            <a:endParaRPr lang="en-GB"/>
+          </a:p>
+        </p:txBody>
+      </p:sp>
+      <p:sp>
+        <p:nvSpPr>
+          <p:cNvPr id="4" name="Footer Placeholder 4"/>
+          <p:cNvSpPr>
+            <a:spLocks noGrp="1"/>
+          </p:cNvSpPr>
+          <p:nvPr>
+            <p:ph type="ftr" sz="quarter" idx="11"/>
+          </p:nvPr>
+        </p:nvSpPr>
+        <p:spPr/>
+        <p:txBody>
+          <a:bodyPr/>
+          <a:lstStyle/>
+          <a:p>
+            <a:endParaRPr lang="en-GB"/>
+          </a:p>
+        </p:txBody>
+      </p:sp>
+      <p:sp>
+        <p:nvSpPr>
+          <p:cNvPr id="6" name="Slide Number Placeholder 5"/>
+          <p:cNvSpPr>
+            <a:spLocks noGrp="1"/>
+          </p:cNvSpPr>
+          <p:nvPr>
+            <p:ph type="sldNum" sz="quarter" idx="12"/>
+          </p:nvPr>
+        </p:nvSpPr>
+        <p:spPr/>
+        <p:txBody>
+          <a:bodyPr/>
+          <a:lstStyle/>
+          <a:p>
+            <a:fld id="{A207C0AD-144B-4360-9928-DF51CF6E082E}" type="slidenum">
+              <a:rPr lang="en-GB" smtClean="0"/>
+              <a:t>‹#›</a:t>
+            </a:fld>
+            <a:endParaRPr lang="en-GB"/>
+          </a:p>
+        </p:txBody>
+      </p:sp>
+    </p:spTree>
+    <p:extLst>
+      <p:ext uri="{BB962C8B-B14F-4D97-AF65-F5344CB8AC3E}">
+        <p14:creationId xmlns:p14="http://schemas.microsoft.com/office/powerpoint/2010/main" val="456004915"/>
+      </p:ext>
+    </p:extLst>
+  </p:cSld>
+  <p:clrMapOvr>
+    <a:masterClrMapping/>
+  </p:clrMapOvr>
+</p:sldLayout>
+</file>
+
+<file path=ppt/slideLayouts/slideLayout15.xml><?xml version="1.0" encoding="utf-8"?>
+<p:sldLayout xmlns:a="http://schemas.openxmlformats.org/drawingml/2006/main" xmlns:r="http://schemas.openxmlformats.org/officeDocument/2006/relationships" xmlns:p="http://schemas.openxmlformats.org/presentationml/2006/main" preserve="1">
+  <p:cSld name="3 Picture Column">
+    <p:spTree>
+      <p:nvGrpSpPr>
+        <p:cNvPr id="1" name=""/>
+        <p:cNvGrpSpPr/>
+        <p:nvPr/>
+      </p:nvGrpSpPr>
+      <p:grpSpPr>
+        <a:xfrm>
+          <a:off x="0" y="0"/>
+          <a:ext cx="0" cy="0"/>
+          <a:chOff x="0" y="0"/>
+          <a:chExt cx="0" cy="0"/>
+        </a:xfrm>
+      </p:grpSpPr>
+      <p:sp>
+        <p:nvSpPr>
+          <p:cNvPr id="2" name="Title 1"/>
+          <p:cNvSpPr>
+            <a:spLocks noGrp="1"/>
+          </p:cNvSpPr>
+          <p:nvPr>
+            <p:ph type="title"/>
+          </p:nvPr>
+        </p:nvSpPr>
+        <p:spPr/>
+        <p:txBody>
+          <a:bodyPr/>
+          <a:lstStyle>
+            <a:lvl1pPr>
+              <a:defRPr sz="4200"/>
+            </a:lvl1pPr>
+          </a:lstStyle>
+          <a:p>
+            <a:r>
+              <a:rPr lang="en-US"/>
+              <a:t>Click to edit Master title style</a:t>
+            </a:r>
+            <a:endParaRPr lang="en-US" dirty="0"/>
+          </a:p>
+        </p:txBody>
+      </p:sp>
+      <p:sp>
+        <p:nvSpPr>
+          <p:cNvPr id="3" name="Text Placeholder 2"/>
+          <p:cNvSpPr>
+            <a:spLocks noGrp="1"/>
+          </p:cNvSpPr>
+          <p:nvPr>
+            <p:ph type="body" idx="1"/>
+          </p:nvPr>
+        </p:nvSpPr>
+        <p:spPr>
+          <a:xfrm>
+            <a:off x="652463" y="4250949"/>
+            <a:ext cx="2940050" cy="576262"/>
+          </a:xfrm>
+        </p:spPr>
+        <p:txBody>
+          <a:bodyPr anchor="b">
+            <a:noAutofit/>
+          </a:bodyPr>
+          <a:lstStyle>
+            <a:lvl1pPr marL="0" indent="0">
+              <a:buNone/>
+              <a:defRPr sz="2400" b="0">
+                <a:solidFill>
+                  <a:schemeClr val="accent1"/>
+                </a:solidFill>
+              </a:defRPr>
+            </a:lvl1pPr>
+            <a:lvl2pPr marL="457200" indent="0">
+              <a:buNone/>
+              <a:defRPr sz="2000" b="1"/>
+            </a:lvl2pPr>
+            <a:lvl3pPr marL="914400" indent="0">
+              <a:buNone/>
+              <a:defRPr sz="1800" b="1"/>
+            </a:lvl3pPr>
+            <a:lvl4pPr marL="1371600" indent="0">
+              <a:buNone/>
+              <a:defRPr sz="1600" b="1"/>
+            </a:lvl4pPr>
+            <a:lvl5pPr marL="1828800" indent="0">
+              <a:buNone/>
+              <a:defRPr sz="1600" b="1"/>
+            </a:lvl5pPr>
+            <a:lvl6pPr marL="2286000" indent="0">
+              <a:buNone/>
+              <a:defRPr sz="1600" b="1"/>
+            </a:lvl6pPr>
+            <a:lvl7pPr marL="2743200" indent="0">
+              <a:buNone/>
+              <a:defRPr sz="1600" b="1"/>
+            </a:lvl7pPr>
+            <a:lvl8pPr marL="3200400" indent="0">
+              <a:buNone/>
+              <a:defRPr sz="1600" b="1"/>
+            </a:lvl8pPr>
+            <a:lvl9pPr marL="3657600" indent="0">
+              <a:buNone/>
+              <a:defRPr sz="1600" b="1"/>
+            </a:lvl9pPr>
+          </a:lstStyle>
+          <a:p>
+            <a:pPr lvl="0"/>
+            <a:r>
+              <a:rPr lang="en-US"/>
+              <a:t>Click to edit Master text styles</a:t>
+            </a:r>
+          </a:p>
+        </p:txBody>
+      </p:sp>
+      <p:sp>
+        <p:nvSpPr>
+          <p:cNvPr id="29" name="Picture Placeholder 2"/>
+          <p:cNvSpPr>
+            <a:spLocks noGrp="1" noChangeAspect="1"/>
+          </p:cNvSpPr>
+          <p:nvPr>
+            <p:ph type="pic" idx="15"/>
+          </p:nvPr>
+        </p:nvSpPr>
+        <p:spPr>
+          <a:xfrm>
+            <a:off x="652463" y="2209800"/>
+            <a:ext cx="2940050" cy="1524000"/>
+          </a:xfrm>
+          <a:prstGeom prst="roundRect">
+            <a:avLst>
+              <a:gd name="adj" fmla="val 1858"/>
+            </a:avLst>
+          </a:prstGeom>
+          <a:effectLst>
+            <a:outerShdw blurRad="50800" dist="50800" dir="5400000" algn="tl" rotWithShape="0">
+              <a:srgbClr val="000000">
+                <a:alpha val="43000"/>
+              </a:srgbClr>
+            </a:outerShdw>
+          </a:effectLst>
+        </p:spPr>
+        <p:txBody>
+          <a:bodyPr anchor="t">
+            <a:normAutofit/>
+          </a:bodyPr>
+          <a:lstStyle>
+            <a:lvl1pPr marL="0" indent="0" algn="ctr">
+              <a:buNone/>
+              <a:defRPr sz="1600"/>
+            </a:lvl1pPr>
+            <a:lvl2pPr marL="457200" indent="0">
+              <a:buNone/>
+              <a:defRPr sz="1600"/>
+            </a:lvl2pPr>
+            <a:lvl3pPr marL="914400" indent="0">
+              <a:buNone/>
+              <a:defRPr sz="1600"/>
+            </a:lvl3pPr>
+            <a:lvl4pPr marL="1371600" indent="0">
+              <a:buNone/>
+              <a:defRPr sz="1600"/>
+            </a:lvl4pPr>
+            <a:lvl5pPr marL="1828800" indent="0">
+              <a:buNone/>
+              <a:defRPr sz="1600"/>
+            </a:lvl5pPr>
+            <a:lvl6pPr marL="2286000" indent="0">
+              <a:buNone/>
+              <a:defRPr sz="1600"/>
+            </a:lvl6pPr>
+            <a:lvl7pPr marL="2743200" indent="0">
+              <a:buNone/>
+              <a:defRPr sz="1600"/>
+            </a:lvl7pPr>
+            <a:lvl8pPr marL="3200400" indent="0">
+              <a:buNone/>
+              <a:defRPr sz="1600"/>
+            </a:lvl8pPr>
+            <a:lvl9pPr marL="3657600" indent="0">
+              <a:buNone/>
+              <a:defRPr sz="1600"/>
+            </a:lvl9pPr>
+          </a:lstStyle>
+          <a:p>
+            <a:r>
+              <a:rPr lang="en-US"/>
+              <a:t>Click icon to add picture</a:t>
+            </a:r>
+            <a:endParaRPr lang="en-US" dirty="0"/>
+          </a:p>
+        </p:txBody>
+      </p:sp>
+      <p:sp>
+        <p:nvSpPr>
+          <p:cNvPr id="22" name="Text Placeholder 3"/>
+          <p:cNvSpPr>
+            <a:spLocks noGrp="1"/>
+          </p:cNvSpPr>
+          <p:nvPr>
+            <p:ph type="body" sz="half" idx="18"/>
+          </p:nvPr>
+        </p:nvSpPr>
+        <p:spPr>
+          <a:xfrm>
+            <a:off x="652463" y="4827211"/>
+            <a:ext cx="2940050" cy="659189"/>
+          </a:xfrm>
+        </p:spPr>
+        <p:txBody>
+          <a:bodyPr anchor="t">
+            <a:normAutofit/>
+          </a:bodyPr>
+          <a:lstStyle>
+            <a:lvl1pPr marL="0" indent="0">
+              <a:buNone/>
+              <a:defRPr sz="1400"/>
+            </a:lvl1pPr>
+            <a:lvl2pPr marL="457200" indent="0">
+              <a:buNone/>
+              <a:defRPr sz="1200"/>
+            </a:lvl2pPr>
+            <a:lvl3pPr marL="914400" indent="0">
+              <a:buNone/>
+              <a:defRPr sz="1000"/>
+            </a:lvl3pPr>
+            <a:lvl4pPr marL="1371600" indent="0">
+              <a:buNone/>
+              <a:defRPr sz="900"/>
+            </a:lvl4pPr>
+            <a:lvl5pPr marL="1828800" indent="0">
+              <a:buNone/>
+              <a:defRPr sz="900"/>
+            </a:lvl5pPr>
+            <a:lvl6pPr marL="2286000" indent="0">
+              <a:buNone/>
+              <a:defRPr sz="900"/>
+            </a:lvl6pPr>
+            <a:lvl7pPr marL="2743200" indent="0">
+              <a:buNone/>
+              <a:defRPr sz="900"/>
+            </a:lvl7pPr>
+            <a:lvl8pPr marL="3200400" indent="0">
+              <a:buNone/>
+              <a:defRPr sz="900"/>
+            </a:lvl8pPr>
+            <a:lvl9pPr marL="3657600" indent="0">
+              <a:buNone/>
+              <a:defRPr sz="900"/>
+            </a:lvl9pPr>
+          </a:lstStyle>
+          <a:p>
+            <a:pPr lvl="0"/>
+            <a:r>
+              <a:rPr lang="en-US"/>
+              <a:t>Click to edit Master text styles</a:t>
+            </a:r>
+          </a:p>
+        </p:txBody>
+      </p:sp>
+      <p:sp>
+        <p:nvSpPr>
+          <p:cNvPr id="5" name="Text Placeholder 4"/>
+          <p:cNvSpPr>
+            <a:spLocks noGrp="1"/>
+          </p:cNvSpPr>
+          <p:nvPr>
+            <p:ph type="body" sz="quarter" idx="3"/>
+          </p:nvPr>
+        </p:nvSpPr>
+        <p:spPr>
+          <a:xfrm>
+            <a:off x="3889375" y="4250949"/>
+            <a:ext cx="2930525" cy="576262"/>
+          </a:xfrm>
+        </p:spPr>
+        <p:txBody>
+          <a:bodyPr anchor="b">
+            <a:noAutofit/>
+          </a:bodyPr>
+          <a:lstStyle>
+            <a:lvl1pPr marL="0" indent="0">
+              <a:buNone/>
+              <a:defRPr sz="2400" b="0">
+                <a:solidFill>
+                  <a:schemeClr val="accent1"/>
+                </a:solidFill>
+              </a:defRPr>
+            </a:lvl1pPr>
+            <a:lvl2pPr marL="457200" indent="0">
+              <a:buNone/>
+              <a:defRPr sz="2000" b="1"/>
+            </a:lvl2pPr>
+            <a:lvl3pPr marL="914400" indent="0">
+              <a:buNone/>
+              <a:defRPr sz="1800" b="1"/>
+            </a:lvl3pPr>
+            <a:lvl4pPr marL="1371600" indent="0">
+              <a:buNone/>
+              <a:defRPr sz="1600" b="1"/>
+            </a:lvl4pPr>
+            <a:lvl5pPr marL="1828800" indent="0">
+              <a:buNone/>
+              <a:defRPr sz="1600" b="1"/>
+            </a:lvl5pPr>
+            <a:lvl6pPr marL="2286000" indent="0">
+              <a:buNone/>
+              <a:defRPr sz="1600" b="1"/>
+            </a:lvl6pPr>
+            <a:lvl7pPr marL="2743200" indent="0">
+              <a:buNone/>
+              <a:defRPr sz="1600" b="1"/>
+            </a:lvl7pPr>
+            <a:lvl8pPr marL="3200400" indent="0">
+              <a:buNone/>
+              <a:defRPr sz="1600" b="1"/>
+            </a:lvl8pPr>
+            <a:lvl9pPr marL="3657600" indent="0">
+              <a:buNone/>
+              <a:defRPr sz="1600" b="1"/>
+            </a:lvl9pPr>
+          </a:lstStyle>
+          <a:p>
+            <a:pPr lvl="0"/>
+            <a:r>
+              <a:rPr lang="en-US"/>
+              <a:t>Click to edit Master text styles</a:t>
+            </a:r>
+          </a:p>
+        </p:txBody>
+      </p:sp>
+      <p:sp>
+        <p:nvSpPr>
+          <p:cNvPr id="30" name="Picture Placeholder 2"/>
+          <p:cNvSpPr>
+            <a:spLocks noGrp="1" noChangeAspect="1"/>
+          </p:cNvSpPr>
+          <p:nvPr>
+            <p:ph type="pic" idx="21"/>
+          </p:nvPr>
+        </p:nvSpPr>
+        <p:spPr>
+          <a:xfrm>
+            <a:off x="3889374" y="2209800"/>
+            <a:ext cx="2930525" cy="1524000"/>
+          </a:xfrm>
+          <a:prstGeom prst="roundRect">
+            <a:avLst>
+              <a:gd name="adj" fmla="val 1858"/>
+            </a:avLst>
+          </a:prstGeom>
+          <a:effectLst>
+            <a:outerShdw blurRad="50800" dist="50800" dir="5400000" algn="tl" rotWithShape="0">
+              <a:srgbClr val="000000">
+                <a:alpha val="43000"/>
+              </a:srgbClr>
+            </a:outerShdw>
+          </a:effectLst>
+        </p:spPr>
+        <p:txBody>
+          <a:bodyPr anchor="t">
+            <a:normAutofit/>
+          </a:bodyPr>
+          <a:lstStyle>
+            <a:lvl1pPr marL="0" indent="0" algn="ctr">
+              <a:buNone/>
+              <a:defRPr sz="1600"/>
+            </a:lvl1pPr>
+            <a:lvl2pPr marL="457200" indent="0">
+              <a:buNone/>
+              <a:defRPr sz="1600"/>
+            </a:lvl2pPr>
+            <a:lvl3pPr marL="914400" indent="0">
+              <a:buNone/>
+              <a:defRPr sz="1600"/>
+            </a:lvl3pPr>
+            <a:lvl4pPr marL="1371600" indent="0">
+              <a:buNone/>
+              <a:defRPr sz="1600"/>
+            </a:lvl4pPr>
+            <a:lvl5pPr marL="1828800" indent="0">
+              <a:buNone/>
+              <a:defRPr sz="1600"/>
+            </a:lvl5pPr>
+            <a:lvl6pPr marL="2286000" indent="0">
+              <a:buNone/>
+              <a:defRPr sz="1600"/>
+            </a:lvl6pPr>
+            <a:lvl7pPr marL="2743200" indent="0">
+              <a:buNone/>
+              <a:defRPr sz="1600"/>
+            </a:lvl7pPr>
+            <a:lvl8pPr marL="3200400" indent="0">
+              <a:buNone/>
+              <a:defRPr sz="1600"/>
+            </a:lvl8pPr>
+            <a:lvl9pPr marL="3657600" indent="0">
+              <a:buNone/>
+              <a:defRPr sz="1600"/>
+            </a:lvl9pPr>
+          </a:lstStyle>
+          <a:p>
+            <a:r>
+              <a:rPr lang="en-US"/>
+              <a:t>Click icon to add picture</a:t>
+            </a:r>
+            <a:endParaRPr lang="en-US" dirty="0"/>
+          </a:p>
+        </p:txBody>
+      </p:sp>
+      <p:sp>
+        <p:nvSpPr>
+          <p:cNvPr id="23" name="Text Placeholder 3"/>
+          <p:cNvSpPr>
+            <a:spLocks noGrp="1"/>
+          </p:cNvSpPr>
+          <p:nvPr>
+            <p:ph type="body" sz="half" idx="19"/>
+          </p:nvPr>
+        </p:nvSpPr>
+        <p:spPr>
+          <a:xfrm>
+            <a:off x="3888022" y="4827210"/>
+            <a:ext cx="2934406" cy="659189"/>
+          </a:xfrm>
+        </p:spPr>
+        <p:txBody>
+          <a:bodyPr anchor="t">
+            <a:normAutofit/>
+          </a:bodyPr>
+          <a:lstStyle>
+            <a:lvl1pPr marL="0" indent="0">
+              <a:buNone/>
+              <a:defRPr sz="1400"/>
+            </a:lvl1pPr>
+            <a:lvl2pPr marL="457200" indent="0">
+              <a:buNone/>
+              <a:defRPr sz="1200"/>
+            </a:lvl2pPr>
+            <a:lvl3pPr marL="914400" indent="0">
+              <a:buNone/>
+              <a:defRPr sz="1000"/>
+            </a:lvl3pPr>
+            <a:lvl4pPr marL="1371600" indent="0">
+              <a:buNone/>
+              <a:defRPr sz="900"/>
+            </a:lvl4pPr>
+            <a:lvl5pPr marL="1828800" indent="0">
+              <a:buNone/>
+              <a:defRPr sz="900"/>
+            </a:lvl5pPr>
+            <a:lvl6pPr marL="2286000" indent="0">
+              <a:buNone/>
+              <a:defRPr sz="900"/>
+            </a:lvl6pPr>
+            <a:lvl7pPr marL="2743200" indent="0">
+              <a:buNone/>
+              <a:defRPr sz="900"/>
+            </a:lvl7pPr>
+            <a:lvl8pPr marL="3200400" indent="0">
+              <a:buNone/>
+              <a:defRPr sz="900"/>
+            </a:lvl8pPr>
+            <a:lvl9pPr marL="3657600" indent="0">
+              <a:buNone/>
+              <a:defRPr sz="900"/>
+            </a:lvl9pPr>
+          </a:lstStyle>
+          <a:p>
+            <a:pPr lvl="0"/>
+            <a:r>
+              <a:rPr lang="en-US"/>
+              <a:t>Click to edit Master text styles</a:t>
+            </a:r>
+          </a:p>
+        </p:txBody>
+      </p:sp>
+      <p:sp>
+        <p:nvSpPr>
+          <p:cNvPr id="14" name="Text Placeholder 4"/>
+          <p:cNvSpPr>
+            <a:spLocks noGrp="1"/>
+          </p:cNvSpPr>
+          <p:nvPr>
+            <p:ph type="body" sz="quarter" idx="13"/>
+          </p:nvPr>
+        </p:nvSpPr>
+        <p:spPr>
+          <a:xfrm>
+            <a:off x="7124700" y="4250949"/>
+            <a:ext cx="2932113" cy="576262"/>
+          </a:xfrm>
+        </p:spPr>
+        <p:txBody>
+          <a:bodyPr anchor="b">
+            <a:noAutofit/>
+          </a:bodyPr>
+          <a:lstStyle>
+            <a:lvl1pPr marL="0" indent="0">
+              <a:buNone/>
+              <a:defRPr sz="2400" b="0">
+                <a:solidFill>
+                  <a:schemeClr val="accent1"/>
+                </a:solidFill>
+              </a:defRPr>
+            </a:lvl1pPr>
+            <a:lvl2pPr marL="457200" indent="0">
+              <a:buNone/>
+              <a:defRPr sz="2000" b="1"/>
+            </a:lvl2pPr>
+            <a:lvl3pPr marL="914400" indent="0">
+              <a:buNone/>
+              <a:defRPr sz="1800" b="1"/>
+            </a:lvl3pPr>
+            <a:lvl4pPr marL="1371600" indent="0">
+              <a:buNone/>
+              <a:defRPr sz="1600" b="1"/>
+            </a:lvl4pPr>
+            <a:lvl5pPr marL="1828800" indent="0">
+              <a:buNone/>
+              <a:defRPr sz="1600" b="1"/>
+            </a:lvl5pPr>
+            <a:lvl6pPr marL="2286000" indent="0">
+              <a:buNone/>
+              <a:defRPr sz="1600" b="1"/>
+            </a:lvl6pPr>
+            <a:lvl7pPr marL="2743200" indent="0">
+              <a:buNone/>
+              <a:defRPr sz="1600" b="1"/>
+            </a:lvl7pPr>
+            <a:lvl8pPr marL="3200400" indent="0">
+              <a:buNone/>
+              <a:defRPr sz="1600" b="1"/>
+            </a:lvl8pPr>
+            <a:lvl9pPr marL="3657600" indent="0">
+              <a:buNone/>
+              <a:defRPr sz="1600" b="1"/>
+            </a:lvl9pPr>
+          </a:lstStyle>
+          <a:p>
+            <a:pPr lvl="0"/>
+            <a:r>
+              <a:rPr lang="en-US"/>
+              <a:t>Click to edit Master text styles</a:t>
+            </a:r>
+          </a:p>
+        </p:txBody>
+      </p:sp>
+      <p:sp>
+        <p:nvSpPr>
+          <p:cNvPr id="31" name="Picture Placeholder 2"/>
+          <p:cNvSpPr>
+            <a:spLocks noGrp="1" noChangeAspect="1"/>
+          </p:cNvSpPr>
+          <p:nvPr>
+            <p:ph type="pic" idx="22"/>
+          </p:nvPr>
+        </p:nvSpPr>
+        <p:spPr>
+          <a:xfrm>
+            <a:off x="7124699" y="2209800"/>
+            <a:ext cx="2932113" cy="1524000"/>
+          </a:xfrm>
+          <a:prstGeom prst="roundRect">
+            <a:avLst>
+              <a:gd name="adj" fmla="val 1858"/>
+            </a:avLst>
+          </a:prstGeom>
+          <a:effectLst>
+            <a:outerShdw blurRad="50800" dist="50800" dir="5400000" algn="tl" rotWithShape="0">
+              <a:srgbClr val="000000">
+                <a:alpha val="43000"/>
+              </a:srgbClr>
+            </a:outerShdw>
+          </a:effectLst>
+        </p:spPr>
+        <p:txBody>
+          <a:bodyPr anchor="t">
+            <a:normAutofit/>
+          </a:bodyPr>
+          <a:lstStyle>
+            <a:lvl1pPr marL="0" indent="0" algn="ctr">
+              <a:buNone/>
+              <a:defRPr sz="1600"/>
+            </a:lvl1pPr>
+            <a:lvl2pPr marL="457200" indent="0">
+              <a:buNone/>
+              <a:defRPr sz="1600"/>
+            </a:lvl2pPr>
+            <a:lvl3pPr marL="914400" indent="0">
+              <a:buNone/>
+              <a:defRPr sz="1600"/>
+            </a:lvl3pPr>
+            <a:lvl4pPr marL="1371600" indent="0">
+              <a:buNone/>
+              <a:defRPr sz="1600"/>
+            </a:lvl4pPr>
+            <a:lvl5pPr marL="1828800" indent="0">
+              <a:buNone/>
+              <a:defRPr sz="1600"/>
+            </a:lvl5pPr>
+            <a:lvl6pPr marL="2286000" indent="0">
+              <a:buNone/>
+              <a:defRPr sz="1600"/>
+            </a:lvl6pPr>
+            <a:lvl7pPr marL="2743200" indent="0">
+              <a:buNone/>
+              <a:defRPr sz="1600"/>
+            </a:lvl7pPr>
+            <a:lvl8pPr marL="3200400" indent="0">
+              <a:buNone/>
+              <a:defRPr sz="1600"/>
+            </a:lvl8pPr>
+            <a:lvl9pPr marL="3657600" indent="0">
+              <a:buNone/>
+              <a:defRPr sz="1600"/>
+            </a:lvl9pPr>
+          </a:lstStyle>
+          <a:p>
+            <a:r>
+              <a:rPr lang="en-US"/>
+              <a:t>Click icon to add picture</a:t>
+            </a:r>
+            <a:endParaRPr lang="en-US" dirty="0"/>
+          </a:p>
+        </p:txBody>
+      </p:sp>
+      <p:sp>
+        <p:nvSpPr>
+          <p:cNvPr id="24" name="Text Placeholder 3"/>
+          <p:cNvSpPr>
+            <a:spLocks noGrp="1"/>
+          </p:cNvSpPr>
+          <p:nvPr>
+            <p:ph type="body" sz="half" idx="20"/>
+          </p:nvPr>
+        </p:nvSpPr>
+        <p:spPr>
+          <a:xfrm>
+            <a:off x="7124575" y="4827208"/>
+            <a:ext cx="2935997" cy="659189"/>
+          </a:xfrm>
+        </p:spPr>
+        <p:txBody>
+          <a:bodyPr anchor="t">
+            <a:normAutofit/>
+          </a:bodyPr>
+          <a:lstStyle>
+            <a:lvl1pPr marL="0" indent="0">
+              <a:buNone/>
+              <a:defRPr sz="1400"/>
+            </a:lvl1pPr>
+            <a:lvl2pPr marL="457200" indent="0">
+              <a:buNone/>
+              <a:defRPr sz="1200"/>
+            </a:lvl2pPr>
+            <a:lvl3pPr marL="914400" indent="0">
+              <a:buNone/>
+              <a:defRPr sz="1000"/>
+            </a:lvl3pPr>
+            <a:lvl4pPr marL="1371600" indent="0">
+              <a:buNone/>
+              <a:defRPr sz="900"/>
+            </a:lvl4pPr>
+            <a:lvl5pPr marL="1828800" indent="0">
+              <a:buNone/>
+              <a:defRPr sz="900"/>
+            </a:lvl5pPr>
+            <a:lvl6pPr marL="2286000" indent="0">
+              <a:buNone/>
+              <a:defRPr sz="900"/>
+            </a:lvl6pPr>
+            <a:lvl7pPr marL="2743200" indent="0">
+              <a:buNone/>
+              <a:defRPr sz="900"/>
+            </a:lvl7pPr>
+            <a:lvl8pPr marL="3200400" indent="0">
+              <a:buNone/>
+              <a:defRPr sz="900"/>
+            </a:lvl8pPr>
+            <a:lvl9pPr marL="3657600" indent="0">
+              <a:buNone/>
+              <a:defRPr sz="900"/>
+            </a:lvl9pPr>
+          </a:lstStyle>
+          <a:p>
+            <a:pPr lvl="0"/>
+            <a:r>
+              <a:rPr lang="en-US"/>
+              <a:t>Click to edit Master text styles</a:t>
+            </a:r>
+          </a:p>
+        </p:txBody>
+      </p:sp>
+      <p:cxnSp>
+        <p:nvCxnSpPr>
+          <p:cNvPr id="17" name="Straight Connector 16"/>
+          <p:cNvCxnSpPr/>
+          <p:nvPr/>
+        </p:nvCxnSpPr>
+        <p:spPr>
+          <a:xfrm>
+            <a:off x="3726142" y="2133600"/>
+            <a:ext cx="0" cy="3962400"/>
+          </a:xfrm>
+          <a:prstGeom prst="line">
+            <a:avLst/>
+          </a:prstGeom>
+          <a:ln w="12700" cmpd="sng">
+            <a:solidFill>
+              <a:schemeClr val="accent1">
+                <a:alpha val="40000"/>
+              </a:schemeClr>
+            </a:solidFill>
+          </a:ln>
+        </p:spPr>
+        <p:style>
+          <a:lnRef idx="2">
+            <a:schemeClr val="accent1"/>
+          </a:lnRef>
+          <a:fillRef idx="0">
+            <a:schemeClr val="accent1"/>
+          </a:fillRef>
+          <a:effectRef idx="1">
+            <a:schemeClr val="accent1"/>
+          </a:effectRef>
+          <a:fontRef idx="minor">
+            <a:schemeClr val="tx1"/>
+          </a:fontRef>
+        </p:style>
+      </p:cxnSp>
+      <p:cxnSp>
+        <p:nvCxnSpPr>
+          <p:cNvPr id="18" name="Straight Connector 17"/>
+          <p:cNvCxnSpPr/>
+          <p:nvPr/>
+        </p:nvCxnSpPr>
+        <p:spPr>
+          <a:xfrm>
+            <a:off x="6962227" y="2133600"/>
+            <a:ext cx="0" cy="3966882"/>
+          </a:xfrm>
+          <a:prstGeom prst="line">
+            <a:avLst/>
+          </a:prstGeom>
+          <a:ln w="12700" cmpd="sng">
+            <a:solidFill>
+              <a:schemeClr val="accent1">
+                <a:alpha val="40000"/>
+              </a:schemeClr>
+            </a:solidFill>
+          </a:ln>
+        </p:spPr>
+        <p:style>
+          <a:lnRef idx="2">
+            <a:schemeClr val="accent1"/>
+          </a:lnRef>
+          <a:fillRef idx="0">
+            <a:schemeClr val="accent1"/>
+          </a:fillRef>
+          <a:effectRef idx="1">
+            <a:schemeClr val="accent1"/>
+          </a:effectRef>
+          <a:fontRef idx="minor">
+            <a:schemeClr val="tx1"/>
+          </a:fontRef>
+        </p:style>
+      </p:cxnSp>
+      <p:sp>
+        <p:nvSpPr>
+          <p:cNvPr id="7" name="Date Placeholder 3"/>
+          <p:cNvSpPr>
+            <a:spLocks noGrp="1"/>
+          </p:cNvSpPr>
+          <p:nvPr>
+            <p:ph type="dt" sz="half" idx="10"/>
+          </p:nvPr>
+        </p:nvSpPr>
+        <p:spPr/>
+        <p:txBody>
+          <a:bodyPr/>
+          <a:lstStyle/>
+          <a:p>
+            <a:fld id="{AEC2FEFB-2644-498B-B0EE-CDE108AFE4F9}" type="datetimeFigureOut">
+              <a:rPr lang="en-GB" smtClean="0"/>
+              <a:t>30/01/2023</a:t>
+            </a:fld>
+            <a:endParaRPr lang="en-GB"/>
+          </a:p>
+        </p:txBody>
+      </p:sp>
+      <p:sp>
+        <p:nvSpPr>
+          <p:cNvPr id="4" name="Footer Placeholder 4"/>
+          <p:cNvSpPr>
+            <a:spLocks noGrp="1"/>
+          </p:cNvSpPr>
+          <p:nvPr>
+            <p:ph type="ftr" sz="quarter" idx="11"/>
+          </p:nvPr>
+        </p:nvSpPr>
+        <p:spPr/>
+        <p:txBody>
+          <a:bodyPr/>
+          <a:lstStyle/>
+          <a:p>
+            <a:endParaRPr lang="en-GB"/>
+          </a:p>
+        </p:txBody>
+      </p:sp>
+      <p:sp>
+        <p:nvSpPr>
+          <p:cNvPr id="6" name="Slide Number Placeholder 5"/>
+          <p:cNvSpPr>
+            <a:spLocks noGrp="1"/>
+          </p:cNvSpPr>
+          <p:nvPr>
+            <p:ph type="sldNum" sz="quarter" idx="12"/>
+          </p:nvPr>
+        </p:nvSpPr>
+        <p:spPr/>
+        <p:txBody>
+          <a:bodyPr/>
+          <a:lstStyle/>
+          <a:p>
+            <a:fld id="{A207C0AD-144B-4360-9928-DF51CF6E082E}" type="slidenum">
+              <a:rPr lang="en-GB" smtClean="0"/>
+              <a:t>‹#›</a:t>
+            </a:fld>
+            <a:endParaRPr lang="en-GB"/>
+          </a:p>
+        </p:txBody>
+      </p:sp>
+    </p:spTree>
+    <p:extLst>
+      <p:ext uri="{BB962C8B-B14F-4D97-AF65-F5344CB8AC3E}">
+        <p14:creationId xmlns:p14="http://schemas.microsoft.com/office/powerpoint/2010/main" val="1783423378"/>
+      </p:ext>
+    </p:extLst>
+  </p:cSld>
+  <p:clrMapOvr>
+    <a:masterClrMapping/>
+  </p:clrMapOvr>
+</p:sldLayout>
+</file>
+
+<file path=ppt/slideLayouts/slideLayout16.xml><?xml version="1.0" encoding="utf-8"?>
 <p:sldLayout xmlns:a="http://schemas.openxmlformats.org/drawingml/2006/main" xmlns:r="http://schemas.openxmlformats.org/officeDocument/2006/relationships" xmlns:p="http://schemas.openxmlformats.org/presentationml/2006/main" type="vertTx" preserve="1">
   <p:cSld name="Title and Vertical Text">
     <p:spTree>
@@ -780,13 +3328,7 @@
       </p:grpSpPr>
       <p:sp>
         <p:nvSpPr>
-          <p:cNvPr id="2" name="Title 1">
-            <a:extLst>
-              <a:ext uri="{FF2B5EF4-FFF2-40B4-BE49-F238E27FC236}">
-                <a16:creationId xmlns:a16="http://schemas.microsoft.com/office/drawing/2014/main" id="{6C04E0E6-61C0-4779-7C64-3E10FCEF5FC1}"/>
-              </a:ext>
-            </a:extLst>
-          </p:cNvPr>
+          <p:cNvPr id="2" name="Title 1"/>
           <p:cNvSpPr>
             <a:spLocks noGrp="1"/>
           </p:cNvSpPr>
@@ -803,19 +3345,13 @@
               <a:rPr lang="en-US"/>
               <a:t>Click to edit Master title style</a:t>
             </a:r>
-            <a:endParaRPr lang="en-GB"/>
-          </a:p>
-        </p:txBody>
-      </p:sp>
-      <p:sp>
-        <p:nvSpPr>
-          <p:cNvPr id="3" name="Vertical Text Placeholder 2">
-            <a:extLst>
-              <a:ext uri="{FF2B5EF4-FFF2-40B4-BE49-F238E27FC236}">
-                <a16:creationId xmlns:a16="http://schemas.microsoft.com/office/drawing/2014/main" id="{96665EC7-21D0-762C-6181-BED518D47F82}"/>
-              </a:ext>
-            </a:extLst>
-          </p:cNvPr>
+            <a:endParaRPr lang="en-US" dirty="0"/>
+          </a:p>
+        </p:txBody>
+      </p:sp>
+      <p:sp>
+        <p:nvSpPr>
+          <p:cNvPr id="3" name="Vertical Text Placeholder 2"/>
           <p:cNvSpPr>
             <a:spLocks noGrp="1"/>
           </p:cNvSpPr>
@@ -825,7 +3361,7 @@
         </p:nvSpPr>
         <p:spPr/>
         <p:txBody>
-          <a:bodyPr vert="eaVert"/>
+          <a:bodyPr vert="eaVert" anchor="t" anchorCtr="0"/>
           <a:lstStyle/>
           <a:p>
             <a:pPr lvl="0"/>
@@ -861,19 +3397,13 @@
               <a:rPr lang="en-US"/>
               <a:t>Fifth level</a:t>
             </a:r>
-            <a:endParaRPr lang="en-GB"/>
-          </a:p>
-        </p:txBody>
-      </p:sp>
-      <p:sp>
-        <p:nvSpPr>
-          <p:cNvPr id="4" name="Date Placeholder 3">
-            <a:extLst>
-              <a:ext uri="{FF2B5EF4-FFF2-40B4-BE49-F238E27FC236}">
-                <a16:creationId xmlns:a16="http://schemas.microsoft.com/office/drawing/2014/main" id="{ABC4D3DF-505B-E0E9-E3BB-11096EC73BD7}"/>
-              </a:ext>
-            </a:extLst>
-          </p:cNvPr>
+            <a:endParaRPr lang="en-US" dirty="0"/>
+          </a:p>
+        </p:txBody>
+      </p:sp>
+      <p:sp>
+        <p:nvSpPr>
+          <p:cNvPr id="4" name="Date Placeholder 3"/>
           <p:cNvSpPr>
             <a:spLocks noGrp="1"/>
           </p:cNvSpPr>
@@ -888,7 +3418,7 @@
           <a:p>
             <a:fld id="{AEC2FEFB-2644-498B-B0EE-CDE108AFE4F9}" type="datetimeFigureOut">
               <a:rPr lang="en-GB" smtClean="0"/>
-              <a:t>17/01/2023</a:t>
+              <a:t>30/01/2023</a:t>
             </a:fld>
             <a:endParaRPr lang="en-GB"/>
           </a:p>
@@ -896,13 +3426,7 @@
       </p:sp>
       <p:sp>
         <p:nvSpPr>
-          <p:cNvPr id="5" name="Footer Placeholder 4">
-            <a:extLst>
-              <a:ext uri="{FF2B5EF4-FFF2-40B4-BE49-F238E27FC236}">
-                <a16:creationId xmlns:a16="http://schemas.microsoft.com/office/drawing/2014/main" id="{E2706ADF-59A3-EF08-A36A-4087B594940B}"/>
-              </a:ext>
-            </a:extLst>
-          </p:cNvPr>
+          <p:cNvPr id="5" name="Footer Placeholder 4"/>
           <p:cNvSpPr>
             <a:spLocks noGrp="1"/>
           </p:cNvSpPr>
@@ -921,13 +3445,7 @@
       </p:sp>
       <p:sp>
         <p:nvSpPr>
-          <p:cNvPr id="6" name="Slide Number Placeholder 5">
-            <a:extLst>
-              <a:ext uri="{FF2B5EF4-FFF2-40B4-BE49-F238E27FC236}">
-                <a16:creationId xmlns:a16="http://schemas.microsoft.com/office/drawing/2014/main" id="{7DBA295B-E8D3-BA4F-9295-E96591286492}"/>
-              </a:ext>
-            </a:extLst>
-          </p:cNvPr>
+          <p:cNvPr id="6" name="Slide Number Placeholder 5"/>
           <p:cNvSpPr>
             <a:spLocks noGrp="1"/>
           </p:cNvSpPr>
@@ -951,7 +3469,7 @@
     </p:spTree>
     <p:extLst>
       <p:ext uri="{BB962C8B-B14F-4D97-AF65-F5344CB8AC3E}">
-        <p14:creationId xmlns:p14="http://schemas.microsoft.com/office/powerpoint/2010/main" val="2985969950"/>
+        <p14:creationId xmlns:p14="http://schemas.microsoft.com/office/powerpoint/2010/main" val="2421020537"/>
       </p:ext>
     </p:extLst>
   </p:cSld>
@@ -961,7 +3479,7 @@
 </p:sldLayout>
 </file>
 
-<file path=ppt/slideLayouts/slideLayout11.xml><?xml version="1.0" encoding="utf-8"?>
+<file path=ppt/slideLayouts/slideLayout17.xml><?xml version="1.0" encoding="utf-8"?>
 <p:sldLayout xmlns:a="http://schemas.openxmlformats.org/drawingml/2006/main" xmlns:r="http://schemas.openxmlformats.org/officeDocument/2006/relationships" xmlns:p="http://schemas.openxmlformats.org/presentationml/2006/main" type="vertTitleAndTx" preserve="1">
   <p:cSld name="Vertical Title and Text">
     <p:spTree>
@@ -980,13 +3498,7 @@
       </p:grpSpPr>
       <p:sp>
         <p:nvSpPr>
-          <p:cNvPr id="2" name="Vertical Title 1">
-            <a:extLst>
-              <a:ext uri="{FF2B5EF4-FFF2-40B4-BE49-F238E27FC236}">
-                <a16:creationId xmlns:a16="http://schemas.microsoft.com/office/drawing/2014/main" id="{73D6F41F-2DB0-6BDF-041E-F2CEF898AF75}"/>
-              </a:ext>
-            </a:extLst>
-          </p:cNvPr>
+          <p:cNvPr id="2" name="Vertical Title 1"/>
           <p:cNvSpPr>
             <a:spLocks noGrp="1"/>
           </p:cNvSpPr>
@@ -996,48 +3508,42 @@
         </p:nvSpPr>
         <p:spPr>
           <a:xfrm>
-            <a:off x="8724900" y="365125"/>
-            <a:ext cx="2628900" cy="5811838"/>
+            <a:off x="8304212" y="430213"/>
+            <a:ext cx="1752601" cy="5826125"/>
           </a:xfrm>
         </p:spPr>
         <p:txBody>
+          <a:bodyPr vert="eaVert" anchor="b" anchorCtr="0"/>
+          <a:lstStyle/>
+          <a:p>
+            <a:r>
+              <a:rPr lang="en-US"/>
+              <a:t>Click to edit Master title style</a:t>
+            </a:r>
+            <a:endParaRPr lang="en-US" dirty="0"/>
+          </a:p>
+        </p:txBody>
+      </p:sp>
+      <p:sp>
+        <p:nvSpPr>
+          <p:cNvPr id="3" name="Vertical Text Placeholder 2"/>
+          <p:cNvSpPr>
+            <a:spLocks noGrp="1"/>
+          </p:cNvSpPr>
+          <p:nvPr>
+            <p:ph type="body" orient="vert" idx="1"/>
+          </p:nvPr>
+        </p:nvSpPr>
+        <p:spPr>
+          <a:xfrm>
+            <a:off x="652463" y="887414"/>
+            <a:ext cx="7423149" cy="5368924"/>
+          </a:xfrm>
+        </p:spPr>
+        <p:txBody>
           <a:bodyPr vert="eaVert"/>
           <a:lstStyle/>
           <a:p>
-            <a:r>
-              <a:rPr lang="en-US"/>
-              <a:t>Click to edit Master title style</a:t>
-            </a:r>
-            <a:endParaRPr lang="en-GB"/>
-          </a:p>
-        </p:txBody>
-      </p:sp>
-      <p:sp>
-        <p:nvSpPr>
-          <p:cNvPr id="3" name="Vertical Text Placeholder 2">
-            <a:extLst>
-              <a:ext uri="{FF2B5EF4-FFF2-40B4-BE49-F238E27FC236}">
-                <a16:creationId xmlns:a16="http://schemas.microsoft.com/office/drawing/2014/main" id="{1C9B77EC-9D0B-A5D6-E1F9-8F1210C17BA1}"/>
-              </a:ext>
-            </a:extLst>
-          </p:cNvPr>
-          <p:cNvSpPr>
-            <a:spLocks noGrp="1"/>
-          </p:cNvSpPr>
-          <p:nvPr>
-            <p:ph type="body" orient="vert" idx="1"/>
-          </p:nvPr>
-        </p:nvSpPr>
-        <p:spPr>
-          <a:xfrm>
-            <a:off x="838200" y="365125"/>
-            <a:ext cx="7734300" cy="5811838"/>
-          </a:xfrm>
-        </p:spPr>
-        <p:txBody>
-          <a:bodyPr vert="eaVert"/>
-          <a:lstStyle/>
-          <a:p>
             <a:pPr lvl="0"/>
             <a:r>
               <a:rPr lang="en-US"/>
@@ -1071,19 +3577,13 @@
               <a:rPr lang="en-US"/>
               <a:t>Fifth level</a:t>
             </a:r>
-            <a:endParaRPr lang="en-GB"/>
-          </a:p>
-        </p:txBody>
-      </p:sp>
-      <p:sp>
-        <p:nvSpPr>
-          <p:cNvPr id="4" name="Date Placeholder 3">
-            <a:extLst>
-              <a:ext uri="{FF2B5EF4-FFF2-40B4-BE49-F238E27FC236}">
-                <a16:creationId xmlns:a16="http://schemas.microsoft.com/office/drawing/2014/main" id="{7E77BCB1-827C-32B8-26DC-B5ABA59579B5}"/>
-              </a:ext>
-            </a:extLst>
-          </p:cNvPr>
+            <a:endParaRPr lang="en-US" dirty="0"/>
+          </a:p>
+        </p:txBody>
+      </p:sp>
+      <p:sp>
+        <p:nvSpPr>
+          <p:cNvPr id="4" name="Date Placeholder 3"/>
           <p:cNvSpPr>
             <a:spLocks noGrp="1"/>
           </p:cNvSpPr>
@@ -1098,7 +3598,7 @@
           <a:p>
             <a:fld id="{AEC2FEFB-2644-498B-B0EE-CDE108AFE4F9}" type="datetimeFigureOut">
               <a:rPr lang="en-GB" smtClean="0"/>
-              <a:t>17/01/2023</a:t>
+              <a:t>30/01/2023</a:t>
             </a:fld>
             <a:endParaRPr lang="en-GB"/>
           </a:p>
@@ -1106,13 +3606,7 @@
       </p:sp>
       <p:sp>
         <p:nvSpPr>
-          <p:cNvPr id="5" name="Footer Placeholder 4">
-            <a:extLst>
-              <a:ext uri="{FF2B5EF4-FFF2-40B4-BE49-F238E27FC236}">
-                <a16:creationId xmlns:a16="http://schemas.microsoft.com/office/drawing/2014/main" id="{8E8CE09B-415B-4F42-4FF2-EAFE05FD8DC3}"/>
-              </a:ext>
-            </a:extLst>
-          </p:cNvPr>
+          <p:cNvPr id="5" name="Footer Placeholder 4"/>
           <p:cNvSpPr>
             <a:spLocks noGrp="1"/>
           </p:cNvSpPr>
@@ -1131,13 +3625,7 @@
       </p:sp>
       <p:sp>
         <p:nvSpPr>
-          <p:cNvPr id="6" name="Slide Number Placeholder 5">
-            <a:extLst>
-              <a:ext uri="{FF2B5EF4-FFF2-40B4-BE49-F238E27FC236}">
-                <a16:creationId xmlns:a16="http://schemas.microsoft.com/office/drawing/2014/main" id="{797CE8F4-44DF-F1E9-424F-FAE7CE0ACAFF}"/>
-              </a:ext>
-            </a:extLst>
-          </p:cNvPr>
+          <p:cNvPr id="6" name="Slide Number Placeholder 5"/>
           <p:cNvSpPr>
             <a:spLocks noGrp="1"/>
           </p:cNvSpPr>
@@ -1161,7 +3649,7 @@
     </p:spTree>
     <p:extLst>
       <p:ext uri="{BB962C8B-B14F-4D97-AF65-F5344CB8AC3E}">
-        <p14:creationId xmlns:p14="http://schemas.microsoft.com/office/powerpoint/2010/main" val="4066846727"/>
+        <p14:creationId xmlns:p14="http://schemas.microsoft.com/office/powerpoint/2010/main" val="2682918616"/>
       </p:ext>
     </p:extLst>
   </p:cSld>
@@ -1190,13 +3678,7 @@
       </p:grpSpPr>
       <p:sp>
         <p:nvSpPr>
-          <p:cNvPr id="2" name="Title 1">
-            <a:extLst>
-              <a:ext uri="{FF2B5EF4-FFF2-40B4-BE49-F238E27FC236}">
-                <a16:creationId xmlns:a16="http://schemas.microsoft.com/office/drawing/2014/main" id="{D990D6AA-80B5-2B5C-2785-BDE74441A65B}"/>
-              </a:ext>
-            </a:extLst>
-          </p:cNvPr>
+          <p:cNvPr id="2" name="Title 1"/>
           <p:cNvSpPr>
             <a:spLocks noGrp="1"/>
           </p:cNvSpPr>
@@ -1213,19 +3695,13 @@
               <a:rPr lang="en-US"/>
               <a:t>Click to edit Master title style</a:t>
             </a:r>
-            <a:endParaRPr lang="en-GB"/>
-          </a:p>
-        </p:txBody>
-      </p:sp>
-      <p:sp>
-        <p:nvSpPr>
-          <p:cNvPr id="3" name="Content Placeholder 2">
-            <a:extLst>
-              <a:ext uri="{FF2B5EF4-FFF2-40B4-BE49-F238E27FC236}">
-                <a16:creationId xmlns:a16="http://schemas.microsoft.com/office/drawing/2014/main" id="{CFF41155-A2E7-9E1B-AD1E-41C5AD1DE159}"/>
-              </a:ext>
-            </a:extLst>
-          </p:cNvPr>
+            <a:endParaRPr lang="en-US" dirty="0"/>
+          </a:p>
+        </p:txBody>
+      </p:sp>
+      <p:sp>
+        <p:nvSpPr>
+          <p:cNvPr id="3" name="Content Placeholder 2"/>
           <p:cNvSpPr>
             <a:spLocks noGrp="1"/>
           </p:cNvSpPr>
@@ -1271,19 +3747,13 @@
               <a:rPr lang="en-US"/>
               <a:t>Fifth level</a:t>
             </a:r>
-            <a:endParaRPr lang="en-GB"/>
-          </a:p>
-        </p:txBody>
-      </p:sp>
-      <p:sp>
-        <p:nvSpPr>
-          <p:cNvPr id="4" name="Date Placeholder 3">
-            <a:extLst>
-              <a:ext uri="{FF2B5EF4-FFF2-40B4-BE49-F238E27FC236}">
-                <a16:creationId xmlns:a16="http://schemas.microsoft.com/office/drawing/2014/main" id="{CC565F99-E42F-9320-EC1E-FE6D9676C679}"/>
-              </a:ext>
-            </a:extLst>
-          </p:cNvPr>
+            <a:endParaRPr lang="en-US" dirty="0"/>
+          </a:p>
+        </p:txBody>
+      </p:sp>
+      <p:sp>
+        <p:nvSpPr>
+          <p:cNvPr id="7" name="Date Placeholder 6"/>
           <p:cNvSpPr>
             <a:spLocks noGrp="1"/>
           </p:cNvSpPr>
@@ -1298,7 +3768,7 @@
           <a:p>
             <a:fld id="{AEC2FEFB-2644-498B-B0EE-CDE108AFE4F9}" type="datetimeFigureOut">
               <a:rPr lang="en-GB" smtClean="0"/>
-              <a:t>17/01/2023</a:t>
+              <a:t>30/01/2023</a:t>
             </a:fld>
             <a:endParaRPr lang="en-GB"/>
           </a:p>
@@ -1306,13 +3776,7 @@
       </p:sp>
       <p:sp>
         <p:nvSpPr>
-          <p:cNvPr id="5" name="Footer Placeholder 4">
-            <a:extLst>
-              <a:ext uri="{FF2B5EF4-FFF2-40B4-BE49-F238E27FC236}">
-                <a16:creationId xmlns:a16="http://schemas.microsoft.com/office/drawing/2014/main" id="{8FDACA1F-43AC-ACD9-7A05-DFF18DDE6E47}"/>
-              </a:ext>
-            </a:extLst>
-          </p:cNvPr>
+          <p:cNvPr id="5" name="Footer Placeholder 4"/>
           <p:cNvSpPr>
             <a:spLocks noGrp="1"/>
           </p:cNvSpPr>
@@ -1331,13 +3795,7 @@
       </p:sp>
       <p:sp>
         <p:nvSpPr>
-          <p:cNvPr id="6" name="Slide Number Placeholder 5">
-            <a:extLst>
-              <a:ext uri="{FF2B5EF4-FFF2-40B4-BE49-F238E27FC236}">
-                <a16:creationId xmlns:a16="http://schemas.microsoft.com/office/drawing/2014/main" id="{250A1365-0E0E-C8F4-2459-0A8660D8EDCF}"/>
-              </a:ext>
-            </a:extLst>
-          </p:cNvPr>
+          <p:cNvPr id="6" name="Slide Number Placeholder 5"/>
           <p:cNvSpPr>
             <a:spLocks noGrp="1"/>
           </p:cNvSpPr>
@@ -1361,7 +3819,7 @@
     </p:spTree>
     <p:extLst>
       <p:ext uri="{BB962C8B-B14F-4D97-AF65-F5344CB8AC3E}">
-        <p14:creationId xmlns:p14="http://schemas.microsoft.com/office/powerpoint/2010/main" val="2697381999"/>
+        <p14:creationId xmlns:p14="http://schemas.microsoft.com/office/powerpoint/2010/main" val="2610154220"/>
       </p:ext>
     </p:extLst>
   </p:cSld>
@@ -1390,13 +3848,7 @@
       </p:grpSpPr>
       <p:sp>
         <p:nvSpPr>
-          <p:cNvPr id="2" name="Title 1">
-            <a:extLst>
-              <a:ext uri="{FF2B5EF4-FFF2-40B4-BE49-F238E27FC236}">
-                <a16:creationId xmlns:a16="http://schemas.microsoft.com/office/drawing/2014/main" id="{BC9A0484-7B0B-5B7D-E292-5941F5089523}"/>
-              </a:ext>
-            </a:extLst>
-          </p:cNvPr>
+          <p:cNvPr id="2" name="Title 1"/>
           <p:cNvSpPr>
             <a:spLocks noGrp="1"/>
           </p:cNvSpPr>
@@ -1406,15 +3858,15 @@
         </p:nvSpPr>
         <p:spPr>
           <a:xfrm>
-            <a:off x="831850" y="1709738"/>
-            <a:ext cx="10515600" cy="2852737"/>
+            <a:off x="1154956" y="2861733"/>
+            <a:ext cx="8825657" cy="1915647"/>
           </a:xfrm>
         </p:spPr>
         <p:txBody>
           <a:bodyPr anchor="b"/>
           <a:lstStyle>
-            <a:lvl1pPr>
-              <a:defRPr sz="6000"/>
+            <a:lvl1pPr algn="l">
+              <a:defRPr sz="4000" b="0" cap="none"/>
             </a:lvl1pPr>
           </a:lstStyle>
           <a:p>
@@ -1422,19 +3874,13 @@
               <a:rPr lang="en-US"/>
               <a:t>Click to edit Master title style</a:t>
             </a:r>
-            <a:endParaRPr lang="en-GB"/>
-          </a:p>
-        </p:txBody>
-      </p:sp>
-      <p:sp>
-        <p:nvSpPr>
-          <p:cNvPr id="3" name="Text Placeholder 2">
-            <a:extLst>
-              <a:ext uri="{FF2B5EF4-FFF2-40B4-BE49-F238E27FC236}">
-                <a16:creationId xmlns:a16="http://schemas.microsoft.com/office/drawing/2014/main" id="{9196F1F7-1764-EAE7-F714-0F15B132DFAD}"/>
-              </a:ext>
-            </a:extLst>
-          </p:cNvPr>
+            <a:endParaRPr lang="en-US" dirty="0"/>
+          </a:p>
+        </p:txBody>
+      </p:sp>
+      <p:sp>
+        <p:nvSpPr>
+          <p:cNvPr id="3" name="Text Placeholder 2"/>
           <p:cNvSpPr>
             <a:spLocks noGrp="1"/>
           </p:cNvSpPr>
@@ -1444,26 +3890,24 @@
         </p:nvSpPr>
         <p:spPr>
           <a:xfrm>
-            <a:off x="831850" y="4589463"/>
-            <a:ext cx="10515600" cy="1500187"/>
+            <a:off x="1154955" y="4777381"/>
+            <a:ext cx="8825658" cy="860400"/>
           </a:xfrm>
         </p:spPr>
         <p:txBody>
-          <a:bodyPr/>
+          <a:bodyPr anchor="t"/>
           <a:lstStyle>
-            <a:lvl1pPr marL="0" indent="0">
-              <a:buNone/>
-              <a:defRPr sz="2400">
+            <a:lvl1pPr marL="0" indent="0" algn="l">
+              <a:buNone/>
+              <a:defRPr sz="2000" cap="all">
                 <a:solidFill>
-                  <a:schemeClr val="tx1">
-                    <a:tint val="75000"/>
-                  </a:schemeClr>
+                  <a:schemeClr val="accent1"/>
                 </a:solidFill>
               </a:defRPr>
             </a:lvl1pPr>
             <a:lvl2pPr marL="457200" indent="0">
               <a:buNone/>
-              <a:defRPr sz="2000">
+              <a:defRPr sz="1800">
                 <a:solidFill>
                   <a:schemeClr val="tx1">
                     <a:tint val="75000"/>
@@ -1473,7 +3917,7 @@
             </a:lvl2pPr>
             <a:lvl3pPr marL="914400" indent="0">
               <a:buNone/>
-              <a:defRPr sz="1800">
+              <a:defRPr sz="1600">
                 <a:solidFill>
                   <a:schemeClr val="tx1">
                     <a:tint val="75000"/>
@@ -1483,7 +3927,7 @@
             </a:lvl3pPr>
             <a:lvl4pPr marL="1371600" indent="0">
               <a:buNone/>
-              <a:defRPr sz="1600">
+              <a:defRPr sz="1400">
                 <a:solidFill>
                   <a:schemeClr val="tx1">
                     <a:tint val="75000"/>
@@ -1493,7 +3937,7 @@
             </a:lvl4pPr>
             <a:lvl5pPr marL="1828800" indent="0">
               <a:buNone/>
-              <a:defRPr sz="1600">
+              <a:defRPr sz="1400">
                 <a:solidFill>
                   <a:schemeClr val="tx1">
                     <a:tint val="75000"/>
@@ -1503,7 +3947,7 @@
             </a:lvl5pPr>
             <a:lvl6pPr marL="2286000" indent="0">
               <a:buNone/>
-              <a:defRPr sz="1600">
+              <a:defRPr sz="1400">
                 <a:solidFill>
                   <a:schemeClr val="tx1">
                     <a:tint val="75000"/>
@@ -1513,7 +3957,7 @@
             </a:lvl6pPr>
             <a:lvl7pPr marL="2743200" indent="0">
               <a:buNone/>
-              <a:defRPr sz="1600">
+              <a:defRPr sz="1400">
                 <a:solidFill>
                   <a:schemeClr val="tx1">
                     <a:tint val="75000"/>
@@ -1523,7 +3967,7 @@
             </a:lvl7pPr>
             <a:lvl8pPr marL="3200400" indent="0">
               <a:buNone/>
-              <a:defRPr sz="1600">
+              <a:defRPr sz="1400">
                 <a:solidFill>
                   <a:schemeClr val="tx1">
                     <a:tint val="75000"/>
@@ -1533,7 +3977,7 @@
             </a:lvl8pPr>
             <a:lvl9pPr marL="3657600" indent="0">
               <a:buNone/>
-              <a:defRPr sz="1600">
+              <a:defRPr sz="1400">
                 <a:solidFill>
                   <a:schemeClr val="tx1">
                     <a:tint val="75000"/>
@@ -1553,13 +3997,7 @@
       </p:sp>
       <p:sp>
         <p:nvSpPr>
-          <p:cNvPr id="4" name="Date Placeholder 3">
-            <a:extLst>
-              <a:ext uri="{FF2B5EF4-FFF2-40B4-BE49-F238E27FC236}">
-                <a16:creationId xmlns:a16="http://schemas.microsoft.com/office/drawing/2014/main" id="{F1DFF663-A774-3BBA-7192-C105C5349525}"/>
-              </a:ext>
-            </a:extLst>
-          </p:cNvPr>
+          <p:cNvPr id="4" name="Date Placeholder 3"/>
           <p:cNvSpPr>
             <a:spLocks noGrp="1"/>
           </p:cNvSpPr>
@@ -1574,7 +4012,7 @@
           <a:p>
             <a:fld id="{AEC2FEFB-2644-498B-B0EE-CDE108AFE4F9}" type="datetimeFigureOut">
               <a:rPr lang="en-GB" smtClean="0"/>
-              <a:t>17/01/2023</a:t>
+              <a:t>30/01/2023</a:t>
             </a:fld>
             <a:endParaRPr lang="en-GB"/>
           </a:p>
@@ -1582,13 +4020,7 @@
       </p:sp>
       <p:sp>
         <p:nvSpPr>
-          <p:cNvPr id="5" name="Footer Placeholder 4">
-            <a:extLst>
-              <a:ext uri="{FF2B5EF4-FFF2-40B4-BE49-F238E27FC236}">
-                <a16:creationId xmlns:a16="http://schemas.microsoft.com/office/drawing/2014/main" id="{A5DCBA01-CAD6-AB90-B614-DDE65B01F9D4}"/>
-              </a:ext>
-            </a:extLst>
-          </p:cNvPr>
+          <p:cNvPr id="5" name="Footer Placeholder 4"/>
           <p:cNvSpPr>
             <a:spLocks noGrp="1"/>
           </p:cNvSpPr>
@@ -1607,13 +4039,7 @@
       </p:sp>
       <p:sp>
         <p:nvSpPr>
-          <p:cNvPr id="6" name="Slide Number Placeholder 5">
-            <a:extLst>
-              <a:ext uri="{FF2B5EF4-FFF2-40B4-BE49-F238E27FC236}">
-                <a16:creationId xmlns:a16="http://schemas.microsoft.com/office/drawing/2014/main" id="{7D71872C-C14D-021E-A168-1129D2B7375C}"/>
-              </a:ext>
-            </a:extLst>
-          </p:cNvPr>
+          <p:cNvPr id="6" name="Slide Number Placeholder 5"/>
           <p:cNvSpPr>
             <a:spLocks noGrp="1"/>
           </p:cNvSpPr>
@@ -1637,7 +4063,7 @@
     </p:spTree>
     <p:extLst>
       <p:ext uri="{BB962C8B-B14F-4D97-AF65-F5344CB8AC3E}">
-        <p14:creationId xmlns:p14="http://schemas.microsoft.com/office/powerpoint/2010/main" val="1846594159"/>
+        <p14:creationId xmlns:p14="http://schemas.microsoft.com/office/powerpoint/2010/main" val="4031976641"/>
       </p:ext>
     </p:extLst>
   </p:cSld>
@@ -1666,13 +4092,7 @@
       </p:grpSpPr>
       <p:sp>
         <p:nvSpPr>
-          <p:cNvPr id="2" name="Title 1">
-            <a:extLst>
-              <a:ext uri="{FF2B5EF4-FFF2-40B4-BE49-F238E27FC236}">
-                <a16:creationId xmlns:a16="http://schemas.microsoft.com/office/drawing/2014/main" id="{16276009-C513-C67F-9E28-5D9285D35CA5}"/>
-              </a:ext>
-            </a:extLst>
-          </p:cNvPr>
+          <p:cNvPr id="2" name="Title 1"/>
           <p:cNvSpPr>
             <a:spLocks noGrp="1"/>
           </p:cNvSpPr>
@@ -1689,19 +4109,13 @@
               <a:rPr lang="en-US"/>
               <a:t>Click to edit Master title style</a:t>
             </a:r>
-            <a:endParaRPr lang="en-GB"/>
-          </a:p>
-        </p:txBody>
-      </p:sp>
-      <p:sp>
-        <p:nvSpPr>
-          <p:cNvPr id="3" name="Content Placeholder 2">
-            <a:extLst>
-              <a:ext uri="{FF2B5EF4-FFF2-40B4-BE49-F238E27FC236}">
-                <a16:creationId xmlns:a16="http://schemas.microsoft.com/office/drawing/2014/main" id="{984738E8-9294-0580-E152-B092C45DD0B5}"/>
-              </a:ext>
-            </a:extLst>
-          </p:cNvPr>
+            <a:endParaRPr lang="en-US" dirty="0"/>
+          </a:p>
+        </p:txBody>
+      </p:sp>
+      <p:sp>
+        <p:nvSpPr>
+          <p:cNvPr id="3" name="Content Placeholder 2"/>
           <p:cNvSpPr>
             <a:spLocks noGrp="1"/>
           </p:cNvSpPr>
@@ -1711,177 +4125,213 @@
         </p:nvSpPr>
         <p:spPr>
           <a:xfrm>
-            <a:off x="838200" y="1825625"/>
-            <a:ext cx="5181600" cy="4351338"/>
+            <a:off x="1103312" y="2060575"/>
+            <a:ext cx="4396339" cy="4195763"/>
           </a:xfrm>
         </p:spPr>
         <p:txBody>
+          <a:bodyPr>
+            <a:normAutofit/>
+          </a:bodyPr>
+          <a:lstStyle>
+            <a:lvl1pPr>
+              <a:defRPr sz="1800"/>
+            </a:lvl1pPr>
+            <a:lvl2pPr>
+              <a:defRPr sz="1600"/>
+            </a:lvl2pPr>
+            <a:lvl3pPr>
+              <a:defRPr sz="1400"/>
+            </a:lvl3pPr>
+            <a:lvl4pPr>
+              <a:defRPr sz="1200"/>
+            </a:lvl4pPr>
+            <a:lvl5pPr>
+              <a:defRPr sz="1200"/>
+            </a:lvl5pPr>
+            <a:lvl6pPr>
+              <a:defRPr sz="1200"/>
+            </a:lvl6pPr>
+            <a:lvl7pPr>
+              <a:defRPr sz="1200"/>
+            </a:lvl7pPr>
+            <a:lvl8pPr>
+              <a:defRPr sz="1200"/>
+            </a:lvl8pPr>
+            <a:lvl9pPr>
+              <a:defRPr sz="1200"/>
+            </a:lvl9pPr>
+          </a:lstStyle>
+          <a:p>
+            <a:pPr lvl="0"/>
+            <a:r>
+              <a:rPr lang="en-US"/>
+              <a:t>Click to edit Master text styles</a:t>
+            </a:r>
+          </a:p>
+          <a:p>
+            <a:pPr lvl="1"/>
+            <a:r>
+              <a:rPr lang="en-US"/>
+              <a:t>Second level</a:t>
+            </a:r>
+          </a:p>
+          <a:p>
+            <a:pPr lvl="2"/>
+            <a:r>
+              <a:rPr lang="en-US"/>
+              <a:t>Third level</a:t>
+            </a:r>
+          </a:p>
+          <a:p>
+            <a:pPr lvl="3"/>
+            <a:r>
+              <a:rPr lang="en-US"/>
+              <a:t>Fourth level</a:t>
+            </a:r>
+          </a:p>
+          <a:p>
+            <a:pPr lvl="4"/>
+            <a:r>
+              <a:rPr lang="en-US"/>
+              <a:t>Fifth level</a:t>
+            </a:r>
+            <a:endParaRPr lang="en-US" dirty="0"/>
+          </a:p>
+        </p:txBody>
+      </p:sp>
+      <p:sp>
+        <p:nvSpPr>
+          <p:cNvPr id="4" name="Content Placeholder 3"/>
+          <p:cNvSpPr>
+            <a:spLocks noGrp="1"/>
+          </p:cNvSpPr>
+          <p:nvPr>
+            <p:ph sz="half" idx="2"/>
+          </p:nvPr>
+        </p:nvSpPr>
+        <p:spPr>
+          <a:xfrm>
+            <a:off x="5654493" y="2056092"/>
+            <a:ext cx="4396341" cy="4200245"/>
+          </a:xfrm>
+        </p:spPr>
+        <p:txBody>
+          <a:bodyPr>
+            <a:normAutofit/>
+          </a:bodyPr>
+          <a:lstStyle>
+            <a:lvl1pPr>
+              <a:defRPr sz="1800"/>
+            </a:lvl1pPr>
+            <a:lvl2pPr>
+              <a:defRPr sz="1600"/>
+            </a:lvl2pPr>
+            <a:lvl3pPr>
+              <a:defRPr sz="1400"/>
+            </a:lvl3pPr>
+            <a:lvl4pPr>
+              <a:defRPr sz="1200"/>
+            </a:lvl4pPr>
+            <a:lvl5pPr>
+              <a:defRPr sz="1200"/>
+            </a:lvl5pPr>
+            <a:lvl6pPr>
+              <a:defRPr sz="1200"/>
+            </a:lvl6pPr>
+            <a:lvl7pPr>
+              <a:defRPr sz="1200"/>
+            </a:lvl7pPr>
+            <a:lvl8pPr>
+              <a:defRPr sz="1200"/>
+            </a:lvl8pPr>
+            <a:lvl9pPr>
+              <a:defRPr sz="1200"/>
+            </a:lvl9pPr>
+          </a:lstStyle>
+          <a:p>
+            <a:pPr lvl="0"/>
+            <a:r>
+              <a:rPr lang="en-US"/>
+              <a:t>Click to edit Master text styles</a:t>
+            </a:r>
+          </a:p>
+          <a:p>
+            <a:pPr lvl="1"/>
+            <a:r>
+              <a:rPr lang="en-US"/>
+              <a:t>Second level</a:t>
+            </a:r>
+          </a:p>
+          <a:p>
+            <a:pPr lvl="2"/>
+            <a:r>
+              <a:rPr lang="en-US"/>
+              <a:t>Third level</a:t>
+            </a:r>
+          </a:p>
+          <a:p>
+            <a:pPr lvl="3"/>
+            <a:r>
+              <a:rPr lang="en-US"/>
+              <a:t>Fourth level</a:t>
+            </a:r>
+          </a:p>
+          <a:p>
+            <a:pPr lvl="4"/>
+            <a:r>
+              <a:rPr lang="en-US"/>
+              <a:t>Fifth level</a:t>
+            </a:r>
+            <a:endParaRPr lang="en-US" dirty="0"/>
+          </a:p>
+        </p:txBody>
+      </p:sp>
+      <p:sp>
+        <p:nvSpPr>
+          <p:cNvPr id="5" name="Date Placeholder 4"/>
+          <p:cNvSpPr>
+            <a:spLocks noGrp="1"/>
+          </p:cNvSpPr>
+          <p:nvPr>
+            <p:ph type="dt" sz="half" idx="10"/>
+          </p:nvPr>
+        </p:nvSpPr>
+        <p:spPr/>
+        <p:txBody>
           <a:bodyPr/>
           <a:lstStyle/>
           <a:p>
-            <a:pPr lvl="0"/>
-            <a:r>
-              <a:rPr lang="en-US"/>
-              <a:t>Click to edit Master text styles</a:t>
-            </a:r>
-          </a:p>
-          <a:p>
-            <a:pPr lvl="1"/>
-            <a:r>
-              <a:rPr lang="en-US"/>
-              <a:t>Second level</a:t>
-            </a:r>
-          </a:p>
-          <a:p>
-            <a:pPr lvl="2"/>
-            <a:r>
-              <a:rPr lang="en-US"/>
-              <a:t>Third level</a:t>
-            </a:r>
-          </a:p>
-          <a:p>
-            <a:pPr lvl="3"/>
-            <a:r>
-              <a:rPr lang="en-US"/>
-              <a:t>Fourth level</a:t>
-            </a:r>
-          </a:p>
-          <a:p>
-            <a:pPr lvl="4"/>
-            <a:r>
-              <a:rPr lang="en-US"/>
-              <a:t>Fifth level</a:t>
-            </a:r>
+            <a:fld id="{AEC2FEFB-2644-498B-B0EE-CDE108AFE4F9}" type="datetimeFigureOut">
+              <a:rPr lang="en-GB" smtClean="0"/>
+              <a:t>30/01/2023</a:t>
+            </a:fld>
             <a:endParaRPr lang="en-GB"/>
           </a:p>
         </p:txBody>
       </p:sp>
       <p:sp>
         <p:nvSpPr>
-          <p:cNvPr id="4" name="Content Placeholder 3">
-            <a:extLst>
-              <a:ext uri="{FF2B5EF4-FFF2-40B4-BE49-F238E27FC236}">
-                <a16:creationId xmlns:a16="http://schemas.microsoft.com/office/drawing/2014/main" id="{F193EF24-57FD-F658-BD1E-E67F8B19BDED}"/>
-              </a:ext>
-            </a:extLst>
-          </p:cNvPr>
-          <p:cNvSpPr>
-            <a:spLocks noGrp="1"/>
-          </p:cNvSpPr>
-          <p:nvPr>
-            <p:ph sz="half" idx="2"/>
-          </p:nvPr>
-        </p:nvSpPr>
-        <p:spPr>
-          <a:xfrm>
-            <a:off x="6172200" y="1825625"/>
-            <a:ext cx="5181600" cy="4351338"/>
-          </a:xfrm>
-        </p:spPr>
+          <p:cNvPr id="6" name="Footer Placeholder 5"/>
+          <p:cNvSpPr>
+            <a:spLocks noGrp="1"/>
+          </p:cNvSpPr>
+          <p:nvPr>
+            <p:ph type="ftr" sz="quarter" idx="11"/>
+          </p:nvPr>
+        </p:nvSpPr>
+        <p:spPr/>
         <p:txBody>
           <a:bodyPr/>
           <a:lstStyle/>
           <a:p>
-            <a:pPr lvl="0"/>
-            <a:r>
-              <a:rPr lang="en-US"/>
-              <a:t>Click to edit Master text styles</a:t>
-            </a:r>
-          </a:p>
-          <a:p>
-            <a:pPr lvl="1"/>
-            <a:r>
-              <a:rPr lang="en-US"/>
-              <a:t>Second level</a:t>
-            </a:r>
-          </a:p>
-          <a:p>
-            <a:pPr lvl="2"/>
-            <a:r>
-              <a:rPr lang="en-US"/>
-              <a:t>Third level</a:t>
-            </a:r>
-          </a:p>
-          <a:p>
-            <a:pPr lvl="3"/>
-            <a:r>
-              <a:rPr lang="en-US"/>
-              <a:t>Fourth level</a:t>
-            </a:r>
-          </a:p>
-          <a:p>
-            <a:pPr lvl="4"/>
-            <a:r>
-              <a:rPr lang="en-US"/>
-              <a:t>Fifth level</a:t>
-            </a:r>
             <a:endParaRPr lang="en-GB"/>
           </a:p>
         </p:txBody>
       </p:sp>
       <p:sp>
         <p:nvSpPr>
-          <p:cNvPr id="5" name="Date Placeholder 4">
-            <a:extLst>
-              <a:ext uri="{FF2B5EF4-FFF2-40B4-BE49-F238E27FC236}">
-                <a16:creationId xmlns:a16="http://schemas.microsoft.com/office/drawing/2014/main" id="{E45E8CEE-AC5C-C0ED-9C79-6C295CA352DD}"/>
-              </a:ext>
-            </a:extLst>
-          </p:cNvPr>
-          <p:cNvSpPr>
-            <a:spLocks noGrp="1"/>
-          </p:cNvSpPr>
-          <p:nvPr>
-            <p:ph type="dt" sz="half" idx="10"/>
-          </p:nvPr>
-        </p:nvSpPr>
-        <p:spPr/>
-        <p:txBody>
-          <a:bodyPr/>
-          <a:lstStyle/>
-          <a:p>
-            <a:fld id="{AEC2FEFB-2644-498B-B0EE-CDE108AFE4F9}" type="datetimeFigureOut">
-              <a:rPr lang="en-GB" smtClean="0"/>
-              <a:t>17/01/2023</a:t>
-            </a:fld>
-            <a:endParaRPr lang="en-GB"/>
-          </a:p>
-        </p:txBody>
-      </p:sp>
-      <p:sp>
-        <p:nvSpPr>
-          <p:cNvPr id="6" name="Footer Placeholder 5">
-            <a:extLst>
-              <a:ext uri="{FF2B5EF4-FFF2-40B4-BE49-F238E27FC236}">
-                <a16:creationId xmlns:a16="http://schemas.microsoft.com/office/drawing/2014/main" id="{F1FD5B78-287C-F81F-314F-431E23AA91DE}"/>
-              </a:ext>
-            </a:extLst>
-          </p:cNvPr>
-          <p:cNvSpPr>
-            <a:spLocks noGrp="1"/>
-          </p:cNvSpPr>
-          <p:nvPr>
-            <p:ph type="ftr" sz="quarter" idx="11"/>
-          </p:nvPr>
-        </p:nvSpPr>
-        <p:spPr/>
-        <p:txBody>
-          <a:bodyPr/>
-          <a:lstStyle/>
-          <a:p>
-            <a:endParaRPr lang="en-GB"/>
-          </a:p>
-        </p:txBody>
-      </p:sp>
-      <p:sp>
-        <p:nvSpPr>
-          <p:cNvPr id="7" name="Slide Number Placeholder 6">
-            <a:extLst>
-              <a:ext uri="{FF2B5EF4-FFF2-40B4-BE49-F238E27FC236}">
-                <a16:creationId xmlns:a16="http://schemas.microsoft.com/office/drawing/2014/main" id="{59C041ED-8B46-6E72-74D2-38CF7D097727}"/>
-              </a:ext>
-            </a:extLst>
-          </p:cNvPr>
+          <p:cNvPr id="7" name="Slide Number Placeholder 6"/>
           <p:cNvSpPr>
             <a:spLocks noGrp="1"/>
           </p:cNvSpPr>
@@ -1905,7 +4355,7 @@
     </p:spTree>
     <p:extLst>
       <p:ext uri="{BB962C8B-B14F-4D97-AF65-F5344CB8AC3E}">
-        <p14:creationId xmlns:p14="http://schemas.microsoft.com/office/powerpoint/2010/main" val="1189384339"/>
+        <p14:creationId xmlns:p14="http://schemas.microsoft.com/office/powerpoint/2010/main" val="3974587996"/>
       </p:ext>
     </p:extLst>
   </p:cSld>
@@ -1934,66 +4384,59 @@
       </p:grpSpPr>
       <p:sp>
         <p:nvSpPr>
-          <p:cNvPr id="2" name="Title 1">
-            <a:extLst>
-              <a:ext uri="{FF2B5EF4-FFF2-40B4-BE49-F238E27FC236}">
-                <a16:creationId xmlns:a16="http://schemas.microsoft.com/office/drawing/2014/main" id="{7619DC4E-F9FF-CE4C-00D4-C8EFC57DF55E}"/>
-              </a:ext>
-            </a:extLst>
-          </p:cNvPr>
+          <p:cNvPr id="2" name="Title 1"/>
           <p:cNvSpPr>
             <a:spLocks noGrp="1"/>
           </p:cNvSpPr>
           <p:nvPr>
             <p:ph type="title"/>
+          </p:nvPr>
+        </p:nvSpPr>
+        <p:spPr/>
+        <p:txBody>
+          <a:bodyPr/>
+          <a:lstStyle>
+            <a:lvl1pPr>
+              <a:defRPr/>
+            </a:lvl1pPr>
+          </a:lstStyle>
+          <a:p>
+            <a:r>
+              <a:rPr lang="en-US"/>
+              <a:t>Click to edit Master title style</a:t>
+            </a:r>
+            <a:endParaRPr lang="en-US" dirty="0"/>
+          </a:p>
+        </p:txBody>
+      </p:sp>
+      <p:sp>
+        <p:nvSpPr>
+          <p:cNvPr id="3" name="Text Placeholder 2"/>
+          <p:cNvSpPr>
+            <a:spLocks noGrp="1"/>
+          </p:cNvSpPr>
+          <p:nvPr>
+            <p:ph type="body" idx="1"/>
           </p:nvPr>
         </p:nvSpPr>
         <p:spPr>
           <a:xfrm>
-            <a:off x="839788" y="365125"/>
-            <a:ext cx="10515600" cy="1325563"/>
+            <a:off x="1103313" y="1905000"/>
+            <a:ext cx="4396338" cy="576262"/>
           </a:xfrm>
         </p:spPr>
         <p:txBody>
-          <a:bodyPr/>
-          <a:lstStyle/>
-          <a:p>
-            <a:r>
-              <a:rPr lang="en-US"/>
-              <a:t>Click to edit Master title style</a:t>
-            </a:r>
-            <a:endParaRPr lang="en-GB"/>
-          </a:p>
-        </p:txBody>
-      </p:sp>
-      <p:sp>
-        <p:nvSpPr>
-          <p:cNvPr id="3" name="Text Placeholder 2">
-            <a:extLst>
-              <a:ext uri="{FF2B5EF4-FFF2-40B4-BE49-F238E27FC236}">
-                <a16:creationId xmlns:a16="http://schemas.microsoft.com/office/drawing/2014/main" id="{612172B9-B425-0AEB-3663-BE858A1CB7D2}"/>
-              </a:ext>
-            </a:extLst>
-          </p:cNvPr>
-          <p:cNvSpPr>
-            <a:spLocks noGrp="1"/>
-          </p:cNvSpPr>
-          <p:nvPr>
-            <p:ph type="body" idx="1"/>
-          </p:nvPr>
-        </p:nvSpPr>
-        <p:spPr>
-          <a:xfrm>
-            <a:off x="839788" y="1681163"/>
-            <a:ext cx="5157787" cy="823912"/>
-          </a:xfrm>
-        </p:spPr>
-        <p:txBody>
-          <a:bodyPr anchor="b"/>
+          <a:bodyPr anchor="b">
+            <a:noAutofit/>
+          </a:bodyPr>
           <a:lstStyle>
             <a:lvl1pPr marL="0" indent="0">
               <a:buNone/>
-              <a:defRPr sz="2400" b="1"/>
+              <a:defRPr sz="2400" b="0">
+                <a:solidFill>
+                  <a:schemeClr val="accent1"/>
+                </a:solidFill>
+              </a:defRPr>
             </a:lvl1pPr>
             <a:lvl2pPr marL="457200" indent="0">
               <a:buNone/>
@@ -2039,13 +4482,7 @@
       </p:sp>
       <p:sp>
         <p:nvSpPr>
-          <p:cNvPr id="4" name="Content Placeholder 3">
-            <a:extLst>
-              <a:ext uri="{FF2B5EF4-FFF2-40B4-BE49-F238E27FC236}">
-                <a16:creationId xmlns:a16="http://schemas.microsoft.com/office/drawing/2014/main" id="{DB5C3A6C-1FD3-2F35-6595-0967845702CC}"/>
-              </a:ext>
-            </a:extLst>
-          </p:cNvPr>
+          <p:cNvPr id="4" name="Content Placeholder 3"/>
           <p:cNvSpPr>
             <a:spLocks noGrp="1"/>
           </p:cNvSpPr>
@@ -2055,13 +4492,43 @@
         </p:nvSpPr>
         <p:spPr>
           <a:xfrm>
-            <a:off x="839788" y="2505075"/>
-            <a:ext cx="5157787" cy="3684588"/>
+            <a:off x="1103312" y="2514600"/>
+            <a:ext cx="4396339" cy="3741738"/>
           </a:xfrm>
         </p:spPr>
         <p:txBody>
-          <a:bodyPr/>
-          <a:lstStyle/>
+          <a:bodyPr>
+            <a:normAutofit/>
+          </a:bodyPr>
+          <a:lstStyle>
+            <a:lvl1pPr>
+              <a:defRPr sz="1800"/>
+            </a:lvl1pPr>
+            <a:lvl2pPr>
+              <a:defRPr sz="1600"/>
+            </a:lvl2pPr>
+            <a:lvl3pPr>
+              <a:defRPr sz="1400"/>
+            </a:lvl3pPr>
+            <a:lvl4pPr>
+              <a:defRPr sz="1200"/>
+            </a:lvl4pPr>
+            <a:lvl5pPr>
+              <a:defRPr sz="1200"/>
+            </a:lvl5pPr>
+            <a:lvl6pPr>
+              <a:defRPr sz="1200"/>
+            </a:lvl6pPr>
+            <a:lvl7pPr>
+              <a:defRPr sz="1200"/>
+            </a:lvl7pPr>
+            <a:lvl8pPr>
+              <a:defRPr sz="1200"/>
+            </a:lvl8pPr>
+            <a:lvl9pPr>
+              <a:defRPr sz="1200"/>
+            </a:lvl9pPr>
+          </a:lstStyle>
           <a:p>
             <a:pPr lvl="0"/>
             <a:r>
@@ -2096,19 +4563,13 @@
               <a:rPr lang="en-US"/>
               <a:t>Fifth level</a:t>
             </a:r>
-            <a:endParaRPr lang="en-GB"/>
-          </a:p>
-        </p:txBody>
-      </p:sp>
-      <p:sp>
-        <p:nvSpPr>
-          <p:cNvPr id="5" name="Text Placeholder 4">
-            <a:extLst>
-              <a:ext uri="{FF2B5EF4-FFF2-40B4-BE49-F238E27FC236}">
-                <a16:creationId xmlns:a16="http://schemas.microsoft.com/office/drawing/2014/main" id="{ABDCBFDD-FAC6-15B0-9B35-401BF2898597}"/>
-              </a:ext>
-            </a:extLst>
-          </p:cNvPr>
+            <a:endParaRPr lang="en-US" dirty="0"/>
+          </a:p>
+        </p:txBody>
+      </p:sp>
+      <p:sp>
+        <p:nvSpPr>
+          <p:cNvPr id="5" name="Text Placeholder 4"/>
           <p:cNvSpPr>
             <a:spLocks noGrp="1"/>
           </p:cNvSpPr>
@@ -2118,16 +4579,22 @@
         </p:nvSpPr>
         <p:spPr>
           <a:xfrm>
-            <a:off x="6172200" y="1681163"/>
-            <a:ext cx="5183188" cy="823912"/>
+            <a:off x="5654495" y="1905000"/>
+            <a:ext cx="4396339" cy="576262"/>
           </a:xfrm>
         </p:spPr>
         <p:txBody>
-          <a:bodyPr anchor="b"/>
+          <a:bodyPr anchor="b">
+            <a:noAutofit/>
+          </a:bodyPr>
           <a:lstStyle>
             <a:lvl1pPr marL="0" indent="0">
               <a:buNone/>
-              <a:defRPr sz="2400" b="1"/>
+              <a:defRPr sz="2400" b="0">
+                <a:solidFill>
+                  <a:schemeClr val="accent1"/>
+                </a:solidFill>
+              </a:defRPr>
             </a:lvl1pPr>
             <a:lvl2pPr marL="457200" indent="0">
               <a:buNone/>
@@ -2173,13 +4640,7 @@
       </p:sp>
       <p:sp>
         <p:nvSpPr>
-          <p:cNvPr id="6" name="Content Placeholder 5">
-            <a:extLst>
-              <a:ext uri="{FF2B5EF4-FFF2-40B4-BE49-F238E27FC236}">
-                <a16:creationId xmlns:a16="http://schemas.microsoft.com/office/drawing/2014/main" id="{DB769B59-FB5D-CDDB-2D86-6B6EB0CB861B}"/>
-              </a:ext>
-            </a:extLst>
-          </p:cNvPr>
+          <p:cNvPr id="6" name="Content Placeholder 5"/>
           <p:cNvSpPr>
             <a:spLocks noGrp="1"/>
           </p:cNvSpPr>
@@ -2189,65 +4650,112 @@
         </p:nvSpPr>
         <p:spPr>
           <a:xfrm>
-            <a:off x="6172200" y="2505075"/>
-            <a:ext cx="5183188" cy="3684588"/>
+            <a:off x="5654495" y="2514600"/>
+            <a:ext cx="4396339" cy="3741738"/>
           </a:xfrm>
         </p:spPr>
         <p:txBody>
+          <a:bodyPr>
+            <a:normAutofit/>
+          </a:bodyPr>
+          <a:lstStyle>
+            <a:lvl1pPr>
+              <a:defRPr sz="1800"/>
+            </a:lvl1pPr>
+            <a:lvl2pPr>
+              <a:defRPr sz="1600"/>
+            </a:lvl2pPr>
+            <a:lvl3pPr>
+              <a:defRPr sz="1400"/>
+            </a:lvl3pPr>
+            <a:lvl4pPr>
+              <a:defRPr sz="1200"/>
+            </a:lvl4pPr>
+            <a:lvl5pPr>
+              <a:defRPr sz="1200"/>
+            </a:lvl5pPr>
+            <a:lvl6pPr>
+              <a:defRPr sz="1200"/>
+            </a:lvl6pPr>
+            <a:lvl7pPr>
+              <a:defRPr sz="1200"/>
+            </a:lvl7pPr>
+            <a:lvl8pPr>
+              <a:defRPr sz="1200"/>
+            </a:lvl8pPr>
+            <a:lvl9pPr>
+              <a:defRPr sz="1200"/>
+            </a:lvl9pPr>
+          </a:lstStyle>
+          <a:p>
+            <a:pPr lvl="0"/>
+            <a:r>
+              <a:rPr lang="en-US"/>
+              <a:t>Click to edit Master text styles</a:t>
+            </a:r>
+          </a:p>
+          <a:p>
+            <a:pPr lvl="1"/>
+            <a:r>
+              <a:rPr lang="en-US"/>
+              <a:t>Second level</a:t>
+            </a:r>
+          </a:p>
+          <a:p>
+            <a:pPr lvl="2"/>
+            <a:r>
+              <a:rPr lang="en-US"/>
+              <a:t>Third level</a:t>
+            </a:r>
+          </a:p>
+          <a:p>
+            <a:pPr lvl="3"/>
+            <a:r>
+              <a:rPr lang="en-US"/>
+              <a:t>Fourth level</a:t>
+            </a:r>
+          </a:p>
+          <a:p>
+            <a:pPr lvl="4"/>
+            <a:r>
+              <a:rPr lang="en-US"/>
+              <a:t>Fifth level</a:t>
+            </a:r>
+            <a:endParaRPr lang="en-US" dirty="0"/>
+          </a:p>
+        </p:txBody>
+      </p:sp>
+      <p:sp>
+        <p:nvSpPr>
+          <p:cNvPr id="7" name="Date Placeholder 6"/>
+          <p:cNvSpPr>
+            <a:spLocks noGrp="1"/>
+          </p:cNvSpPr>
+          <p:nvPr>
+            <p:ph type="dt" sz="half" idx="10"/>
+          </p:nvPr>
+        </p:nvSpPr>
+        <p:spPr/>
+        <p:txBody>
           <a:bodyPr/>
           <a:lstStyle/>
           <a:p>
-            <a:pPr lvl="0"/>
-            <a:r>
-              <a:rPr lang="en-US"/>
-              <a:t>Click to edit Master text styles</a:t>
-            </a:r>
-          </a:p>
-          <a:p>
-            <a:pPr lvl="1"/>
-            <a:r>
-              <a:rPr lang="en-US"/>
-              <a:t>Second level</a:t>
-            </a:r>
-          </a:p>
-          <a:p>
-            <a:pPr lvl="2"/>
-            <a:r>
-              <a:rPr lang="en-US"/>
-              <a:t>Third level</a:t>
-            </a:r>
-          </a:p>
-          <a:p>
-            <a:pPr lvl="3"/>
-            <a:r>
-              <a:rPr lang="en-US"/>
-              <a:t>Fourth level</a:t>
-            </a:r>
-          </a:p>
-          <a:p>
-            <a:pPr lvl="4"/>
-            <a:r>
-              <a:rPr lang="en-US"/>
-              <a:t>Fifth level</a:t>
-            </a:r>
+            <a:fld id="{AEC2FEFB-2644-498B-B0EE-CDE108AFE4F9}" type="datetimeFigureOut">
+              <a:rPr lang="en-GB" smtClean="0"/>
+              <a:t>30/01/2023</a:t>
+            </a:fld>
             <a:endParaRPr lang="en-GB"/>
           </a:p>
         </p:txBody>
       </p:sp>
       <p:sp>
         <p:nvSpPr>
-          <p:cNvPr id="7" name="Date Placeholder 6">
-            <a:extLst>
-              <a:ext uri="{FF2B5EF4-FFF2-40B4-BE49-F238E27FC236}">
-                <a16:creationId xmlns:a16="http://schemas.microsoft.com/office/drawing/2014/main" id="{C7EA07F4-2084-BAD3-F9A8-7963FD76D984}"/>
-              </a:ext>
-            </a:extLst>
-          </p:cNvPr>
-          <p:cNvSpPr>
-            <a:spLocks noGrp="1"/>
-          </p:cNvSpPr>
-          <p:nvPr>
-            <p:ph type="dt" sz="half" idx="10"/>
+          <p:cNvPr id="8" name="Footer Placeholder 7"/>
+          <p:cNvSpPr>
+            <a:spLocks noGrp="1"/>
+          </p:cNvSpPr>
+          <p:nvPr>
+            <p:ph type="ftr" sz="quarter" idx="11"/>
           </p:nvPr>
         </p:nvSpPr>
         <p:spPr/>
@@ -2255,48 +4763,13 @@
           <a:bodyPr/>
           <a:lstStyle/>
           <a:p>
-            <a:fld id="{AEC2FEFB-2644-498B-B0EE-CDE108AFE4F9}" type="datetimeFigureOut">
-              <a:rPr lang="en-GB" smtClean="0"/>
-              <a:t>17/01/2023</a:t>
-            </a:fld>
             <a:endParaRPr lang="en-GB"/>
           </a:p>
         </p:txBody>
       </p:sp>
       <p:sp>
         <p:nvSpPr>
-          <p:cNvPr id="8" name="Footer Placeholder 7">
-            <a:extLst>
-              <a:ext uri="{FF2B5EF4-FFF2-40B4-BE49-F238E27FC236}">
-                <a16:creationId xmlns:a16="http://schemas.microsoft.com/office/drawing/2014/main" id="{89487F57-05B5-8B80-1C37-2FCB81EFA7A1}"/>
-              </a:ext>
-            </a:extLst>
-          </p:cNvPr>
-          <p:cNvSpPr>
-            <a:spLocks noGrp="1"/>
-          </p:cNvSpPr>
-          <p:nvPr>
-            <p:ph type="ftr" sz="quarter" idx="11"/>
-          </p:nvPr>
-        </p:nvSpPr>
-        <p:spPr/>
-        <p:txBody>
-          <a:bodyPr/>
-          <a:lstStyle/>
-          <a:p>
-            <a:endParaRPr lang="en-GB"/>
-          </a:p>
-        </p:txBody>
-      </p:sp>
-      <p:sp>
-        <p:nvSpPr>
-          <p:cNvPr id="9" name="Slide Number Placeholder 8">
-            <a:extLst>
-              <a:ext uri="{FF2B5EF4-FFF2-40B4-BE49-F238E27FC236}">
-                <a16:creationId xmlns:a16="http://schemas.microsoft.com/office/drawing/2014/main" id="{13CACED0-29BD-85A9-3497-D6694004C974}"/>
-              </a:ext>
-            </a:extLst>
-          </p:cNvPr>
+          <p:cNvPr id="9" name="Slide Number Placeholder 8"/>
           <p:cNvSpPr>
             <a:spLocks noGrp="1"/>
           </p:cNvSpPr>
@@ -2320,7 +4793,7 @@
     </p:spTree>
     <p:extLst>
       <p:ext uri="{BB962C8B-B14F-4D97-AF65-F5344CB8AC3E}">
-        <p14:creationId xmlns:p14="http://schemas.microsoft.com/office/powerpoint/2010/main" val="2145578103"/>
+        <p14:creationId xmlns:p14="http://schemas.microsoft.com/office/powerpoint/2010/main" val="18403361"/>
       </p:ext>
     </p:extLst>
   </p:cSld>
@@ -2349,13 +4822,7 @@
       </p:grpSpPr>
       <p:sp>
         <p:nvSpPr>
-          <p:cNvPr id="2" name="Title 1">
-            <a:extLst>
-              <a:ext uri="{FF2B5EF4-FFF2-40B4-BE49-F238E27FC236}">
-                <a16:creationId xmlns:a16="http://schemas.microsoft.com/office/drawing/2014/main" id="{BA4559D9-AE8B-34DD-823F-BBADFADF5F96}"/>
-              </a:ext>
-            </a:extLst>
-          </p:cNvPr>
+          <p:cNvPr id="2" name="Title 1"/>
           <p:cNvSpPr>
             <a:spLocks noGrp="1"/>
           </p:cNvSpPr>
@@ -2372,19 +4839,13 @@
               <a:rPr lang="en-US"/>
               <a:t>Click to edit Master title style</a:t>
             </a:r>
-            <a:endParaRPr lang="en-GB"/>
-          </a:p>
-        </p:txBody>
-      </p:sp>
-      <p:sp>
-        <p:nvSpPr>
-          <p:cNvPr id="3" name="Date Placeholder 2">
-            <a:extLst>
-              <a:ext uri="{FF2B5EF4-FFF2-40B4-BE49-F238E27FC236}">
-                <a16:creationId xmlns:a16="http://schemas.microsoft.com/office/drawing/2014/main" id="{DE2463D6-141D-2D1A-D23E-5E2862EE4FD3}"/>
-              </a:ext>
-            </a:extLst>
-          </p:cNvPr>
+            <a:endParaRPr lang="en-US" dirty="0"/>
+          </a:p>
+        </p:txBody>
+      </p:sp>
+      <p:sp>
+        <p:nvSpPr>
+          <p:cNvPr id="7" name="Date Placeholder 2"/>
           <p:cNvSpPr>
             <a:spLocks noGrp="1"/>
           </p:cNvSpPr>
@@ -2399,7 +4860,7 @@
           <a:p>
             <a:fld id="{AEC2FEFB-2644-498B-B0EE-CDE108AFE4F9}" type="datetimeFigureOut">
               <a:rPr lang="en-GB" smtClean="0"/>
-              <a:t>17/01/2023</a:t>
+              <a:t>30/01/2023</a:t>
             </a:fld>
             <a:endParaRPr lang="en-GB"/>
           </a:p>
@@ -2407,13 +4868,7 @@
       </p:sp>
       <p:sp>
         <p:nvSpPr>
-          <p:cNvPr id="4" name="Footer Placeholder 3">
-            <a:extLst>
-              <a:ext uri="{FF2B5EF4-FFF2-40B4-BE49-F238E27FC236}">
-                <a16:creationId xmlns:a16="http://schemas.microsoft.com/office/drawing/2014/main" id="{09D6A680-6DAD-A40E-B638-5EB2459476BE}"/>
-              </a:ext>
-            </a:extLst>
-          </p:cNvPr>
+          <p:cNvPr id="5" name="Footer Placeholder 3"/>
           <p:cNvSpPr>
             <a:spLocks noGrp="1"/>
           </p:cNvSpPr>
@@ -2432,13 +4887,7 @@
       </p:sp>
       <p:sp>
         <p:nvSpPr>
-          <p:cNvPr id="5" name="Slide Number Placeholder 4">
-            <a:extLst>
-              <a:ext uri="{FF2B5EF4-FFF2-40B4-BE49-F238E27FC236}">
-                <a16:creationId xmlns:a16="http://schemas.microsoft.com/office/drawing/2014/main" id="{8B6805AD-2834-9454-269F-B1D6799AE183}"/>
-              </a:ext>
-            </a:extLst>
-          </p:cNvPr>
+          <p:cNvPr id="6" name="Slide Number Placeholder 4"/>
           <p:cNvSpPr>
             <a:spLocks noGrp="1"/>
           </p:cNvSpPr>
@@ -2462,7 +4911,7 @@
     </p:spTree>
     <p:extLst>
       <p:ext uri="{BB962C8B-B14F-4D97-AF65-F5344CB8AC3E}">
-        <p14:creationId xmlns:p14="http://schemas.microsoft.com/office/powerpoint/2010/main" val="915528902"/>
+        <p14:creationId xmlns:p14="http://schemas.microsoft.com/office/powerpoint/2010/main" val="912539435"/>
       </p:ext>
     </p:extLst>
   </p:cSld>
@@ -2491,13 +4940,7 @@
       </p:grpSpPr>
       <p:sp>
         <p:nvSpPr>
-          <p:cNvPr id="2" name="Date Placeholder 1">
-            <a:extLst>
-              <a:ext uri="{FF2B5EF4-FFF2-40B4-BE49-F238E27FC236}">
-                <a16:creationId xmlns:a16="http://schemas.microsoft.com/office/drawing/2014/main" id="{D832E289-CA3A-BAA8-970D-02CD3EEDE7FE}"/>
-              </a:ext>
-            </a:extLst>
-          </p:cNvPr>
+          <p:cNvPr id="7" name="Date Placeholder 1"/>
           <p:cNvSpPr>
             <a:spLocks noGrp="1"/>
           </p:cNvSpPr>
@@ -2512,7 +4955,7 @@
           <a:p>
             <a:fld id="{AEC2FEFB-2644-498B-B0EE-CDE108AFE4F9}" type="datetimeFigureOut">
               <a:rPr lang="en-GB" smtClean="0"/>
-              <a:t>17/01/2023</a:t>
+              <a:t>30/01/2023</a:t>
             </a:fld>
             <a:endParaRPr lang="en-GB"/>
           </a:p>
@@ -2520,13 +4963,7 @@
       </p:sp>
       <p:sp>
         <p:nvSpPr>
-          <p:cNvPr id="3" name="Footer Placeholder 2">
-            <a:extLst>
-              <a:ext uri="{FF2B5EF4-FFF2-40B4-BE49-F238E27FC236}">
-                <a16:creationId xmlns:a16="http://schemas.microsoft.com/office/drawing/2014/main" id="{EA131943-713A-A297-944E-00D48B740C8E}"/>
-              </a:ext>
-            </a:extLst>
-          </p:cNvPr>
+          <p:cNvPr id="5" name="Footer Placeholder 2"/>
           <p:cNvSpPr>
             <a:spLocks noGrp="1"/>
           </p:cNvSpPr>
@@ -2545,13 +4982,7 @@
       </p:sp>
       <p:sp>
         <p:nvSpPr>
-          <p:cNvPr id="4" name="Slide Number Placeholder 3">
-            <a:extLst>
-              <a:ext uri="{FF2B5EF4-FFF2-40B4-BE49-F238E27FC236}">
-                <a16:creationId xmlns:a16="http://schemas.microsoft.com/office/drawing/2014/main" id="{631D217B-B520-6CAA-8BF0-60A7BE8A6A83}"/>
-              </a:ext>
-            </a:extLst>
-          </p:cNvPr>
+          <p:cNvPr id="6" name="Slide Number Placeholder 3"/>
           <p:cNvSpPr>
             <a:spLocks noGrp="1"/>
           </p:cNvSpPr>
@@ -2575,7 +5006,7 @@
     </p:spTree>
     <p:extLst>
       <p:ext uri="{BB962C8B-B14F-4D97-AF65-F5344CB8AC3E}">
-        <p14:creationId xmlns:p14="http://schemas.microsoft.com/office/powerpoint/2010/main" val="3844697092"/>
+        <p14:creationId xmlns:p14="http://schemas.microsoft.com/office/powerpoint/2010/main" val="633280155"/>
       </p:ext>
     </p:extLst>
   </p:cSld>
@@ -2604,13 +5035,7 @@
       </p:grpSpPr>
       <p:sp>
         <p:nvSpPr>
-          <p:cNvPr id="2" name="Title 1">
-            <a:extLst>
-              <a:ext uri="{FF2B5EF4-FFF2-40B4-BE49-F238E27FC236}">
-                <a16:creationId xmlns:a16="http://schemas.microsoft.com/office/drawing/2014/main" id="{24D97FC6-7F2E-29A9-CD86-83F22A3745FF}"/>
-              </a:ext>
-            </a:extLst>
-          </p:cNvPr>
+          <p:cNvPr id="2" name="Title 1"/>
           <p:cNvSpPr>
             <a:spLocks noGrp="1"/>
           </p:cNvSpPr>
@@ -2620,15 +5045,15 @@
         </p:nvSpPr>
         <p:spPr>
           <a:xfrm>
-            <a:off x="839788" y="457200"/>
-            <a:ext cx="3932237" cy="1600200"/>
+            <a:off x="1154954" y="1447800"/>
+            <a:ext cx="3401064" cy="1447800"/>
           </a:xfrm>
         </p:spPr>
         <p:txBody>
           <a:bodyPr anchor="b"/>
           <a:lstStyle>
-            <a:lvl1pPr>
-              <a:defRPr sz="3200"/>
+            <a:lvl1pPr algn="l">
+              <a:defRPr sz="2400" b="0"/>
             </a:lvl1pPr>
           </a:lstStyle>
           <a:p>
@@ -2636,19 +5061,13 @@
               <a:rPr lang="en-US"/>
               <a:t>Click to edit Master title style</a:t>
             </a:r>
-            <a:endParaRPr lang="en-GB"/>
-          </a:p>
-        </p:txBody>
-      </p:sp>
-      <p:sp>
-        <p:nvSpPr>
-          <p:cNvPr id="3" name="Content Placeholder 2">
-            <a:extLst>
-              <a:ext uri="{FF2B5EF4-FFF2-40B4-BE49-F238E27FC236}">
-                <a16:creationId xmlns:a16="http://schemas.microsoft.com/office/drawing/2014/main" id="{E85BF9CD-1835-8364-505D-3BEB48BBBE3C}"/>
-              </a:ext>
-            </a:extLst>
-          </p:cNvPr>
+            <a:endParaRPr lang="en-US" dirty="0"/>
+          </a:p>
+        </p:txBody>
+      </p:sp>
+      <p:sp>
+        <p:nvSpPr>
+          <p:cNvPr id="3" name="Content Placeholder 2"/>
           <p:cNvSpPr>
             <a:spLocks noGrp="1"/>
           </p:cNvSpPr>
@@ -2658,39 +5077,41 @@
         </p:nvSpPr>
         <p:spPr>
           <a:xfrm>
-            <a:off x="5183188" y="987425"/>
-            <a:ext cx="6172200" cy="4873625"/>
+            <a:off x="4784616" y="1447800"/>
+            <a:ext cx="5195997" cy="4572000"/>
           </a:xfrm>
         </p:spPr>
         <p:txBody>
-          <a:bodyPr/>
+          <a:bodyPr anchor="ctr">
+            <a:normAutofit/>
+          </a:bodyPr>
           <a:lstStyle>
             <a:lvl1pPr>
-              <a:defRPr sz="3200"/>
+              <a:defRPr sz="2000"/>
             </a:lvl1pPr>
             <a:lvl2pPr>
-              <a:defRPr sz="2800"/>
+              <a:defRPr sz="1800"/>
             </a:lvl2pPr>
             <a:lvl3pPr>
-              <a:defRPr sz="2400"/>
+              <a:defRPr sz="1600"/>
             </a:lvl3pPr>
             <a:lvl4pPr>
-              <a:defRPr sz="2000"/>
+              <a:defRPr sz="1400"/>
             </a:lvl4pPr>
             <a:lvl5pPr>
-              <a:defRPr sz="2000"/>
+              <a:defRPr sz="1400"/>
             </a:lvl5pPr>
             <a:lvl6pPr>
-              <a:defRPr sz="2000"/>
+              <a:defRPr sz="1400"/>
             </a:lvl6pPr>
             <a:lvl7pPr>
-              <a:defRPr sz="2000"/>
+              <a:defRPr sz="1400"/>
             </a:lvl7pPr>
             <a:lvl8pPr>
-              <a:defRPr sz="2000"/>
+              <a:defRPr sz="1400"/>
             </a:lvl8pPr>
             <a:lvl9pPr>
-              <a:defRPr sz="2000"/>
+              <a:defRPr sz="1400"/>
             </a:lvl9pPr>
           </a:lstStyle>
           <a:p>
@@ -2727,19 +5148,13 @@
               <a:rPr lang="en-US"/>
               <a:t>Fifth level</a:t>
             </a:r>
-            <a:endParaRPr lang="en-GB"/>
-          </a:p>
-        </p:txBody>
-      </p:sp>
-      <p:sp>
-        <p:nvSpPr>
-          <p:cNvPr id="4" name="Text Placeholder 3">
-            <a:extLst>
-              <a:ext uri="{FF2B5EF4-FFF2-40B4-BE49-F238E27FC236}">
-                <a16:creationId xmlns:a16="http://schemas.microsoft.com/office/drawing/2014/main" id="{5FA6A70B-B581-4DEC-7934-A7A9B8BE88AD}"/>
-              </a:ext>
-            </a:extLst>
-          </p:cNvPr>
+            <a:endParaRPr lang="en-US" dirty="0"/>
+          </a:p>
+        </p:txBody>
+      </p:sp>
+      <p:sp>
+        <p:nvSpPr>
+          <p:cNvPr id="4" name="Text Placeholder 3"/>
           <p:cNvSpPr>
             <a:spLocks noGrp="1"/>
           </p:cNvSpPr>
@@ -2749,8 +5164,8 @@
         </p:nvSpPr>
         <p:spPr>
           <a:xfrm>
-            <a:off x="839788" y="2057400"/>
-            <a:ext cx="3932237" cy="3811588"/>
+            <a:off x="1154954" y="3129280"/>
+            <a:ext cx="3401063" cy="2895599"/>
           </a:xfrm>
         </p:spPr>
         <p:txBody>
@@ -2758,39 +5173,39 @@
           <a:lstStyle>
             <a:lvl1pPr marL="0" indent="0">
               <a:buNone/>
-              <a:defRPr sz="1600"/>
+              <a:defRPr sz="1400"/>
             </a:lvl1pPr>
             <a:lvl2pPr marL="457200" indent="0">
               <a:buNone/>
-              <a:defRPr sz="1400"/>
+              <a:defRPr sz="1200"/>
             </a:lvl2pPr>
             <a:lvl3pPr marL="914400" indent="0">
               <a:buNone/>
-              <a:defRPr sz="1200"/>
+              <a:defRPr sz="1000"/>
             </a:lvl3pPr>
             <a:lvl4pPr marL="1371600" indent="0">
               <a:buNone/>
-              <a:defRPr sz="1000"/>
+              <a:defRPr sz="900"/>
             </a:lvl4pPr>
             <a:lvl5pPr marL="1828800" indent="0">
               <a:buNone/>
-              <a:defRPr sz="1000"/>
+              <a:defRPr sz="900"/>
             </a:lvl5pPr>
             <a:lvl6pPr marL="2286000" indent="0">
               <a:buNone/>
-              <a:defRPr sz="1000"/>
+              <a:defRPr sz="900"/>
             </a:lvl6pPr>
             <a:lvl7pPr marL="2743200" indent="0">
               <a:buNone/>
-              <a:defRPr sz="1000"/>
+              <a:defRPr sz="900"/>
             </a:lvl7pPr>
             <a:lvl8pPr marL="3200400" indent="0">
               <a:buNone/>
-              <a:defRPr sz="1000"/>
+              <a:defRPr sz="900"/>
             </a:lvl8pPr>
             <a:lvl9pPr marL="3657600" indent="0">
               <a:buNone/>
-              <a:defRPr sz="1000"/>
+              <a:defRPr sz="900"/>
             </a:lvl9pPr>
           </a:lstStyle>
           <a:p>
@@ -2804,13 +5219,7 @@
       </p:sp>
       <p:sp>
         <p:nvSpPr>
-          <p:cNvPr id="5" name="Date Placeholder 4">
-            <a:extLst>
-              <a:ext uri="{FF2B5EF4-FFF2-40B4-BE49-F238E27FC236}">
-                <a16:creationId xmlns:a16="http://schemas.microsoft.com/office/drawing/2014/main" id="{1A854077-0C73-00E8-131C-678CA3784AB9}"/>
-              </a:ext>
-            </a:extLst>
-          </p:cNvPr>
+          <p:cNvPr id="7" name="Date Placeholder 4"/>
           <p:cNvSpPr>
             <a:spLocks noGrp="1"/>
           </p:cNvSpPr>
@@ -2825,7 +5234,7 @@
           <a:p>
             <a:fld id="{AEC2FEFB-2644-498B-B0EE-CDE108AFE4F9}" type="datetimeFigureOut">
               <a:rPr lang="en-GB" smtClean="0"/>
-              <a:t>17/01/2023</a:t>
+              <a:t>30/01/2023</a:t>
             </a:fld>
             <a:endParaRPr lang="en-GB"/>
           </a:p>
@@ -2833,13 +5242,7 @@
       </p:sp>
       <p:sp>
         <p:nvSpPr>
-          <p:cNvPr id="6" name="Footer Placeholder 5">
-            <a:extLst>
-              <a:ext uri="{FF2B5EF4-FFF2-40B4-BE49-F238E27FC236}">
-                <a16:creationId xmlns:a16="http://schemas.microsoft.com/office/drawing/2014/main" id="{DD7EB9F9-0955-A596-A84C-469E624033AD}"/>
-              </a:ext>
-            </a:extLst>
-          </p:cNvPr>
+          <p:cNvPr id="5" name="Footer Placeholder 5"/>
           <p:cNvSpPr>
             <a:spLocks noGrp="1"/>
           </p:cNvSpPr>
@@ -2858,13 +5261,7 @@
       </p:sp>
       <p:sp>
         <p:nvSpPr>
-          <p:cNvPr id="7" name="Slide Number Placeholder 6">
-            <a:extLst>
-              <a:ext uri="{FF2B5EF4-FFF2-40B4-BE49-F238E27FC236}">
-                <a16:creationId xmlns:a16="http://schemas.microsoft.com/office/drawing/2014/main" id="{E266B0DF-D889-49A6-7584-E8B7B078F5F5}"/>
-              </a:ext>
-            </a:extLst>
-          </p:cNvPr>
+          <p:cNvPr id="6" name="Slide Number Placeholder 6"/>
           <p:cNvSpPr>
             <a:spLocks noGrp="1"/>
           </p:cNvSpPr>
@@ -2888,7 +5285,7 @@
     </p:spTree>
     <p:extLst>
       <p:ext uri="{BB962C8B-B14F-4D97-AF65-F5344CB8AC3E}">
-        <p14:creationId xmlns:p14="http://schemas.microsoft.com/office/powerpoint/2010/main" val="3420946787"/>
+        <p14:creationId xmlns:p14="http://schemas.microsoft.com/office/powerpoint/2010/main" val="218943169"/>
       </p:ext>
     </p:extLst>
   </p:cSld>
@@ -2917,13 +5314,7 @@
       </p:grpSpPr>
       <p:sp>
         <p:nvSpPr>
-          <p:cNvPr id="2" name="Title 1">
-            <a:extLst>
-              <a:ext uri="{FF2B5EF4-FFF2-40B4-BE49-F238E27FC236}">
-                <a16:creationId xmlns:a16="http://schemas.microsoft.com/office/drawing/2014/main" id="{A8FABE07-E5ED-76FB-8C4E-178BCD0DA832}"/>
-              </a:ext>
-            </a:extLst>
-          </p:cNvPr>
+          <p:cNvPr id="2" name="Title 1"/>
           <p:cNvSpPr>
             <a:spLocks noGrp="1"/>
           </p:cNvSpPr>
@@ -2933,15 +5324,17 @@
         </p:nvSpPr>
         <p:spPr>
           <a:xfrm>
-            <a:off x="839788" y="457200"/>
-            <a:ext cx="3932237" cy="1600200"/>
+            <a:off x="1153907" y="1854192"/>
+            <a:ext cx="5092906" cy="1574808"/>
           </a:xfrm>
         </p:spPr>
         <p:txBody>
-          <a:bodyPr anchor="b"/>
+          <a:bodyPr anchor="b">
+            <a:normAutofit/>
+          </a:bodyPr>
           <a:lstStyle>
-            <a:lvl1pPr>
-              <a:defRPr sz="3200"/>
+            <a:lvl1pPr algn="l">
+              <a:defRPr sz="3600" b="0"/>
             </a:lvl1pPr>
           </a:lstStyle>
           <a:p>
@@ -2949,21 +5342,15 @@
               <a:rPr lang="en-US"/>
               <a:t>Click to edit Master title style</a:t>
             </a:r>
-            <a:endParaRPr lang="en-GB"/>
-          </a:p>
-        </p:txBody>
-      </p:sp>
-      <p:sp>
-        <p:nvSpPr>
-          <p:cNvPr id="3" name="Picture Placeholder 2">
-            <a:extLst>
-              <a:ext uri="{FF2B5EF4-FFF2-40B4-BE49-F238E27FC236}">
-                <a16:creationId xmlns:a16="http://schemas.microsoft.com/office/drawing/2014/main" id="{C1F4C803-EA2E-0E5E-D52A-91394BB0BE6A}"/>
-              </a:ext>
-            </a:extLst>
-          </p:cNvPr>
-          <p:cNvSpPr>
-            <a:spLocks noGrp="1"/>
+            <a:endParaRPr lang="en-US" dirty="0"/>
+          </a:p>
+        </p:txBody>
+      </p:sp>
+      <p:sp>
+        <p:nvSpPr>
+          <p:cNvPr id="3" name="Picture Placeholder 2"/>
+          <p:cNvSpPr>
+            <a:spLocks noGrp="1" noChangeAspect="1"/>
           </p:cNvSpPr>
           <p:nvPr>
             <p:ph type="pic" idx="1"/>
@@ -2971,118 +5358,132 @@
         </p:nvSpPr>
         <p:spPr>
           <a:xfrm>
-            <a:off x="5183188" y="987425"/>
-            <a:ext cx="6172200" cy="4873625"/>
+            <a:off x="6949546" y="1143000"/>
+            <a:ext cx="3200400" cy="4572000"/>
           </a:xfrm>
+          <a:prstGeom prst="roundRect">
+            <a:avLst>
+              <a:gd name="adj" fmla="val 1858"/>
+            </a:avLst>
+          </a:prstGeom>
+          <a:effectLst>
+            <a:outerShdw blurRad="50800" dist="50800" dir="5400000" algn="tl" rotWithShape="0">
+              <a:srgbClr val="000000">
+                <a:alpha val="43000"/>
+              </a:srgbClr>
+            </a:outerShdw>
+          </a:effectLst>
         </p:spPr>
         <p:txBody>
-          <a:bodyPr/>
+          <a:bodyPr anchor="t">
+            <a:normAutofit/>
+          </a:bodyPr>
           <a:lstStyle>
-            <a:lvl1pPr marL="0" indent="0">
-              <a:buNone/>
-              <a:defRPr sz="3200"/>
-            </a:lvl1pPr>
-            <a:lvl2pPr marL="457200" indent="0">
-              <a:buNone/>
-              <a:defRPr sz="2800"/>
-            </a:lvl2pPr>
-            <a:lvl3pPr marL="914400" indent="0">
-              <a:buNone/>
-              <a:defRPr sz="2400"/>
-            </a:lvl3pPr>
-            <a:lvl4pPr marL="1371600" indent="0">
-              <a:buNone/>
-              <a:defRPr sz="2000"/>
-            </a:lvl4pPr>
-            <a:lvl5pPr marL="1828800" indent="0">
-              <a:buNone/>
-              <a:defRPr sz="2000"/>
-            </a:lvl5pPr>
-            <a:lvl6pPr marL="2286000" indent="0">
-              <a:buNone/>
-              <a:defRPr sz="2000"/>
-            </a:lvl6pPr>
-            <a:lvl7pPr marL="2743200" indent="0">
-              <a:buNone/>
-              <a:defRPr sz="2000"/>
-            </a:lvl7pPr>
-            <a:lvl8pPr marL="3200400" indent="0">
-              <a:buNone/>
-              <a:defRPr sz="2000"/>
-            </a:lvl8pPr>
-            <a:lvl9pPr marL="3657600" indent="0">
-              <a:buNone/>
-              <a:defRPr sz="2000"/>
-            </a:lvl9pPr>
-          </a:lstStyle>
-          <a:p>
-            <a:endParaRPr lang="en-GB"/>
-          </a:p>
-        </p:txBody>
-      </p:sp>
-      <p:sp>
-        <p:nvSpPr>
-          <p:cNvPr id="4" name="Text Placeholder 3">
-            <a:extLst>
-              <a:ext uri="{FF2B5EF4-FFF2-40B4-BE49-F238E27FC236}">
-                <a16:creationId xmlns:a16="http://schemas.microsoft.com/office/drawing/2014/main" id="{367F4B4E-0498-25AC-A365-1F92FB4C289D}"/>
-              </a:ext>
-            </a:extLst>
-          </p:cNvPr>
-          <p:cNvSpPr>
-            <a:spLocks noGrp="1"/>
-          </p:cNvSpPr>
-          <p:nvPr>
-            <p:ph type="body" sz="half" idx="2"/>
-          </p:nvPr>
-        </p:nvSpPr>
-        <p:spPr>
-          <a:xfrm>
-            <a:off x="839788" y="2057400"/>
-            <a:ext cx="3932237" cy="3811588"/>
-          </a:xfrm>
-        </p:spPr>
-        <p:txBody>
-          <a:bodyPr/>
-          <a:lstStyle>
-            <a:lvl1pPr marL="0" indent="0">
+            <a:lvl1pPr marL="0" indent="0" algn="ctr">
               <a:buNone/>
               <a:defRPr sz="1600"/>
             </a:lvl1pPr>
             <a:lvl2pPr marL="457200" indent="0">
               <a:buNone/>
-              <a:defRPr sz="1400"/>
+              <a:defRPr sz="1600"/>
             </a:lvl2pPr>
             <a:lvl3pPr marL="914400" indent="0">
               <a:buNone/>
-              <a:defRPr sz="1200"/>
+              <a:defRPr sz="1600"/>
             </a:lvl3pPr>
             <a:lvl4pPr marL="1371600" indent="0">
               <a:buNone/>
-              <a:defRPr sz="1000"/>
+              <a:defRPr sz="1600"/>
             </a:lvl4pPr>
             <a:lvl5pPr marL="1828800" indent="0">
               <a:buNone/>
-              <a:defRPr sz="1000"/>
+              <a:defRPr sz="1600"/>
             </a:lvl5pPr>
             <a:lvl6pPr marL="2286000" indent="0">
               <a:buNone/>
-              <a:defRPr sz="1000"/>
+              <a:defRPr sz="1600"/>
             </a:lvl6pPr>
             <a:lvl7pPr marL="2743200" indent="0">
               <a:buNone/>
-              <a:defRPr sz="1000"/>
+              <a:defRPr sz="1600"/>
             </a:lvl7pPr>
             <a:lvl8pPr marL="3200400" indent="0">
               <a:buNone/>
-              <a:defRPr sz="1000"/>
+              <a:defRPr sz="1600"/>
             </a:lvl8pPr>
             <a:lvl9pPr marL="3657600" indent="0">
               <a:buNone/>
-              <a:defRPr sz="1000"/>
+              <a:defRPr sz="1600"/>
             </a:lvl9pPr>
           </a:lstStyle>
           <a:p>
+            <a:r>
+              <a:rPr lang="en-US"/>
+              <a:t>Click icon to add picture</a:t>
+            </a:r>
+            <a:endParaRPr lang="en-US" dirty="0"/>
+          </a:p>
+        </p:txBody>
+      </p:sp>
+      <p:sp>
+        <p:nvSpPr>
+          <p:cNvPr id="4" name="Text Placeholder 3"/>
+          <p:cNvSpPr>
+            <a:spLocks noGrp="1"/>
+          </p:cNvSpPr>
+          <p:nvPr>
+            <p:ph type="body" sz="half" idx="2"/>
+          </p:nvPr>
+        </p:nvSpPr>
+        <p:spPr>
+          <a:xfrm>
+            <a:off x="1154954" y="3657600"/>
+            <a:ext cx="5084979" cy="1371600"/>
+          </a:xfrm>
+        </p:spPr>
+        <p:txBody>
+          <a:bodyPr>
+            <a:normAutofit/>
+          </a:bodyPr>
+          <a:lstStyle>
+            <a:lvl1pPr marL="0" indent="0">
+              <a:buNone/>
+              <a:defRPr sz="1400"/>
+            </a:lvl1pPr>
+            <a:lvl2pPr marL="457200" indent="0">
+              <a:buNone/>
+              <a:defRPr sz="1200"/>
+            </a:lvl2pPr>
+            <a:lvl3pPr marL="914400" indent="0">
+              <a:buNone/>
+              <a:defRPr sz="1000"/>
+            </a:lvl3pPr>
+            <a:lvl4pPr marL="1371600" indent="0">
+              <a:buNone/>
+              <a:defRPr sz="900"/>
+            </a:lvl4pPr>
+            <a:lvl5pPr marL="1828800" indent="0">
+              <a:buNone/>
+              <a:defRPr sz="900"/>
+            </a:lvl5pPr>
+            <a:lvl6pPr marL="2286000" indent="0">
+              <a:buNone/>
+              <a:defRPr sz="900"/>
+            </a:lvl6pPr>
+            <a:lvl7pPr marL="2743200" indent="0">
+              <a:buNone/>
+              <a:defRPr sz="900"/>
+            </a:lvl7pPr>
+            <a:lvl8pPr marL="3200400" indent="0">
+              <a:buNone/>
+              <a:defRPr sz="900"/>
+            </a:lvl8pPr>
+            <a:lvl9pPr marL="3657600" indent="0">
+              <a:buNone/>
+              <a:defRPr sz="900"/>
+            </a:lvl9pPr>
+          </a:lstStyle>
+          <a:p>
             <a:pPr lvl="0"/>
             <a:r>
               <a:rPr lang="en-US"/>
@@ -3093,13 +5494,7 @@
       </p:sp>
       <p:sp>
         <p:nvSpPr>
-          <p:cNvPr id="5" name="Date Placeholder 4">
-            <a:extLst>
-              <a:ext uri="{FF2B5EF4-FFF2-40B4-BE49-F238E27FC236}">
-                <a16:creationId xmlns:a16="http://schemas.microsoft.com/office/drawing/2014/main" id="{34F01E5A-7409-47C0-6968-830F827EACD6}"/>
-              </a:ext>
-            </a:extLst>
-          </p:cNvPr>
+          <p:cNvPr id="5" name="Date Placeholder 4"/>
           <p:cNvSpPr>
             <a:spLocks noGrp="1"/>
           </p:cNvSpPr>
@@ -3114,7 +5509,7 @@
           <a:p>
             <a:fld id="{AEC2FEFB-2644-498B-B0EE-CDE108AFE4F9}" type="datetimeFigureOut">
               <a:rPr lang="en-GB" smtClean="0"/>
-              <a:t>17/01/2023</a:t>
+              <a:t>30/01/2023</a:t>
             </a:fld>
             <a:endParaRPr lang="en-GB"/>
           </a:p>
@@ -3122,13 +5517,7 @@
       </p:sp>
       <p:sp>
         <p:nvSpPr>
-          <p:cNvPr id="6" name="Footer Placeholder 5">
-            <a:extLst>
-              <a:ext uri="{FF2B5EF4-FFF2-40B4-BE49-F238E27FC236}">
-                <a16:creationId xmlns:a16="http://schemas.microsoft.com/office/drawing/2014/main" id="{08C86158-3534-EBAE-62EB-B0D4169D52ED}"/>
-              </a:ext>
-            </a:extLst>
-          </p:cNvPr>
+          <p:cNvPr id="6" name="Footer Placeholder 5"/>
           <p:cNvSpPr>
             <a:spLocks noGrp="1"/>
           </p:cNvSpPr>
@@ -3147,13 +5536,7 @@
       </p:sp>
       <p:sp>
         <p:nvSpPr>
-          <p:cNvPr id="7" name="Slide Number Placeholder 6">
-            <a:extLst>
-              <a:ext uri="{FF2B5EF4-FFF2-40B4-BE49-F238E27FC236}">
-                <a16:creationId xmlns:a16="http://schemas.microsoft.com/office/drawing/2014/main" id="{80D52DEA-93A1-5CA3-4040-4C4323EDAD4F}"/>
-              </a:ext>
-            </a:extLst>
-          </p:cNvPr>
+          <p:cNvPr id="7" name="Slide Number Placeholder 6"/>
           <p:cNvSpPr>
             <a:spLocks noGrp="1"/>
           </p:cNvSpPr>
@@ -3177,7 +5560,7 @@
     </p:spTree>
     <p:extLst>
       <p:ext uri="{BB962C8B-B14F-4D97-AF65-F5344CB8AC3E}">
-        <p14:creationId xmlns:p14="http://schemas.microsoft.com/office/powerpoint/2010/main" val="3933499892"/>
+        <p14:creationId xmlns:p14="http://schemas.microsoft.com/office/powerpoint/2010/main" val="488729567"/>
       </p:ext>
     </p:extLst>
   </p:cSld>
@@ -3191,8 +5574,8 @@
 <p:sldMaster xmlns:a="http://schemas.openxmlformats.org/drawingml/2006/main" xmlns:r="http://schemas.openxmlformats.org/officeDocument/2006/relationships" xmlns:p="http://schemas.openxmlformats.org/presentationml/2006/main">
   <p:cSld>
     <p:bg>
-      <p:bgRef idx="1001">
-        <a:schemeClr val="bg1"/>
+      <p:bgRef idx="1003">
+        <a:schemeClr val="bg2"/>
       </p:bgRef>
     </p:bg>
     <p:spTree>
@@ -3209,143 +5592,420 @@
           <a:chExt cx="0" cy="0"/>
         </a:xfrm>
       </p:grpSpPr>
-      <p:sp>
-        <p:nvSpPr>
-          <p:cNvPr id="2" name="Title Placeholder 1">
+      <p:pic>
+        <p:nvPicPr>
+          <p:cNvPr id="8" name="Picture 7"/>
+          <p:cNvPicPr>
+            <a:picLocks noChangeAspect="1"/>
+          </p:cNvPicPr>
+          <p:nvPr/>
+        </p:nvPicPr>
+        <p:blipFill rotWithShape="1">
+          <a:blip r:embed="rId19">
             <a:extLst>
-              <a:ext uri="{FF2B5EF4-FFF2-40B4-BE49-F238E27FC236}">
-                <a16:creationId xmlns:a16="http://schemas.microsoft.com/office/drawing/2014/main" id="{F1AE5F0F-5B28-2FB5-EF8B-58B4ABB4775A}"/>
+              <a:ext uri="{28A0092B-C50C-407E-A947-70E740481C1C}">
+                <a14:useLocalDpi xmlns:a14="http://schemas.microsoft.com/office/drawing/2010/main" val="0"/>
               </a:ext>
             </a:extLst>
-          </p:cNvPr>
-          <p:cNvSpPr>
-            <a:spLocks noGrp="1"/>
-          </p:cNvSpPr>
-          <p:nvPr>
-            <p:ph type="title"/>
-          </p:nvPr>
-        </p:nvSpPr>
+          </a:blip>
+          <a:srcRect l="3613"/>
+          <a:stretch/>
+        </p:blipFill>
         <p:spPr>
           <a:xfrm>
-            <a:off x="838200" y="365125"/>
-            <a:ext cx="10515600" cy="1325563"/>
+            <a:off x="0" y="2669685"/>
+            <a:ext cx="4037012" cy="4188315"/>
           </a:xfrm>
           <a:prstGeom prst="rect">
             <a:avLst/>
           </a:prstGeom>
         </p:spPr>
-        <p:txBody>
-          <a:bodyPr vert="horz" lIns="91440" tIns="45720" rIns="91440" bIns="45720" rtlCol="0" anchor="ctr">
-            <a:normAutofit/>
-          </a:bodyPr>
-          <a:lstStyle/>
-          <a:p>
-            <a:r>
-              <a:rPr lang="en-US"/>
-              <a:t>Click to edit Master title style</a:t>
-            </a:r>
-            <a:endParaRPr lang="en-GB"/>
-          </a:p>
-        </p:txBody>
-      </p:sp>
-      <p:sp>
-        <p:nvSpPr>
-          <p:cNvPr id="3" name="Text Placeholder 2">
+      </p:pic>
+      <p:pic>
+        <p:nvPicPr>
+          <p:cNvPr id="7" name="Picture 6"/>
+          <p:cNvPicPr>
+            <a:picLocks noChangeAspect="1"/>
+          </p:cNvPicPr>
+          <p:nvPr/>
+        </p:nvPicPr>
+        <p:blipFill rotWithShape="1">
+          <a:blip r:embed="rId20">
             <a:extLst>
-              <a:ext uri="{FF2B5EF4-FFF2-40B4-BE49-F238E27FC236}">
-                <a16:creationId xmlns:a16="http://schemas.microsoft.com/office/drawing/2014/main" id="{F064088D-B38A-A304-EB8C-2CDB5B266772}"/>
+              <a:ext uri="{28A0092B-C50C-407E-A947-70E740481C1C}">
+                <a14:useLocalDpi xmlns:a14="http://schemas.microsoft.com/office/drawing/2010/main" val="0"/>
               </a:ext>
             </a:extLst>
-          </p:cNvPr>
-          <p:cNvSpPr>
-            <a:spLocks noGrp="1"/>
-          </p:cNvSpPr>
-          <p:nvPr>
-            <p:ph type="body" idx="1"/>
-          </p:nvPr>
-        </p:nvSpPr>
+          </a:blip>
+          <a:srcRect l="35640"/>
+          <a:stretch/>
+        </p:blipFill>
         <p:spPr>
           <a:xfrm>
-            <a:off x="838200" y="1825625"/>
-            <a:ext cx="10515600" cy="4351338"/>
+            <a:off x="0" y="2892347"/>
+            <a:ext cx="1522412" cy="2365453"/>
           </a:xfrm>
           <a:prstGeom prst="rect">
             <a:avLst/>
           </a:prstGeom>
         </p:spPr>
-        <p:txBody>
-          <a:bodyPr vert="horz" lIns="91440" tIns="45720" rIns="91440" bIns="45720" rtlCol="0">
-            <a:normAutofit/>
-          </a:bodyPr>
-          <a:lstStyle/>
-          <a:p>
-            <a:pPr lvl="0"/>
-            <a:r>
-              <a:rPr lang="en-US"/>
-              <a:t>Click to edit Master text styles</a:t>
-            </a:r>
-          </a:p>
-          <a:p>
-            <a:pPr lvl="1"/>
-            <a:r>
-              <a:rPr lang="en-US"/>
-              <a:t>Second level</a:t>
-            </a:r>
-          </a:p>
-          <a:p>
-            <a:pPr lvl="2"/>
-            <a:r>
-              <a:rPr lang="en-US"/>
-              <a:t>Third level</a:t>
-            </a:r>
-          </a:p>
-          <a:p>
-            <a:pPr lvl="3"/>
-            <a:r>
-              <a:rPr lang="en-US"/>
-              <a:t>Fourth level</a:t>
-            </a:r>
-          </a:p>
-          <a:p>
-            <a:pPr lvl="4"/>
-            <a:r>
-              <a:rPr lang="en-US"/>
-              <a:t>Fifth level</a:t>
-            </a:r>
-            <a:endParaRPr lang="en-GB"/>
-          </a:p>
-        </p:txBody>
-      </p:sp>
-      <p:sp>
-        <p:nvSpPr>
-          <p:cNvPr id="4" name="Date Placeholder 3">
+      </p:pic>
+      <p:sp>
+        <p:nvSpPr>
+          <p:cNvPr id="16" name="Oval 15"/>
+          <p:cNvSpPr/>
+          <p:nvPr/>
+        </p:nvSpPr>
+        <p:spPr>
+          <a:xfrm>
+            <a:off x="8609012" y="1676400"/>
+            <a:ext cx="2819400" cy="2819400"/>
+          </a:xfrm>
+          <a:prstGeom prst="ellipse">
+            <a:avLst/>
+          </a:prstGeom>
+          <a:gradFill flip="none" rotWithShape="1">
+            <a:gsLst>
+              <a:gs pos="0">
+                <a:schemeClr val="accent1">
+                  <a:lumMod val="60000"/>
+                  <a:lumOff val="40000"/>
+                  <a:alpha val="7000"/>
+                </a:schemeClr>
+              </a:gs>
+              <a:gs pos="69000">
+                <a:schemeClr val="accent1">
+                  <a:lumMod val="60000"/>
+                  <a:lumOff val="40000"/>
+                  <a:alpha val="0"/>
+                </a:schemeClr>
+              </a:gs>
+              <a:gs pos="36000">
+                <a:schemeClr val="accent1">
+                  <a:lumMod val="60000"/>
+                  <a:lumOff val="40000"/>
+                  <a:alpha val="6000"/>
+                </a:schemeClr>
+              </a:gs>
+            </a:gsLst>
+            <a:path path="circle">
+              <a:fillToRect l="50000" t="50000" r="50000" b="50000"/>
+            </a:path>
+            <a:tileRect/>
+          </a:gradFill>
+          <a:ln>
+            <a:noFill/>
+          </a:ln>
+          <a:effectLst/>
+        </p:spPr>
+        <p:style>
+          <a:lnRef idx="1">
+            <a:schemeClr val="accent1"/>
+          </a:lnRef>
+          <a:fillRef idx="3">
+            <a:schemeClr val="accent1"/>
+          </a:fillRef>
+          <a:effectRef idx="2">
+            <a:schemeClr val="accent1"/>
+          </a:effectRef>
+          <a:fontRef idx="minor">
+            <a:schemeClr val="lt1"/>
+          </a:fontRef>
+        </p:style>
+      </p:sp>
+      <p:pic>
+        <p:nvPicPr>
+          <p:cNvPr id="9" name="Picture 8"/>
+          <p:cNvPicPr>
+            <a:picLocks noChangeAspect="1"/>
+          </p:cNvPicPr>
+          <p:nvPr/>
+        </p:nvPicPr>
+        <p:blipFill rotWithShape="1">
+          <a:blip r:embed="rId21">
             <a:extLst>
-              <a:ext uri="{FF2B5EF4-FFF2-40B4-BE49-F238E27FC236}">
-                <a16:creationId xmlns:a16="http://schemas.microsoft.com/office/drawing/2014/main" id="{DE8FF859-D1F4-8D4F-0B74-4DCD03EAF81D}"/>
+              <a:ext uri="{28A0092B-C50C-407E-A947-70E740481C1C}">
+                <a14:useLocalDpi xmlns:a14="http://schemas.microsoft.com/office/drawing/2010/main" val="0"/>
               </a:ext>
             </a:extLst>
-          </p:cNvPr>
-          <p:cNvSpPr>
-            <a:spLocks noGrp="1"/>
-          </p:cNvSpPr>
-          <p:nvPr>
-            <p:ph type="dt" sz="half" idx="2"/>
-          </p:nvPr>
-        </p:nvSpPr>
+          </a:blip>
+          <a:srcRect t="28713"/>
+          <a:stretch/>
+        </p:blipFill>
         <p:spPr>
           <a:xfrm>
-            <a:off x="838200" y="6356350"/>
-            <a:ext cx="2743200" cy="365125"/>
+            <a:off x="8000197" y="0"/>
+            <a:ext cx="1603387" cy="1143000"/>
           </a:xfrm>
           <a:prstGeom prst="rect">
             <a:avLst/>
           </a:prstGeom>
         </p:spPr>
-        <p:txBody>
-          <a:bodyPr vert="horz" lIns="91440" tIns="45720" rIns="91440" bIns="45720" rtlCol="0" anchor="ctr"/>
+      </p:pic>
+      <p:pic>
+        <p:nvPicPr>
+          <p:cNvPr id="10" name="Picture 9"/>
+          <p:cNvPicPr>
+            <a:picLocks noChangeAspect="1"/>
+          </p:cNvPicPr>
+          <p:nvPr/>
+        </p:nvPicPr>
+        <p:blipFill rotWithShape="1">
+          <a:blip r:embed="rId22">
+            <a:extLst>
+              <a:ext uri="{28A0092B-C50C-407E-A947-70E740481C1C}">
+                <a14:useLocalDpi xmlns:a14="http://schemas.microsoft.com/office/drawing/2010/main" val="0"/>
+              </a:ext>
+            </a:extLst>
+          </a:blip>
+          <a:srcRect b="24199"/>
+          <a:stretch/>
+        </p:blipFill>
+        <p:spPr>
+          <a:xfrm>
+            <a:off x="8609012" y="6092866"/>
+            <a:ext cx="993734" cy="765134"/>
+          </a:xfrm>
+          <a:prstGeom prst="rect">
+            <a:avLst/>
+          </a:prstGeom>
+        </p:spPr>
+      </p:pic>
+      <p:sp>
+        <p:nvSpPr>
+          <p:cNvPr id="14" name="Rectangle 13"/>
+          <p:cNvSpPr/>
+          <p:nvPr/>
+        </p:nvSpPr>
+        <p:spPr>
+          <a:xfrm>
+            <a:off x="10437812" y="0"/>
+            <a:ext cx="685800" cy="1143000"/>
+          </a:xfrm>
+          <a:prstGeom prst="rect">
+            <a:avLst/>
+          </a:prstGeom>
+          <a:solidFill>
+            <a:schemeClr val="accent1"/>
+          </a:solidFill>
+          <a:ln>
+            <a:noFill/>
+          </a:ln>
+        </p:spPr>
+        <p:style>
+          <a:lnRef idx="1">
+            <a:schemeClr val="accent1"/>
+          </a:lnRef>
+          <a:fillRef idx="3">
+            <a:schemeClr val="accent1"/>
+          </a:fillRef>
+          <a:effectRef idx="2">
+            <a:schemeClr val="accent1"/>
+          </a:effectRef>
+          <a:fontRef idx="minor">
+            <a:schemeClr val="lt1"/>
+          </a:fontRef>
+        </p:style>
+      </p:sp>
+      <p:sp>
+        <p:nvSpPr>
+          <p:cNvPr id="2" name="Title Placeholder 1"/>
+          <p:cNvSpPr>
+            <a:spLocks noGrp="1"/>
+          </p:cNvSpPr>
+          <p:nvPr>
+            <p:ph type="title"/>
+          </p:nvPr>
+        </p:nvSpPr>
+        <p:spPr>
+          <a:xfrm>
+            <a:off x="646111" y="452718"/>
+            <a:ext cx="9404723" cy="1400530"/>
+          </a:xfrm>
+          <a:prstGeom prst="rect">
+            <a:avLst/>
+          </a:prstGeom>
+        </p:spPr>
+        <p:txBody>
+          <a:bodyPr vert="horz" lIns="91440" tIns="45720" rIns="91440" bIns="45720" rtlCol="0" anchor="t">
+            <a:noAutofit/>
+          </a:bodyPr>
+          <a:lstStyle/>
+          <a:p>
+            <a:r>
+              <a:rPr lang="en-US"/>
+              <a:t>Click to edit Master title style</a:t>
+            </a:r>
+            <a:endParaRPr lang="en-US" dirty="0"/>
+          </a:p>
+        </p:txBody>
+      </p:sp>
+      <p:sp>
+        <p:nvSpPr>
+          <p:cNvPr id="3" name="Text Placeholder 2"/>
+          <p:cNvSpPr>
+            <a:spLocks noGrp="1"/>
+          </p:cNvSpPr>
+          <p:nvPr>
+            <p:ph type="body" idx="1"/>
+          </p:nvPr>
+        </p:nvSpPr>
+        <p:spPr>
+          <a:xfrm>
+            <a:off x="1103312" y="2052918"/>
+            <a:ext cx="8946541" cy="4195481"/>
+          </a:xfrm>
+          <a:prstGeom prst="rect">
+            <a:avLst/>
+          </a:prstGeom>
+        </p:spPr>
+        <p:txBody>
+          <a:bodyPr vert="horz" lIns="91440" tIns="45720" rIns="91440" bIns="45720" rtlCol="0">
+            <a:normAutofit/>
+          </a:bodyPr>
+          <a:lstStyle/>
+          <a:p>
+            <a:pPr lvl="0"/>
+            <a:r>
+              <a:rPr lang="en-US"/>
+              <a:t>Click to edit Master text styles</a:t>
+            </a:r>
+          </a:p>
+          <a:p>
+            <a:pPr lvl="1"/>
+            <a:r>
+              <a:rPr lang="en-US"/>
+              <a:t>Second level</a:t>
+            </a:r>
+          </a:p>
+          <a:p>
+            <a:pPr lvl="2"/>
+            <a:r>
+              <a:rPr lang="en-US"/>
+              <a:t>Third level</a:t>
+            </a:r>
+          </a:p>
+          <a:p>
+            <a:pPr lvl="3"/>
+            <a:r>
+              <a:rPr lang="en-US"/>
+              <a:t>Fourth level</a:t>
+            </a:r>
+          </a:p>
+          <a:p>
+            <a:pPr lvl="4"/>
+            <a:r>
+              <a:rPr lang="en-US"/>
+              <a:t>Fifth level</a:t>
+            </a:r>
+            <a:endParaRPr lang="en-US" dirty="0"/>
+          </a:p>
+        </p:txBody>
+      </p:sp>
+      <p:sp>
+        <p:nvSpPr>
+          <p:cNvPr id="4" name="Date Placeholder 3"/>
+          <p:cNvSpPr>
+            <a:spLocks noGrp="1"/>
+          </p:cNvSpPr>
+          <p:nvPr>
+            <p:ph type="dt" sz="half" idx="2"/>
+          </p:nvPr>
+        </p:nvSpPr>
+        <p:spPr>
+          <a:xfrm rot="5400000">
+            <a:off x="10155639" y="1790701"/>
+            <a:ext cx="990599" cy="304799"/>
+          </a:xfrm>
+          <a:prstGeom prst="rect">
+            <a:avLst/>
+          </a:prstGeom>
+        </p:spPr>
+        <p:txBody>
+          <a:bodyPr vert="horz" lIns="91440" tIns="45720" rIns="91440" bIns="45720" rtlCol="0" anchor="t"/>
           <a:lstStyle>
             <a:lvl1pPr algn="l">
-              <a:defRPr sz="1200">
+              <a:defRPr sz="1100" b="0" i="0">
+                <a:solidFill>
+                  <a:schemeClr val="tx1">
+                    <a:tint val="75000"/>
+                    <a:alpha val="60000"/>
+                  </a:schemeClr>
+                </a:solidFill>
+              </a:defRPr>
+            </a:lvl1pPr>
+          </a:lstStyle>
+          <a:p>
+            <a:fld id="{AEC2FEFB-2644-498B-B0EE-CDE108AFE4F9}" type="datetimeFigureOut">
+              <a:rPr lang="en-GB" smtClean="0"/>
+              <a:t>30/01/2023</a:t>
+            </a:fld>
+            <a:endParaRPr lang="en-GB"/>
+          </a:p>
+        </p:txBody>
+      </p:sp>
+      <p:sp>
+        <p:nvSpPr>
+          <p:cNvPr id="5" name="Footer Placeholder 4"/>
+          <p:cNvSpPr>
+            <a:spLocks noGrp="1"/>
+          </p:cNvSpPr>
+          <p:nvPr>
+            <p:ph type="ftr" sz="quarter" idx="3"/>
+          </p:nvPr>
+        </p:nvSpPr>
+        <p:spPr>
+          <a:xfrm rot="5400000">
+            <a:off x="8951573" y="3225297"/>
+            <a:ext cx="3859795" cy="304801"/>
+          </a:xfrm>
+          <a:prstGeom prst="rect">
+            <a:avLst/>
+          </a:prstGeom>
+        </p:spPr>
+        <p:txBody>
+          <a:bodyPr vert="horz" lIns="91440" tIns="45720" rIns="91440" bIns="45720" rtlCol="0" anchor="b"/>
+          <a:lstStyle>
+            <a:lvl1pPr algn="l">
+              <a:defRPr sz="1100" b="0" i="0">
+                <a:solidFill>
+                  <a:schemeClr val="tx1">
+                    <a:tint val="75000"/>
+                    <a:alpha val="60000"/>
+                  </a:schemeClr>
+                </a:solidFill>
+              </a:defRPr>
+            </a:lvl1pPr>
+          </a:lstStyle>
+          <a:p>
+            <a:endParaRPr lang="en-GB"/>
+          </a:p>
+        </p:txBody>
+      </p:sp>
+      <p:sp>
+        <p:nvSpPr>
+          <p:cNvPr id="6" name="Slide Number Placeholder 5"/>
+          <p:cNvSpPr>
+            <a:spLocks noGrp="1"/>
+          </p:cNvSpPr>
+          <p:nvPr>
+            <p:ph type="sldNum" sz="quarter" idx="4"/>
+          </p:nvPr>
+        </p:nvSpPr>
+        <p:spPr>
+          <a:xfrm>
+            <a:off x="10352540" y="295729"/>
+            <a:ext cx="838199" cy="767687"/>
+          </a:xfrm>
+          <a:prstGeom prst="rect">
+            <a:avLst/>
+          </a:prstGeom>
+        </p:spPr>
+        <p:txBody>
+          <a:bodyPr vert="horz" lIns="91440" tIns="45720" rIns="91440" bIns="45720" rtlCol="0" anchor="b"/>
+          <a:lstStyle>
+            <a:lvl1pPr algn="ctr">
+              <a:defRPr sz="2800" b="0" i="0">
                 <a:solidFill>
                   <a:schemeClr val="tx1">
                     <a:tint val="75000"/>
@@ -3355,96 +6015,6 @@
             </a:lvl1pPr>
           </a:lstStyle>
           <a:p>
-            <a:fld id="{AEC2FEFB-2644-498B-B0EE-CDE108AFE4F9}" type="datetimeFigureOut">
-              <a:rPr lang="en-GB" smtClean="0"/>
-              <a:t>17/01/2023</a:t>
-            </a:fld>
-            <a:endParaRPr lang="en-GB"/>
-          </a:p>
-        </p:txBody>
-      </p:sp>
-      <p:sp>
-        <p:nvSpPr>
-          <p:cNvPr id="5" name="Footer Placeholder 4">
-            <a:extLst>
-              <a:ext uri="{FF2B5EF4-FFF2-40B4-BE49-F238E27FC236}">
-                <a16:creationId xmlns:a16="http://schemas.microsoft.com/office/drawing/2014/main" id="{913DC0F6-88B4-3E08-6ABA-250D1F7DBAC7}"/>
-              </a:ext>
-            </a:extLst>
-          </p:cNvPr>
-          <p:cNvSpPr>
-            <a:spLocks noGrp="1"/>
-          </p:cNvSpPr>
-          <p:nvPr>
-            <p:ph type="ftr" sz="quarter" idx="3"/>
-          </p:nvPr>
-        </p:nvSpPr>
-        <p:spPr>
-          <a:xfrm>
-            <a:off x="4038600" y="6356350"/>
-            <a:ext cx="4114800" cy="365125"/>
-          </a:xfrm>
-          <a:prstGeom prst="rect">
-            <a:avLst/>
-          </a:prstGeom>
-        </p:spPr>
-        <p:txBody>
-          <a:bodyPr vert="horz" lIns="91440" tIns="45720" rIns="91440" bIns="45720" rtlCol="0" anchor="ctr"/>
-          <a:lstStyle>
-            <a:lvl1pPr algn="ctr">
-              <a:defRPr sz="1200">
-                <a:solidFill>
-                  <a:schemeClr val="tx1">
-                    <a:tint val="75000"/>
-                  </a:schemeClr>
-                </a:solidFill>
-              </a:defRPr>
-            </a:lvl1pPr>
-          </a:lstStyle>
-          <a:p>
-            <a:endParaRPr lang="en-GB"/>
-          </a:p>
-        </p:txBody>
-      </p:sp>
-      <p:sp>
-        <p:nvSpPr>
-          <p:cNvPr id="6" name="Slide Number Placeholder 5">
-            <a:extLst>
-              <a:ext uri="{FF2B5EF4-FFF2-40B4-BE49-F238E27FC236}">
-                <a16:creationId xmlns:a16="http://schemas.microsoft.com/office/drawing/2014/main" id="{F0B43AE6-6FD8-8AE8-56F5-1A58A283277F}"/>
-              </a:ext>
-            </a:extLst>
-          </p:cNvPr>
-          <p:cNvSpPr>
-            <a:spLocks noGrp="1"/>
-          </p:cNvSpPr>
-          <p:nvPr>
-            <p:ph type="sldNum" sz="quarter" idx="4"/>
-          </p:nvPr>
-        </p:nvSpPr>
-        <p:spPr>
-          <a:xfrm>
-            <a:off x="8610600" y="6356350"/>
-            <a:ext cx="2743200" cy="365125"/>
-          </a:xfrm>
-          <a:prstGeom prst="rect">
-            <a:avLst/>
-          </a:prstGeom>
-        </p:spPr>
-        <p:txBody>
-          <a:bodyPr vert="horz" lIns="91440" tIns="45720" rIns="91440" bIns="45720" rtlCol="0" anchor="ctr"/>
-          <a:lstStyle>
-            <a:lvl1pPr algn="r">
-              <a:defRPr sz="1200">
-                <a:solidFill>
-                  <a:schemeClr val="tx1">
-                    <a:tint val="75000"/>
-                  </a:schemeClr>
-                </a:solidFill>
-              </a:defRPr>
-            </a:lvl1pPr>
-          </a:lstStyle>
-          <a:p>
             <a:fld id="{A207C0AD-144B-4360-9928-DF51CF6E082E}" type="slidenum">
               <a:rPr lang="en-GB" smtClean="0"/>
               <a:t>‹#›</a:t>
@@ -3456,35 +6026,118 @@
     </p:spTree>
     <p:extLst>
       <p:ext uri="{BB962C8B-B14F-4D97-AF65-F5344CB8AC3E}">
-        <p14:creationId xmlns:p14="http://schemas.microsoft.com/office/powerpoint/2010/main" val="1745184119"/>
+        <p14:creationId xmlns:p14="http://schemas.microsoft.com/office/powerpoint/2010/main" val="3077548373"/>
       </p:ext>
     </p:extLst>
   </p:cSld>
-  <p:clrMap bg1="lt1" tx1="dk1" bg2="lt2" tx2="dk2" accent1="accent1" accent2="accent2" accent3="accent3" accent4="accent4" accent5="accent5" accent6="accent6" hlink="hlink" folHlink="folHlink"/>
+  <p:clrMap bg1="dk1" tx1="lt1" bg2="dk2" tx2="lt2" accent1="accent1" accent2="accent2" accent3="accent3" accent4="accent4" accent5="accent5" accent6="accent6" hlink="hlink" folHlink="folHlink"/>
   <p:sldLayoutIdLst>
-    <p:sldLayoutId id="2147483649" r:id="rId1"/>
-    <p:sldLayoutId id="2147483650" r:id="rId2"/>
-    <p:sldLayoutId id="2147483651" r:id="rId3"/>
-    <p:sldLayoutId id="2147483652" r:id="rId4"/>
-    <p:sldLayoutId id="2147483653" r:id="rId5"/>
-    <p:sldLayoutId id="2147483654" r:id="rId6"/>
-    <p:sldLayoutId id="2147483655" r:id="rId7"/>
-    <p:sldLayoutId id="2147483656" r:id="rId8"/>
-    <p:sldLayoutId id="2147483657" r:id="rId9"/>
-    <p:sldLayoutId id="2147483658" r:id="rId10"/>
-    <p:sldLayoutId id="2147483659" r:id="rId11"/>
+    <p:sldLayoutId id="2147483697" r:id="rId1"/>
+    <p:sldLayoutId id="2147483698" r:id="rId2"/>
+    <p:sldLayoutId id="2147483699" r:id="rId3"/>
+    <p:sldLayoutId id="2147483700" r:id="rId4"/>
+    <p:sldLayoutId id="2147483701" r:id="rId5"/>
+    <p:sldLayoutId id="2147483702" r:id="rId6"/>
+    <p:sldLayoutId id="2147483703" r:id="rId7"/>
+    <p:sldLayoutId id="2147483704" r:id="rId8"/>
+    <p:sldLayoutId id="2147483705" r:id="rId9"/>
+    <p:sldLayoutId id="2147483706" r:id="rId10"/>
+    <p:sldLayoutId id="2147483707" r:id="rId11"/>
+    <p:sldLayoutId id="2147483708" r:id="rId12"/>
+    <p:sldLayoutId id="2147483709" r:id="rId13"/>
+    <p:sldLayoutId id="2147483710" r:id="rId14"/>
+    <p:sldLayoutId id="2147483711" r:id="rId15"/>
+    <p:sldLayoutId id="2147483712" r:id="rId16"/>
+    <p:sldLayoutId id="2147483713" r:id="rId17"/>
   </p:sldLayoutIdLst>
   <p:txStyles>
     <p:titleStyle>
-      <a:lvl1pPr algn="l" defTabSz="914400" rtl="0" eaLnBrk="1" latinLnBrk="0" hangingPunct="1">
-        <a:lnSpc>
-          <a:spcPct val="90000"/>
-        </a:lnSpc>
+      <a:lvl1pPr algn="l" defTabSz="457200" rtl="0" eaLnBrk="1" latinLnBrk="0" hangingPunct="1">
         <a:spcBef>
           <a:spcPct val="0"/>
         </a:spcBef>
         <a:buNone/>
-        <a:defRPr sz="4400" kern="1200">
+        <a:defRPr sz="4200" b="0" i="0" kern="1200">
+          <a:solidFill>
+            <a:schemeClr val="tx2"/>
+          </a:solidFill>
+          <a:latin typeface="+mj-lt"/>
+          <a:ea typeface="+mj-ea"/>
+          <a:cs typeface="+mj-cs"/>
+        </a:defRPr>
+      </a:lvl1pPr>
+      <a:lvl2pPr eaLnBrk="1" hangingPunct="1">
+        <a:defRPr>
+          <a:solidFill>
+            <a:schemeClr val="tx2"/>
+          </a:solidFill>
+        </a:defRPr>
+      </a:lvl2pPr>
+      <a:lvl3pPr eaLnBrk="1" hangingPunct="1">
+        <a:defRPr>
+          <a:solidFill>
+            <a:schemeClr val="tx2"/>
+          </a:solidFill>
+        </a:defRPr>
+      </a:lvl3pPr>
+      <a:lvl4pPr eaLnBrk="1" hangingPunct="1">
+        <a:defRPr>
+          <a:solidFill>
+            <a:schemeClr val="tx2"/>
+          </a:solidFill>
+        </a:defRPr>
+      </a:lvl4pPr>
+      <a:lvl5pPr eaLnBrk="1" hangingPunct="1">
+        <a:defRPr>
+          <a:solidFill>
+            <a:schemeClr val="tx2"/>
+          </a:solidFill>
+        </a:defRPr>
+      </a:lvl5pPr>
+      <a:lvl6pPr eaLnBrk="1" hangingPunct="1">
+        <a:defRPr>
+          <a:solidFill>
+            <a:schemeClr val="tx2"/>
+          </a:solidFill>
+        </a:defRPr>
+      </a:lvl6pPr>
+      <a:lvl7pPr eaLnBrk="1" hangingPunct="1">
+        <a:defRPr>
+          <a:solidFill>
+            <a:schemeClr val="tx2"/>
+          </a:solidFill>
+        </a:defRPr>
+      </a:lvl7pPr>
+      <a:lvl8pPr eaLnBrk="1" hangingPunct="1">
+        <a:defRPr>
+          <a:solidFill>
+            <a:schemeClr val="tx2"/>
+          </a:solidFill>
+        </a:defRPr>
+      </a:lvl8pPr>
+      <a:lvl9pPr eaLnBrk="1" hangingPunct="1">
+        <a:defRPr>
+          <a:solidFill>
+            <a:schemeClr val="tx2"/>
+          </a:solidFill>
+        </a:defRPr>
+      </a:lvl9pPr>
+    </p:titleStyle>
+    <p:bodyStyle>
+      <a:lvl1pPr marL="342900" indent="-342900" algn="l" defTabSz="457200" rtl="0" eaLnBrk="1" latinLnBrk="0" hangingPunct="1">
+        <a:spcBef>
+          <a:spcPts val="1000"/>
+        </a:spcBef>
+        <a:spcAft>
+          <a:spcPts val="0"/>
+        </a:spcAft>
+        <a:buClr>
+          <a:schemeClr val="accent1"/>
+        </a:buClr>
+        <a:buSzPct val="80000"/>
+        <a:buFont typeface="Wingdings 3" charset="2"/>
+        <a:buChar char=""/>
+        <a:defRPr sz="2000" b="0" i="0" kern="1200">
           <a:solidFill>
             <a:schemeClr val="tx1"/>
           </a:solidFill>
@@ -3493,18 +6146,189 @@
           <a:cs typeface="+mj-cs"/>
         </a:defRPr>
       </a:lvl1pPr>
-    </p:titleStyle>
-    <p:bodyStyle>
-      <a:lvl1pPr marL="228600" indent="-228600" algn="l" defTabSz="914400" rtl="0" eaLnBrk="1" latinLnBrk="0" hangingPunct="1">
-        <a:lnSpc>
-          <a:spcPct val="90000"/>
-        </a:lnSpc>
+      <a:lvl2pPr marL="742950" indent="-285750" algn="l" defTabSz="457200" rtl="0" eaLnBrk="1" latinLnBrk="0" hangingPunct="1">
         <a:spcBef>
           <a:spcPts val="1000"/>
         </a:spcBef>
-        <a:buFont typeface="Arial" panose="020B0604020202020204" pitchFamily="34" charset="0"/>
-        <a:buChar char="•"/>
-        <a:defRPr sz="2800" kern="1200">
+        <a:spcAft>
+          <a:spcPts val="0"/>
+        </a:spcAft>
+        <a:buClr>
+          <a:schemeClr val="accent1"/>
+        </a:buClr>
+        <a:buSzPct val="80000"/>
+        <a:buFont typeface="Wingdings 3" charset="2"/>
+        <a:buChar char=""/>
+        <a:defRPr sz="1800" b="0" i="0" kern="1200">
+          <a:solidFill>
+            <a:schemeClr val="tx1"/>
+          </a:solidFill>
+          <a:latin typeface="+mj-lt"/>
+          <a:ea typeface="+mj-ea"/>
+          <a:cs typeface="+mj-cs"/>
+        </a:defRPr>
+      </a:lvl2pPr>
+      <a:lvl3pPr marL="1143000" indent="-228600" algn="l" defTabSz="457200" rtl="0" eaLnBrk="1" latinLnBrk="0" hangingPunct="1">
+        <a:spcBef>
+          <a:spcPts val="1000"/>
+        </a:spcBef>
+        <a:spcAft>
+          <a:spcPts val="0"/>
+        </a:spcAft>
+        <a:buClr>
+          <a:schemeClr val="accent1"/>
+        </a:buClr>
+        <a:buSzPct val="80000"/>
+        <a:buFont typeface="Wingdings 3" charset="2"/>
+        <a:buChar char=""/>
+        <a:defRPr sz="1600" b="0" i="0" kern="1200">
+          <a:solidFill>
+            <a:schemeClr val="tx1"/>
+          </a:solidFill>
+          <a:latin typeface="+mj-lt"/>
+          <a:ea typeface="+mj-ea"/>
+          <a:cs typeface="+mj-cs"/>
+        </a:defRPr>
+      </a:lvl3pPr>
+      <a:lvl4pPr marL="1600200" indent="-228600" algn="l" defTabSz="457200" rtl="0" eaLnBrk="1" latinLnBrk="0" hangingPunct="1">
+        <a:spcBef>
+          <a:spcPts val="1000"/>
+        </a:spcBef>
+        <a:spcAft>
+          <a:spcPts val="0"/>
+        </a:spcAft>
+        <a:buClr>
+          <a:schemeClr val="accent1"/>
+        </a:buClr>
+        <a:buSzPct val="80000"/>
+        <a:buFont typeface="Wingdings 3" charset="2"/>
+        <a:buChar char=""/>
+        <a:defRPr sz="1400" b="0" i="0" kern="1200">
+          <a:solidFill>
+            <a:schemeClr val="tx1"/>
+          </a:solidFill>
+          <a:latin typeface="+mj-lt"/>
+          <a:ea typeface="+mj-ea"/>
+          <a:cs typeface="+mj-cs"/>
+        </a:defRPr>
+      </a:lvl4pPr>
+      <a:lvl5pPr marL="2057400" indent="-228600" algn="l" defTabSz="457200" rtl="0" eaLnBrk="1" latinLnBrk="0" hangingPunct="1">
+        <a:spcBef>
+          <a:spcPts val="1000"/>
+        </a:spcBef>
+        <a:spcAft>
+          <a:spcPts val="0"/>
+        </a:spcAft>
+        <a:buClr>
+          <a:schemeClr val="accent1"/>
+        </a:buClr>
+        <a:buSzPct val="80000"/>
+        <a:buFont typeface="Wingdings 3" charset="2"/>
+        <a:buChar char=""/>
+        <a:defRPr sz="1400" b="0" i="0" kern="1200">
+          <a:solidFill>
+            <a:schemeClr val="tx1"/>
+          </a:solidFill>
+          <a:latin typeface="+mj-lt"/>
+          <a:ea typeface="+mj-ea"/>
+          <a:cs typeface="+mj-cs"/>
+        </a:defRPr>
+      </a:lvl5pPr>
+      <a:lvl6pPr marL="2514600" indent="-228600" algn="l" defTabSz="457200" rtl="0" eaLnBrk="1" latinLnBrk="0" hangingPunct="1">
+        <a:spcBef>
+          <a:spcPts val="1000"/>
+        </a:spcBef>
+        <a:spcAft>
+          <a:spcPts val="0"/>
+        </a:spcAft>
+        <a:buClr>
+          <a:schemeClr val="accent1"/>
+        </a:buClr>
+        <a:buSzPct val="80000"/>
+        <a:buFont typeface="Wingdings 3" charset="2"/>
+        <a:buChar char=""/>
+        <a:defRPr sz="1400" b="0" i="0" kern="1200">
+          <a:solidFill>
+            <a:schemeClr val="tx1"/>
+          </a:solidFill>
+          <a:latin typeface="+mj-lt"/>
+          <a:ea typeface="+mj-ea"/>
+          <a:cs typeface="+mj-cs"/>
+        </a:defRPr>
+      </a:lvl6pPr>
+      <a:lvl7pPr marL="2971800" indent="-228600" algn="l" defTabSz="457200" rtl="0" eaLnBrk="1" latinLnBrk="0" hangingPunct="1">
+        <a:spcBef>
+          <a:spcPts val="1000"/>
+        </a:spcBef>
+        <a:spcAft>
+          <a:spcPts val="0"/>
+        </a:spcAft>
+        <a:buClr>
+          <a:schemeClr val="accent1"/>
+        </a:buClr>
+        <a:buSzPct val="80000"/>
+        <a:buFont typeface="Wingdings 3" charset="2"/>
+        <a:buChar char=""/>
+        <a:defRPr sz="1400" b="0" i="0" kern="1200">
+          <a:solidFill>
+            <a:schemeClr val="tx1"/>
+          </a:solidFill>
+          <a:latin typeface="+mj-lt"/>
+          <a:ea typeface="+mj-ea"/>
+          <a:cs typeface="+mj-cs"/>
+        </a:defRPr>
+      </a:lvl7pPr>
+      <a:lvl8pPr marL="3429000" indent="-228600" algn="l" defTabSz="457200" rtl="0" eaLnBrk="1" latinLnBrk="0" hangingPunct="1">
+        <a:spcBef>
+          <a:spcPts val="1000"/>
+        </a:spcBef>
+        <a:spcAft>
+          <a:spcPts val="0"/>
+        </a:spcAft>
+        <a:buClr>
+          <a:schemeClr val="accent1"/>
+        </a:buClr>
+        <a:buSzPct val="80000"/>
+        <a:buFont typeface="Wingdings 3" charset="2"/>
+        <a:buChar char=""/>
+        <a:defRPr sz="1400" b="0" i="0" kern="1200">
+          <a:solidFill>
+            <a:schemeClr val="tx1"/>
+          </a:solidFill>
+          <a:latin typeface="+mj-lt"/>
+          <a:ea typeface="+mj-ea"/>
+          <a:cs typeface="+mj-cs"/>
+        </a:defRPr>
+      </a:lvl8pPr>
+      <a:lvl9pPr marL="3886200" indent="-228600" algn="l" defTabSz="457200" rtl="0" eaLnBrk="1" latinLnBrk="0" hangingPunct="1">
+        <a:spcBef>
+          <a:spcPts val="1000"/>
+        </a:spcBef>
+        <a:spcAft>
+          <a:spcPts val="0"/>
+        </a:spcAft>
+        <a:buClr>
+          <a:schemeClr val="accent1"/>
+        </a:buClr>
+        <a:buSzPct val="80000"/>
+        <a:buFont typeface="Wingdings 3" charset="2"/>
+        <a:buChar char=""/>
+        <a:defRPr sz="1400" b="0" i="0" kern="1200">
+          <a:solidFill>
+            <a:schemeClr val="tx1"/>
+          </a:solidFill>
+          <a:latin typeface="+mj-lt"/>
+          <a:ea typeface="+mj-ea"/>
+          <a:cs typeface="+mj-cs"/>
+        </a:defRPr>
+      </a:lvl9pPr>
+    </p:bodyStyle>
+    <p:otherStyle>
+      <a:defPPr>
+        <a:defRPr lang="en-US"/>
+      </a:defPPr>
+      <a:lvl1pPr marL="0" algn="l" defTabSz="457200" rtl="0" eaLnBrk="1" latinLnBrk="0" hangingPunct="1">
+        <a:defRPr sz="1800" kern="1200">
           <a:solidFill>
             <a:schemeClr val="tx1"/>
           </a:solidFill>
@@ -3513,16 +6337,8 @@
           <a:cs typeface="+mn-cs"/>
         </a:defRPr>
       </a:lvl1pPr>
-      <a:lvl2pPr marL="685800" indent="-228600" algn="l" defTabSz="914400" rtl="0" eaLnBrk="1" latinLnBrk="0" hangingPunct="1">
-        <a:lnSpc>
-          <a:spcPct val="90000"/>
-        </a:lnSpc>
-        <a:spcBef>
-          <a:spcPts val="500"/>
-        </a:spcBef>
-        <a:buFont typeface="Arial" panose="020B0604020202020204" pitchFamily="34" charset="0"/>
-        <a:buChar char="•"/>
-        <a:defRPr sz="2400" kern="1200">
+      <a:lvl2pPr marL="457200" algn="l" defTabSz="457200" rtl="0" eaLnBrk="1" latinLnBrk="0" hangingPunct="1">
+        <a:defRPr sz="1800" kern="1200">
           <a:solidFill>
             <a:schemeClr val="tx1"/>
           </a:solidFill>
@@ -3531,16 +6347,8 @@
           <a:cs typeface="+mn-cs"/>
         </a:defRPr>
       </a:lvl2pPr>
-      <a:lvl3pPr marL="1143000" indent="-228600" algn="l" defTabSz="914400" rtl="0" eaLnBrk="1" latinLnBrk="0" hangingPunct="1">
-        <a:lnSpc>
-          <a:spcPct val="90000"/>
-        </a:lnSpc>
-        <a:spcBef>
-          <a:spcPts val="500"/>
-        </a:spcBef>
-        <a:buFont typeface="Arial" panose="020B0604020202020204" pitchFamily="34" charset="0"/>
-        <a:buChar char="•"/>
-        <a:defRPr sz="2000" kern="1200">
+      <a:lvl3pPr marL="914400" algn="l" defTabSz="457200" rtl="0" eaLnBrk="1" latinLnBrk="0" hangingPunct="1">
+        <a:defRPr sz="1800" kern="1200">
           <a:solidFill>
             <a:schemeClr val="tx1"/>
           </a:solidFill>
@@ -3549,15 +6357,7 @@
           <a:cs typeface="+mn-cs"/>
         </a:defRPr>
       </a:lvl3pPr>
-      <a:lvl4pPr marL="1600200" indent="-228600" algn="l" defTabSz="914400" rtl="0" eaLnBrk="1" latinLnBrk="0" hangingPunct="1">
-        <a:lnSpc>
-          <a:spcPct val="90000"/>
-        </a:lnSpc>
-        <a:spcBef>
-          <a:spcPts val="500"/>
-        </a:spcBef>
-        <a:buFont typeface="Arial" panose="020B0604020202020204" pitchFamily="34" charset="0"/>
-        <a:buChar char="•"/>
+      <a:lvl4pPr marL="1371600" algn="l" defTabSz="457200" rtl="0" eaLnBrk="1" latinLnBrk="0" hangingPunct="1">
         <a:defRPr sz="1800" kern="1200">
           <a:solidFill>
             <a:schemeClr val="tx1"/>
@@ -3567,15 +6367,7 @@
           <a:cs typeface="+mn-cs"/>
         </a:defRPr>
       </a:lvl4pPr>
-      <a:lvl5pPr marL="2057400" indent="-228600" algn="l" defTabSz="914400" rtl="0" eaLnBrk="1" latinLnBrk="0" hangingPunct="1">
-        <a:lnSpc>
-          <a:spcPct val="90000"/>
-        </a:lnSpc>
-        <a:spcBef>
-          <a:spcPts val="500"/>
-        </a:spcBef>
-        <a:buFont typeface="Arial" panose="020B0604020202020204" pitchFamily="34" charset="0"/>
-        <a:buChar char="•"/>
+      <a:lvl5pPr marL="1828800" algn="l" defTabSz="457200" rtl="0" eaLnBrk="1" latinLnBrk="0" hangingPunct="1">
         <a:defRPr sz="1800" kern="1200">
           <a:solidFill>
             <a:schemeClr val="tx1"/>
@@ -3585,15 +6377,7 @@
           <a:cs typeface="+mn-cs"/>
         </a:defRPr>
       </a:lvl5pPr>
-      <a:lvl6pPr marL="2514600" indent="-228600" algn="l" defTabSz="914400" rtl="0" eaLnBrk="1" latinLnBrk="0" hangingPunct="1">
-        <a:lnSpc>
-          <a:spcPct val="90000"/>
-        </a:lnSpc>
-        <a:spcBef>
-          <a:spcPts val="500"/>
-        </a:spcBef>
-        <a:buFont typeface="Arial" panose="020B0604020202020204" pitchFamily="34" charset="0"/>
-        <a:buChar char="•"/>
+      <a:lvl6pPr marL="2286000" algn="l" defTabSz="457200" rtl="0" eaLnBrk="1" latinLnBrk="0" hangingPunct="1">
         <a:defRPr sz="1800" kern="1200">
           <a:solidFill>
             <a:schemeClr val="tx1"/>
@@ -3603,15 +6387,7 @@
           <a:cs typeface="+mn-cs"/>
         </a:defRPr>
       </a:lvl6pPr>
-      <a:lvl7pPr marL="2971800" indent="-228600" algn="l" defTabSz="914400" rtl="0" eaLnBrk="1" latinLnBrk="0" hangingPunct="1">
-        <a:lnSpc>
-          <a:spcPct val="90000"/>
-        </a:lnSpc>
-        <a:spcBef>
-          <a:spcPts val="500"/>
-        </a:spcBef>
-        <a:buFont typeface="Arial" panose="020B0604020202020204" pitchFamily="34" charset="0"/>
-        <a:buChar char="•"/>
+      <a:lvl7pPr marL="2743200" algn="l" defTabSz="457200" rtl="0" eaLnBrk="1" latinLnBrk="0" hangingPunct="1">
         <a:defRPr sz="1800" kern="1200">
           <a:solidFill>
             <a:schemeClr val="tx1"/>
@@ -3621,15 +6397,7 @@
           <a:cs typeface="+mn-cs"/>
         </a:defRPr>
       </a:lvl7pPr>
-      <a:lvl8pPr marL="3429000" indent="-228600" algn="l" defTabSz="914400" rtl="0" eaLnBrk="1" latinLnBrk="0" hangingPunct="1">
-        <a:lnSpc>
-          <a:spcPct val="90000"/>
-        </a:lnSpc>
-        <a:spcBef>
-          <a:spcPts val="500"/>
-        </a:spcBef>
-        <a:buFont typeface="Arial" panose="020B0604020202020204" pitchFamily="34" charset="0"/>
-        <a:buChar char="•"/>
+      <a:lvl8pPr marL="3200400" algn="l" defTabSz="457200" rtl="0" eaLnBrk="1" latinLnBrk="0" hangingPunct="1">
         <a:defRPr sz="1800" kern="1200">
           <a:solidFill>
             <a:schemeClr val="tx1"/>
@@ -3639,110 +6407,7 @@
           <a:cs typeface="+mn-cs"/>
         </a:defRPr>
       </a:lvl8pPr>
-      <a:lvl9pPr marL="3886200" indent="-228600" algn="l" defTabSz="914400" rtl="0" eaLnBrk="1" latinLnBrk="0" hangingPunct="1">
-        <a:lnSpc>
-          <a:spcPct val="90000"/>
-        </a:lnSpc>
-        <a:spcBef>
-          <a:spcPts val="500"/>
-        </a:spcBef>
-        <a:buFont typeface="Arial" panose="020B0604020202020204" pitchFamily="34" charset="0"/>
-        <a:buChar char="•"/>
-        <a:defRPr sz="1800" kern="1200">
-          <a:solidFill>
-            <a:schemeClr val="tx1"/>
-          </a:solidFill>
-          <a:latin typeface="+mn-lt"/>
-          <a:ea typeface="+mn-ea"/>
-          <a:cs typeface="+mn-cs"/>
-        </a:defRPr>
-      </a:lvl9pPr>
-    </p:bodyStyle>
-    <p:otherStyle>
-      <a:defPPr>
-        <a:defRPr lang="en-US"/>
-      </a:defPPr>
-      <a:lvl1pPr marL="0" algn="l" defTabSz="914400" rtl="0" eaLnBrk="1" latinLnBrk="0" hangingPunct="1">
-        <a:defRPr sz="1800" kern="1200">
-          <a:solidFill>
-            <a:schemeClr val="tx1"/>
-          </a:solidFill>
-          <a:latin typeface="+mn-lt"/>
-          <a:ea typeface="+mn-ea"/>
-          <a:cs typeface="+mn-cs"/>
-        </a:defRPr>
-      </a:lvl1pPr>
-      <a:lvl2pPr marL="457200" algn="l" defTabSz="914400" rtl="0" eaLnBrk="1" latinLnBrk="0" hangingPunct="1">
-        <a:defRPr sz="1800" kern="1200">
-          <a:solidFill>
-            <a:schemeClr val="tx1"/>
-          </a:solidFill>
-          <a:latin typeface="+mn-lt"/>
-          <a:ea typeface="+mn-ea"/>
-          <a:cs typeface="+mn-cs"/>
-        </a:defRPr>
-      </a:lvl2pPr>
-      <a:lvl3pPr marL="914400" algn="l" defTabSz="914400" rtl="0" eaLnBrk="1" latinLnBrk="0" hangingPunct="1">
-        <a:defRPr sz="1800" kern="1200">
-          <a:solidFill>
-            <a:schemeClr val="tx1"/>
-          </a:solidFill>
-          <a:latin typeface="+mn-lt"/>
-          <a:ea typeface="+mn-ea"/>
-          <a:cs typeface="+mn-cs"/>
-        </a:defRPr>
-      </a:lvl3pPr>
-      <a:lvl4pPr marL="1371600" algn="l" defTabSz="914400" rtl="0" eaLnBrk="1" latinLnBrk="0" hangingPunct="1">
-        <a:defRPr sz="1800" kern="1200">
-          <a:solidFill>
-            <a:schemeClr val="tx1"/>
-          </a:solidFill>
-          <a:latin typeface="+mn-lt"/>
-          <a:ea typeface="+mn-ea"/>
-          <a:cs typeface="+mn-cs"/>
-        </a:defRPr>
-      </a:lvl4pPr>
-      <a:lvl5pPr marL="1828800" algn="l" defTabSz="914400" rtl="0" eaLnBrk="1" latinLnBrk="0" hangingPunct="1">
-        <a:defRPr sz="1800" kern="1200">
-          <a:solidFill>
-            <a:schemeClr val="tx1"/>
-          </a:solidFill>
-          <a:latin typeface="+mn-lt"/>
-          <a:ea typeface="+mn-ea"/>
-          <a:cs typeface="+mn-cs"/>
-        </a:defRPr>
-      </a:lvl5pPr>
-      <a:lvl6pPr marL="2286000" algn="l" defTabSz="914400" rtl="0" eaLnBrk="1" latinLnBrk="0" hangingPunct="1">
-        <a:defRPr sz="1800" kern="1200">
-          <a:solidFill>
-            <a:schemeClr val="tx1"/>
-          </a:solidFill>
-          <a:latin typeface="+mn-lt"/>
-          <a:ea typeface="+mn-ea"/>
-          <a:cs typeface="+mn-cs"/>
-        </a:defRPr>
-      </a:lvl6pPr>
-      <a:lvl7pPr marL="2743200" algn="l" defTabSz="914400" rtl="0" eaLnBrk="1" latinLnBrk="0" hangingPunct="1">
-        <a:defRPr sz="1800" kern="1200">
-          <a:solidFill>
-            <a:schemeClr val="tx1"/>
-          </a:solidFill>
-          <a:latin typeface="+mn-lt"/>
-          <a:ea typeface="+mn-ea"/>
-          <a:cs typeface="+mn-cs"/>
-        </a:defRPr>
-      </a:lvl7pPr>
-      <a:lvl8pPr marL="3200400" algn="l" defTabSz="914400" rtl="0" eaLnBrk="1" latinLnBrk="0" hangingPunct="1">
-        <a:defRPr sz="1800" kern="1200">
-          <a:solidFill>
-            <a:schemeClr val="tx1"/>
-          </a:solidFill>
-          <a:latin typeface="+mn-lt"/>
-          <a:ea typeface="+mn-ea"/>
-          <a:cs typeface="+mn-cs"/>
-        </a:defRPr>
-      </a:lvl8pPr>
-      <a:lvl9pPr marL="3657600" algn="l" defTabSz="914400" rtl="0" eaLnBrk="1" latinLnBrk="0" hangingPunct="1">
+      <a:lvl9pPr marL="3657600" algn="l" defTabSz="457200" rtl="0" eaLnBrk="1" latinLnBrk="0" hangingPunct="1">
         <a:defRPr sz="1800" kern="1200">
           <a:solidFill>
             <a:schemeClr val="tx1"/>
@@ -3760,6 +6425,28 @@
 <file path=ppt/slides/slide1.xml><?xml version="1.0" encoding="utf-8"?>
 <p:sld xmlns:a="http://schemas.openxmlformats.org/drawingml/2006/main" xmlns:r="http://schemas.openxmlformats.org/officeDocument/2006/relationships" xmlns:p="http://schemas.openxmlformats.org/presentationml/2006/main">
   <p:cSld>
+    <p:bg>
+      <p:bgPr>
+        <a:blipFill rotWithShape="1">
+          <a:blip r:embed="rId2">
+            <a:duotone>
+              <a:schemeClr val="bg2">
+                <a:shade val="42000"/>
+                <a:hueMod val="42000"/>
+                <a:satMod val="124000"/>
+                <a:lumMod val="62000"/>
+              </a:schemeClr>
+              <a:schemeClr val="bg2">
+                <a:tint val="96000"/>
+                <a:satMod val="130000"/>
+              </a:schemeClr>
+            </a:duotone>
+          </a:blip>
+          <a:stretch/>
+        </a:blipFill>
+        <a:effectLst/>
+      </p:bgPr>
+    </p:bg>
     <p:spTree>
       <p:nvGrpSpPr>
         <p:cNvPr id="1" name=""/>
@@ -3776,6 +6463,979 @@
       </p:grpSpPr>
       <p:sp>
         <p:nvSpPr>
+          <p:cNvPr id="8" name="Rectangle 7">
+            <a:extLst>
+              <a:ext uri="{FF2B5EF4-FFF2-40B4-BE49-F238E27FC236}">
+                <a16:creationId xmlns:a16="http://schemas.microsoft.com/office/drawing/2014/main" id="{E34FA10D-5116-47B4-A70E-776435251326}"/>
+              </a:ext>
+              <a:ext uri="{C183D7F6-B498-43B3-948B-1728B52AA6E4}">
+                <adec:decorative xmlns:adec="http://schemas.microsoft.com/office/drawing/2017/decorative" val="1"/>
+              </a:ext>
+            </a:extLst>
+          </p:cNvPr>
+          <p:cNvSpPr>
+            <a:spLocks noGrp="1" noRot="1" noChangeAspect="1" noMove="1" noResize="1" noEditPoints="1" noAdjustHandles="1" noChangeArrowheads="1" noChangeShapeType="1" noTextEdit="1"/>
+          </p:cNvSpPr>
+          <p:nvPr>
+            <p:extLst>
+              <p:ext uri="{386F3935-93C4-4BCD-93E2-E3B085C9AB24}">
+                <p16:designElem xmlns:p16="http://schemas.microsoft.com/office/powerpoint/2015/main" val="1"/>
+              </p:ext>
+            </p:extLst>
+          </p:nvPr>
+        </p:nvSpPr>
+        <p:spPr>
+          <a:xfrm>
+            <a:off x="1" y="0"/>
+            <a:ext cx="12192000" cy="6858000"/>
+          </a:xfrm>
+          <a:prstGeom prst="rect">
+            <a:avLst/>
+          </a:prstGeom>
+          <a:solidFill>
+            <a:schemeClr val="tx2">
+              <a:lumMod val="90000"/>
+            </a:schemeClr>
+          </a:solidFill>
+          <a:ln>
+            <a:noFill/>
+          </a:ln>
+        </p:spPr>
+        <p:style>
+          <a:lnRef idx="2">
+            <a:schemeClr val="accent1">
+              <a:shade val="50000"/>
+            </a:schemeClr>
+          </a:lnRef>
+          <a:fillRef idx="1003">
+            <a:schemeClr val="dk2"/>
+          </a:fillRef>
+          <a:effectRef idx="0">
+            <a:schemeClr val="accent1"/>
+          </a:effectRef>
+          <a:fontRef idx="minor">
+            <a:schemeClr val="lt1"/>
+          </a:fontRef>
+        </p:style>
+        <p:txBody>
+          <a:bodyPr rtlCol="0" anchor="ctr"/>
+          <a:lstStyle/>
+          <a:p>
+            <a:pPr algn="ctr"/>
+            <a:endParaRPr lang="en-US"/>
+          </a:p>
+        </p:txBody>
+      </p:sp>
+      <p:sp>
+        <p:nvSpPr>
+          <p:cNvPr id="10" name="Freeform 36">
+            <a:extLst>
+              <a:ext uri="{FF2B5EF4-FFF2-40B4-BE49-F238E27FC236}">
+                <a16:creationId xmlns:a16="http://schemas.microsoft.com/office/drawing/2014/main" id="{B2718AAE-52B9-4DD9-9D83-A9C975C9DC2D}"/>
+              </a:ext>
+              <a:ext uri="{C183D7F6-B498-43B3-948B-1728B52AA6E4}">
+                <adec:decorative xmlns:adec="http://schemas.microsoft.com/office/drawing/2017/decorative" val="1"/>
+              </a:ext>
+            </a:extLst>
+          </p:cNvPr>
+          <p:cNvSpPr>
+            <a:spLocks noGrp="1" noRot="1" noChangeAspect="1" noMove="1" noResize="1" noEditPoints="1" noAdjustHandles="1" noChangeArrowheads="1" noChangeShapeType="1" noTextEdit="1"/>
+          </p:cNvSpPr>
+          <p:nvPr>
+            <p:extLst>
+              <p:ext uri="{386F3935-93C4-4BCD-93E2-E3B085C9AB24}">
+                <p16:designElem xmlns:p16="http://schemas.microsoft.com/office/powerpoint/2015/main" val="1"/>
+              </p:ext>
+            </p:extLst>
+          </p:nvPr>
+        </p:nvSpPr>
+        <p:spPr>
+          <a:xfrm flipH="1">
+            <a:off x="8030210" y="0"/>
+            <a:ext cx="559472" cy="3709642"/>
+          </a:xfrm>
+          <a:custGeom>
+            <a:avLst/>
+            <a:gdLst>
+              <a:gd name="connsiteX0" fmla="*/ 0 w 559472"/>
+              <a:gd name="connsiteY0" fmla="*/ 0 h 3709642"/>
+              <a:gd name="connsiteX1" fmla="*/ 473952 w 559472"/>
+              <a:gd name="connsiteY1" fmla="*/ 0 h 3709642"/>
+              <a:gd name="connsiteX2" fmla="*/ 485840 w 559472"/>
+              <a:gd name="connsiteY2" fmla="*/ 161194 h 3709642"/>
+              <a:gd name="connsiteX3" fmla="*/ 523949 w 559472"/>
+              <a:gd name="connsiteY3" fmla="*/ 3672197 h 3709642"/>
+              <a:gd name="connsiteX4" fmla="*/ 454748 w 559472"/>
+              <a:gd name="connsiteY4" fmla="*/ 3709642 h 3709642"/>
+              <a:gd name="connsiteX5" fmla="*/ 448224 w 559472"/>
+              <a:gd name="connsiteY5" fmla="*/ 3510471 h 3709642"/>
+              <a:gd name="connsiteX6" fmla="*/ 443564 w 559472"/>
+              <a:gd name="connsiteY6" fmla="*/ 3408563 h 3709642"/>
+              <a:gd name="connsiteX7" fmla="*/ 438902 w 559472"/>
+              <a:gd name="connsiteY7" fmla="*/ 3304407 h 3709642"/>
+              <a:gd name="connsiteX8" fmla="*/ 433941 w 559472"/>
+              <a:gd name="connsiteY8" fmla="*/ 3198777 h 3709642"/>
+              <a:gd name="connsiteX9" fmla="*/ 427584 w 559472"/>
+              <a:gd name="connsiteY9" fmla="*/ 3092510 h 3709642"/>
+              <a:gd name="connsiteX10" fmla="*/ 420988 w 559472"/>
+              <a:gd name="connsiteY10" fmla="*/ 2984390 h 3709642"/>
+              <a:gd name="connsiteX11" fmla="*/ 414330 w 559472"/>
+              <a:gd name="connsiteY11" fmla="*/ 2874401 h 3709642"/>
+              <a:gd name="connsiteX12" fmla="*/ 406840 w 559472"/>
+              <a:gd name="connsiteY12" fmla="*/ 2762980 h 3709642"/>
+              <a:gd name="connsiteX13" fmla="*/ 397745 w 559472"/>
+              <a:gd name="connsiteY13" fmla="*/ 2650566 h 3709642"/>
+              <a:gd name="connsiteX14" fmla="*/ 389154 w 559472"/>
+              <a:gd name="connsiteY14" fmla="*/ 2536612 h 3709642"/>
+              <a:gd name="connsiteX15" fmla="*/ 379225 w 559472"/>
+              <a:gd name="connsiteY15" fmla="*/ 2421642 h 3709642"/>
+              <a:gd name="connsiteX16" fmla="*/ 368316 w 559472"/>
+              <a:gd name="connsiteY16" fmla="*/ 2305627 h 3709642"/>
+              <a:gd name="connsiteX17" fmla="*/ 357466 w 559472"/>
+              <a:gd name="connsiteY17" fmla="*/ 2189233 h 3709642"/>
+              <a:gd name="connsiteX18" fmla="*/ 344982 w 559472"/>
+              <a:gd name="connsiteY18" fmla="*/ 2071473 h 3709642"/>
+              <a:gd name="connsiteX19" fmla="*/ 332466 w 559472"/>
+              <a:gd name="connsiteY19" fmla="*/ 1952216 h 3709642"/>
+              <a:gd name="connsiteX20" fmla="*/ 319121 w 559472"/>
+              <a:gd name="connsiteY20" fmla="*/ 1833776 h 3709642"/>
+              <a:gd name="connsiteX21" fmla="*/ 304408 w 559472"/>
+              <a:gd name="connsiteY21" fmla="*/ 1713948 h 3709642"/>
+              <a:gd name="connsiteX22" fmla="*/ 288685 w 559472"/>
+              <a:gd name="connsiteY22" fmla="*/ 1592703 h 3709642"/>
+              <a:gd name="connsiteX23" fmla="*/ 273050 w 559472"/>
+              <a:gd name="connsiteY23" fmla="*/ 1471451 h 3709642"/>
+              <a:gd name="connsiteX24" fmla="*/ 255813 w 559472"/>
+              <a:gd name="connsiteY24" fmla="*/ 1350328 h 3709642"/>
+              <a:gd name="connsiteX25" fmla="*/ 237060 w 559472"/>
+              <a:gd name="connsiteY25" fmla="*/ 1227080 h 3709642"/>
+              <a:gd name="connsiteX26" fmla="*/ 218488 w 559472"/>
+              <a:gd name="connsiteY26" fmla="*/ 1106065 h 3709642"/>
+              <a:gd name="connsiteX27" fmla="*/ 198221 w 559472"/>
+              <a:gd name="connsiteY27" fmla="*/ 982940 h 3709642"/>
+              <a:gd name="connsiteX28" fmla="*/ 177152 w 559472"/>
+              <a:gd name="connsiteY28" fmla="*/ 858755 h 3709642"/>
+              <a:gd name="connsiteX29" fmla="*/ 155551 w 559472"/>
+              <a:gd name="connsiteY29" fmla="*/ 736861 h 3709642"/>
+              <a:gd name="connsiteX30" fmla="*/ 131782 w 559472"/>
+              <a:gd name="connsiteY30" fmla="*/ 613645 h 3709642"/>
+              <a:gd name="connsiteX31" fmla="*/ 107123 w 559472"/>
+              <a:gd name="connsiteY31" fmla="*/ 490500 h 3709642"/>
+              <a:gd name="connsiteX32" fmla="*/ 82552 w 559472"/>
+              <a:gd name="connsiteY32" fmla="*/ 367348 h 3709642"/>
+              <a:gd name="connsiteX33" fmla="*/ 55608 w 559472"/>
+              <a:gd name="connsiteY33" fmla="*/ 244762 h 3709642"/>
+              <a:gd name="connsiteX34" fmla="*/ 28130 w 559472"/>
+              <a:gd name="connsiteY34" fmla="*/ 122220 h 3709642"/>
+              <a:gd name="connsiteX35" fmla="*/ 0 w 559472"/>
+              <a:gd name="connsiteY35" fmla="*/ 0 h 3709642"/>
+            </a:gdLst>
+            <a:ahLst/>
+            <a:cxnLst>
+              <a:cxn ang="0">
+                <a:pos x="connsiteX0" y="connsiteY0"/>
+              </a:cxn>
+              <a:cxn ang="0">
+                <a:pos x="connsiteX1" y="connsiteY1"/>
+              </a:cxn>
+              <a:cxn ang="0">
+                <a:pos x="connsiteX2" y="connsiteY2"/>
+              </a:cxn>
+              <a:cxn ang="0">
+                <a:pos x="connsiteX3" y="connsiteY3"/>
+              </a:cxn>
+              <a:cxn ang="0">
+                <a:pos x="connsiteX4" y="connsiteY4"/>
+              </a:cxn>
+              <a:cxn ang="0">
+                <a:pos x="connsiteX5" y="connsiteY5"/>
+              </a:cxn>
+              <a:cxn ang="0">
+                <a:pos x="connsiteX6" y="connsiteY6"/>
+              </a:cxn>
+              <a:cxn ang="0">
+                <a:pos x="connsiteX7" y="connsiteY7"/>
+              </a:cxn>
+              <a:cxn ang="0">
+                <a:pos x="connsiteX8" y="connsiteY8"/>
+              </a:cxn>
+              <a:cxn ang="0">
+                <a:pos x="connsiteX9" y="connsiteY9"/>
+              </a:cxn>
+              <a:cxn ang="0">
+                <a:pos x="connsiteX10" y="connsiteY10"/>
+              </a:cxn>
+              <a:cxn ang="0">
+                <a:pos x="connsiteX11" y="connsiteY11"/>
+              </a:cxn>
+              <a:cxn ang="0">
+                <a:pos x="connsiteX12" y="connsiteY12"/>
+              </a:cxn>
+              <a:cxn ang="0">
+                <a:pos x="connsiteX13" y="connsiteY13"/>
+              </a:cxn>
+              <a:cxn ang="0">
+                <a:pos x="connsiteX14" y="connsiteY14"/>
+              </a:cxn>
+              <a:cxn ang="0">
+                <a:pos x="connsiteX15" y="connsiteY15"/>
+              </a:cxn>
+              <a:cxn ang="0">
+                <a:pos x="connsiteX16" y="connsiteY16"/>
+              </a:cxn>
+              <a:cxn ang="0">
+                <a:pos x="connsiteX17" y="connsiteY17"/>
+              </a:cxn>
+              <a:cxn ang="0">
+                <a:pos x="connsiteX18" y="connsiteY18"/>
+              </a:cxn>
+              <a:cxn ang="0">
+                <a:pos x="connsiteX19" y="connsiteY19"/>
+              </a:cxn>
+              <a:cxn ang="0">
+                <a:pos x="connsiteX20" y="connsiteY20"/>
+              </a:cxn>
+              <a:cxn ang="0">
+                <a:pos x="connsiteX21" y="connsiteY21"/>
+              </a:cxn>
+              <a:cxn ang="0">
+                <a:pos x="connsiteX22" y="connsiteY22"/>
+              </a:cxn>
+              <a:cxn ang="0">
+                <a:pos x="connsiteX23" y="connsiteY23"/>
+              </a:cxn>
+              <a:cxn ang="0">
+                <a:pos x="connsiteX24" y="connsiteY24"/>
+              </a:cxn>
+              <a:cxn ang="0">
+                <a:pos x="connsiteX25" y="connsiteY25"/>
+              </a:cxn>
+              <a:cxn ang="0">
+                <a:pos x="connsiteX26" y="connsiteY26"/>
+              </a:cxn>
+              <a:cxn ang="0">
+                <a:pos x="connsiteX27" y="connsiteY27"/>
+              </a:cxn>
+              <a:cxn ang="0">
+                <a:pos x="connsiteX28" y="connsiteY28"/>
+              </a:cxn>
+              <a:cxn ang="0">
+                <a:pos x="connsiteX29" y="connsiteY29"/>
+              </a:cxn>
+              <a:cxn ang="0">
+                <a:pos x="connsiteX30" y="connsiteY30"/>
+              </a:cxn>
+              <a:cxn ang="0">
+                <a:pos x="connsiteX31" y="connsiteY31"/>
+              </a:cxn>
+              <a:cxn ang="0">
+                <a:pos x="connsiteX32" y="connsiteY32"/>
+              </a:cxn>
+              <a:cxn ang="0">
+                <a:pos x="connsiteX33" y="connsiteY33"/>
+              </a:cxn>
+              <a:cxn ang="0">
+                <a:pos x="connsiteX34" y="connsiteY34"/>
+              </a:cxn>
+              <a:cxn ang="0">
+                <a:pos x="connsiteX35" y="connsiteY35"/>
+              </a:cxn>
+            </a:cxnLst>
+            <a:rect l="l" t="t" r="r" b="b"/>
+            <a:pathLst>
+              <a:path w="559472" h="3709642">
+                <a:moveTo>
+                  <a:pt x="0" y="0"/>
+                </a:moveTo>
+                <a:lnTo>
+                  <a:pt x="473952" y="0"/>
+                </a:lnTo>
+                <a:lnTo>
+                  <a:pt x="485840" y="161194"/>
+                </a:lnTo>
+                <a:cubicBezTo>
+                  <a:pt x="552063" y="1147770"/>
+                  <a:pt x="592441" y="3086737"/>
+                  <a:pt x="523949" y="3672197"/>
+                </a:cubicBezTo>
+                <a:cubicBezTo>
+                  <a:pt x="500842" y="3684557"/>
+                  <a:pt x="477855" y="3697282"/>
+                  <a:pt x="454748" y="3709642"/>
+                </a:cubicBezTo>
+                <a:lnTo>
+                  <a:pt x="448224" y="3510471"/>
+                </a:lnTo>
+                <a:lnTo>
+                  <a:pt x="443564" y="3408563"/>
+                </a:lnTo>
+                <a:lnTo>
+                  <a:pt x="438902" y="3304407"/>
+                </a:lnTo>
+                <a:lnTo>
+                  <a:pt x="433941" y="3198777"/>
+                </a:lnTo>
+                <a:lnTo>
+                  <a:pt x="427584" y="3092510"/>
+                </a:lnTo>
+                <a:lnTo>
+                  <a:pt x="420988" y="2984390"/>
+                </a:lnTo>
+                <a:lnTo>
+                  <a:pt x="414330" y="2874401"/>
+                </a:lnTo>
+                <a:lnTo>
+                  <a:pt x="406840" y="2762980"/>
+                </a:lnTo>
+                <a:lnTo>
+                  <a:pt x="397745" y="2650566"/>
+                </a:lnTo>
+                <a:lnTo>
+                  <a:pt x="389154" y="2536612"/>
+                </a:lnTo>
+                <a:lnTo>
+                  <a:pt x="379225" y="2421642"/>
+                </a:lnTo>
+                <a:lnTo>
+                  <a:pt x="368316" y="2305627"/>
+                </a:lnTo>
+                <a:lnTo>
+                  <a:pt x="357466" y="2189233"/>
+                </a:lnTo>
+                <a:lnTo>
+                  <a:pt x="344982" y="2071473"/>
+                </a:lnTo>
+                <a:lnTo>
+                  <a:pt x="332466" y="1952216"/>
+                </a:lnTo>
+                <a:lnTo>
+                  <a:pt x="319121" y="1833776"/>
+                </a:lnTo>
+                <a:lnTo>
+                  <a:pt x="304408" y="1713948"/>
+                </a:lnTo>
+                <a:lnTo>
+                  <a:pt x="288685" y="1592703"/>
+                </a:lnTo>
+                <a:lnTo>
+                  <a:pt x="273050" y="1471451"/>
+                </a:lnTo>
+                <a:lnTo>
+                  <a:pt x="255813" y="1350328"/>
+                </a:lnTo>
+                <a:lnTo>
+                  <a:pt x="237060" y="1227080"/>
+                </a:lnTo>
+                <a:lnTo>
+                  <a:pt x="218488" y="1106065"/>
+                </a:lnTo>
+                <a:lnTo>
+                  <a:pt x="198221" y="982940"/>
+                </a:lnTo>
+                <a:lnTo>
+                  <a:pt x="177152" y="858755"/>
+                </a:lnTo>
+                <a:lnTo>
+                  <a:pt x="155551" y="736861"/>
+                </a:lnTo>
+                <a:lnTo>
+                  <a:pt x="131782" y="613645"/>
+                </a:lnTo>
+                <a:lnTo>
+                  <a:pt x="107123" y="490500"/>
+                </a:lnTo>
+                <a:lnTo>
+                  <a:pt x="82552" y="367348"/>
+                </a:lnTo>
+                <a:lnTo>
+                  <a:pt x="55608" y="244762"/>
+                </a:lnTo>
+                <a:lnTo>
+                  <a:pt x="28130" y="122220"/>
+                </a:lnTo>
+                <a:lnTo>
+                  <a:pt x="0" y="0"/>
+                </a:lnTo>
+                <a:close/>
+              </a:path>
+            </a:pathLst>
+          </a:custGeom>
+          <a:solidFill>
+            <a:schemeClr val="bg2">
+              <a:alpha val="20000"/>
+            </a:schemeClr>
+          </a:solidFill>
+          <a:ln>
+            <a:noFill/>
+          </a:ln>
+        </p:spPr>
+        <p:txBody>
+          <a:bodyPr rtlCol="0" anchor="ctr"/>
+          <a:lstStyle/>
+          <a:p>
+            <a:pPr algn="ctr"/>
+            <a:endParaRPr lang="en-US"/>
+          </a:p>
+        </p:txBody>
+      </p:sp>
+      <p:sp useBgFill="1">
+        <p:nvSpPr>
+          <p:cNvPr id="12" name="Freeform: Shape 11">
+            <a:extLst>
+              <a:ext uri="{FF2B5EF4-FFF2-40B4-BE49-F238E27FC236}">
+                <a16:creationId xmlns:a16="http://schemas.microsoft.com/office/drawing/2014/main" id="{49FF39B1-9689-44AE-A803-7B90A059DC56}"/>
+              </a:ext>
+              <a:ext uri="{C183D7F6-B498-43B3-948B-1728B52AA6E4}">
+                <adec:decorative xmlns:adec="http://schemas.microsoft.com/office/drawing/2017/decorative" val="1"/>
+              </a:ext>
+            </a:extLst>
+          </p:cNvPr>
+          <p:cNvSpPr>
+            <a:spLocks noGrp="1" noRot="1" noChangeAspect="1" noMove="1" noResize="1" noEditPoints="1" noAdjustHandles="1" noChangeArrowheads="1" noChangeShapeType="1" noTextEdit="1"/>
+          </p:cNvSpPr>
+          <p:nvPr>
+            <p:extLst>
+              <p:ext uri="{386F3935-93C4-4BCD-93E2-E3B085C9AB24}">
+                <p16:designElem xmlns:p16="http://schemas.microsoft.com/office/powerpoint/2015/main" val="1"/>
+              </p:ext>
+            </p:extLst>
+          </p:nvPr>
+        </p:nvSpPr>
+        <p:spPr>
+          <a:xfrm>
+            <a:off x="0" y="0"/>
+            <a:ext cx="8376484" cy="6858001"/>
+          </a:xfrm>
+          <a:custGeom>
+            <a:avLst/>
+            <a:gdLst>
+              <a:gd name="connsiteX0" fmla="*/ 7031769 w 8376484"/>
+              <a:gd name="connsiteY0" fmla="*/ 0 h 6858001"/>
+              <a:gd name="connsiteX1" fmla="*/ 8375307 w 8376484"/>
+              <a:gd name="connsiteY1" fmla="*/ 0 h 6858001"/>
+              <a:gd name="connsiteX2" fmla="*/ 8350262 w 8376484"/>
+              <a:gd name="connsiteY2" fmla="*/ 155677 h 6858001"/>
+              <a:gd name="connsiteX3" fmla="*/ 8326393 w 8376484"/>
+              <a:gd name="connsiteY3" fmla="*/ 310668 h 6858001"/>
+              <a:gd name="connsiteX4" fmla="*/ 8303029 w 8376484"/>
+              <a:gd name="connsiteY4" fmla="*/ 466344 h 6858001"/>
+              <a:gd name="connsiteX5" fmla="*/ 8283026 w 8376484"/>
+              <a:gd name="connsiteY5" fmla="*/ 622707 h 6858001"/>
+              <a:gd name="connsiteX6" fmla="*/ 8262855 w 8376484"/>
+              <a:gd name="connsiteY6" fmla="*/ 778383 h 6858001"/>
+              <a:gd name="connsiteX7" fmla="*/ 8244029 w 8376484"/>
+              <a:gd name="connsiteY7" fmla="*/ 934746 h 6858001"/>
+              <a:gd name="connsiteX8" fmla="*/ 8227893 w 8376484"/>
+              <a:gd name="connsiteY8" fmla="*/ 1089051 h 6858001"/>
+              <a:gd name="connsiteX9" fmla="*/ 8212597 w 8376484"/>
+              <a:gd name="connsiteY9" fmla="*/ 1245413 h 6858001"/>
+              <a:gd name="connsiteX10" fmla="*/ 8198645 w 8376484"/>
+              <a:gd name="connsiteY10" fmla="*/ 1401090 h 6858001"/>
+              <a:gd name="connsiteX11" fmla="*/ 8186543 w 8376484"/>
+              <a:gd name="connsiteY11" fmla="*/ 1554023 h 6858001"/>
+              <a:gd name="connsiteX12" fmla="*/ 8174440 w 8376484"/>
+              <a:gd name="connsiteY12" fmla="*/ 1709014 h 6858001"/>
+              <a:gd name="connsiteX13" fmla="*/ 8164355 w 8376484"/>
+              <a:gd name="connsiteY13" fmla="*/ 1861947 h 6858001"/>
+              <a:gd name="connsiteX14" fmla="*/ 8156455 w 8376484"/>
+              <a:gd name="connsiteY14" fmla="*/ 2014881 h 6858001"/>
+              <a:gd name="connsiteX15" fmla="*/ 8148218 w 8376484"/>
+              <a:gd name="connsiteY15" fmla="*/ 2167128 h 6858001"/>
+              <a:gd name="connsiteX16" fmla="*/ 8141327 w 8376484"/>
+              <a:gd name="connsiteY16" fmla="*/ 2318004 h 6858001"/>
+              <a:gd name="connsiteX17" fmla="*/ 8136452 w 8376484"/>
+              <a:gd name="connsiteY17" fmla="*/ 2467509 h 6858001"/>
+              <a:gd name="connsiteX18" fmla="*/ 8132250 w 8376484"/>
+              <a:gd name="connsiteY18" fmla="*/ 2617013 h 6858001"/>
+              <a:gd name="connsiteX19" fmla="*/ 8128216 w 8376484"/>
+              <a:gd name="connsiteY19" fmla="*/ 2765146 h 6858001"/>
+              <a:gd name="connsiteX20" fmla="*/ 8126367 w 8376484"/>
+              <a:gd name="connsiteY20" fmla="*/ 2911221 h 6858001"/>
+              <a:gd name="connsiteX21" fmla="*/ 8124350 w 8376484"/>
+              <a:gd name="connsiteY21" fmla="*/ 3057297 h 6858001"/>
+              <a:gd name="connsiteX22" fmla="*/ 8123341 w 8376484"/>
+              <a:gd name="connsiteY22" fmla="*/ 3201315 h 6858001"/>
+              <a:gd name="connsiteX23" fmla="*/ 8124350 w 8376484"/>
+              <a:gd name="connsiteY23" fmla="*/ 3343961 h 6858001"/>
+              <a:gd name="connsiteX24" fmla="*/ 8124350 w 8376484"/>
+              <a:gd name="connsiteY24" fmla="*/ 3485236 h 6858001"/>
+              <a:gd name="connsiteX25" fmla="*/ 8126367 w 8376484"/>
+              <a:gd name="connsiteY25" fmla="*/ 3625139 h 6858001"/>
+              <a:gd name="connsiteX26" fmla="*/ 8129392 w 8376484"/>
+              <a:gd name="connsiteY26" fmla="*/ 3762299 h 6858001"/>
+              <a:gd name="connsiteX27" fmla="*/ 8132250 w 8376484"/>
+              <a:gd name="connsiteY27" fmla="*/ 3898087 h 6858001"/>
+              <a:gd name="connsiteX28" fmla="*/ 8135444 w 8376484"/>
+              <a:gd name="connsiteY28" fmla="*/ 4031133 h 6858001"/>
+              <a:gd name="connsiteX29" fmla="*/ 8140318 w 8376484"/>
+              <a:gd name="connsiteY29" fmla="*/ 4163492 h 6858001"/>
+              <a:gd name="connsiteX30" fmla="*/ 8145529 w 8376484"/>
+              <a:gd name="connsiteY30" fmla="*/ 4293793 h 6858001"/>
+              <a:gd name="connsiteX31" fmla="*/ 8150235 w 8376484"/>
+              <a:gd name="connsiteY31" fmla="*/ 4421352 h 6858001"/>
+              <a:gd name="connsiteX32" fmla="*/ 8163515 w 8376484"/>
+              <a:gd name="connsiteY32" fmla="*/ 4670298 h 6858001"/>
+              <a:gd name="connsiteX33" fmla="*/ 8177634 w 8376484"/>
+              <a:gd name="connsiteY33" fmla="*/ 4908956 h 6858001"/>
+              <a:gd name="connsiteX34" fmla="*/ 8192426 w 8376484"/>
+              <a:gd name="connsiteY34" fmla="*/ 5138013 h 6858001"/>
+              <a:gd name="connsiteX35" fmla="*/ 8208731 w 8376484"/>
+              <a:gd name="connsiteY35" fmla="*/ 5354726 h 6858001"/>
+              <a:gd name="connsiteX36" fmla="*/ 8225708 w 8376484"/>
+              <a:gd name="connsiteY36" fmla="*/ 5561838 h 6858001"/>
+              <a:gd name="connsiteX37" fmla="*/ 8244029 w 8376484"/>
+              <a:gd name="connsiteY37" fmla="*/ 5753862 h 6858001"/>
+              <a:gd name="connsiteX38" fmla="*/ 8262015 w 8376484"/>
+              <a:gd name="connsiteY38" fmla="*/ 5934227 h 6858001"/>
+              <a:gd name="connsiteX39" fmla="*/ 8280000 w 8376484"/>
+              <a:gd name="connsiteY39" fmla="*/ 6100191 h 6858001"/>
+              <a:gd name="connsiteX40" fmla="*/ 8296977 w 8376484"/>
+              <a:gd name="connsiteY40" fmla="*/ 6252438 h 6858001"/>
+              <a:gd name="connsiteX41" fmla="*/ 8313114 w 8376484"/>
+              <a:gd name="connsiteY41" fmla="*/ 6387541 h 6858001"/>
+              <a:gd name="connsiteX42" fmla="*/ 8328410 w 8376484"/>
+              <a:gd name="connsiteY42" fmla="*/ 6509613 h 6858001"/>
+              <a:gd name="connsiteX43" fmla="*/ 8341185 w 8376484"/>
+              <a:gd name="connsiteY43" fmla="*/ 6612483 h 6858001"/>
+              <a:gd name="connsiteX44" fmla="*/ 8353287 w 8376484"/>
+              <a:gd name="connsiteY44" fmla="*/ 6698894 h 6858001"/>
+              <a:gd name="connsiteX45" fmla="*/ 8370601 w 8376484"/>
+              <a:gd name="connsiteY45" fmla="*/ 6817538 h 6858001"/>
+              <a:gd name="connsiteX46" fmla="*/ 8376484 w 8376484"/>
+              <a:gd name="connsiteY46" fmla="*/ 6858000 h 6858001"/>
+              <a:gd name="connsiteX47" fmla="*/ 7471130 w 8376484"/>
+              <a:gd name="connsiteY47" fmla="*/ 6858000 h 6858001"/>
+              <a:gd name="connsiteX48" fmla="*/ 7471130 w 8376484"/>
+              <a:gd name="connsiteY48" fmla="*/ 6858001 h 6858001"/>
+              <a:gd name="connsiteX49" fmla="*/ 1380566 w 8376484"/>
+              <a:gd name="connsiteY49" fmla="*/ 6858001 h 6858001"/>
+              <a:gd name="connsiteX50" fmla="*/ 1380566 w 8376484"/>
+              <a:gd name="connsiteY50" fmla="*/ 6858000 h 6858001"/>
+              <a:gd name="connsiteX51" fmla="*/ 0 w 8376484"/>
+              <a:gd name="connsiteY51" fmla="*/ 6858000 h 6858001"/>
+              <a:gd name="connsiteX52" fmla="*/ 0 w 8376484"/>
+              <a:gd name="connsiteY52" fmla="*/ 0 h 6858001"/>
+              <a:gd name="connsiteX53" fmla="*/ 1917290 w 8376484"/>
+              <a:gd name="connsiteY53" fmla="*/ 0 h 6858001"/>
+              <a:gd name="connsiteX54" fmla="*/ 1917290 w 8376484"/>
+              <a:gd name="connsiteY54" fmla="*/ 1 h 6858001"/>
+              <a:gd name="connsiteX55" fmla="*/ 7031769 w 8376484"/>
+              <a:gd name="connsiteY55" fmla="*/ 1 h 6858001"/>
+            </a:gdLst>
+            <a:ahLst/>
+            <a:cxnLst>
+              <a:cxn ang="0">
+                <a:pos x="connsiteX0" y="connsiteY0"/>
+              </a:cxn>
+              <a:cxn ang="0">
+                <a:pos x="connsiteX1" y="connsiteY1"/>
+              </a:cxn>
+              <a:cxn ang="0">
+                <a:pos x="connsiteX2" y="connsiteY2"/>
+              </a:cxn>
+              <a:cxn ang="0">
+                <a:pos x="connsiteX3" y="connsiteY3"/>
+              </a:cxn>
+              <a:cxn ang="0">
+                <a:pos x="connsiteX4" y="connsiteY4"/>
+              </a:cxn>
+              <a:cxn ang="0">
+                <a:pos x="connsiteX5" y="connsiteY5"/>
+              </a:cxn>
+              <a:cxn ang="0">
+                <a:pos x="connsiteX6" y="connsiteY6"/>
+              </a:cxn>
+              <a:cxn ang="0">
+                <a:pos x="connsiteX7" y="connsiteY7"/>
+              </a:cxn>
+              <a:cxn ang="0">
+                <a:pos x="connsiteX8" y="connsiteY8"/>
+              </a:cxn>
+              <a:cxn ang="0">
+                <a:pos x="connsiteX9" y="connsiteY9"/>
+              </a:cxn>
+              <a:cxn ang="0">
+                <a:pos x="connsiteX10" y="connsiteY10"/>
+              </a:cxn>
+              <a:cxn ang="0">
+                <a:pos x="connsiteX11" y="connsiteY11"/>
+              </a:cxn>
+              <a:cxn ang="0">
+                <a:pos x="connsiteX12" y="connsiteY12"/>
+              </a:cxn>
+              <a:cxn ang="0">
+                <a:pos x="connsiteX13" y="connsiteY13"/>
+              </a:cxn>
+              <a:cxn ang="0">
+                <a:pos x="connsiteX14" y="connsiteY14"/>
+              </a:cxn>
+              <a:cxn ang="0">
+                <a:pos x="connsiteX15" y="connsiteY15"/>
+              </a:cxn>
+              <a:cxn ang="0">
+                <a:pos x="connsiteX16" y="connsiteY16"/>
+              </a:cxn>
+              <a:cxn ang="0">
+                <a:pos x="connsiteX17" y="connsiteY17"/>
+              </a:cxn>
+              <a:cxn ang="0">
+                <a:pos x="connsiteX18" y="connsiteY18"/>
+              </a:cxn>
+              <a:cxn ang="0">
+                <a:pos x="connsiteX19" y="connsiteY19"/>
+              </a:cxn>
+              <a:cxn ang="0">
+                <a:pos x="connsiteX20" y="connsiteY20"/>
+              </a:cxn>
+              <a:cxn ang="0">
+                <a:pos x="connsiteX21" y="connsiteY21"/>
+              </a:cxn>
+              <a:cxn ang="0">
+                <a:pos x="connsiteX22" y="connsiteY22"/>
+              </a:cxn>
+              <a:cxn ang="0">
+                <a:pos x="connsiteX23" y="connsiteY23"/>
+              </a:cxn>
+              <a:cxn ang="0">
+                <a:pos x="connsiteX24" y="connsiteY24"/>
+              </a:cxn>
+              <a:cxn ang="0">
+                <a:pos x="connsiteX25" y="connsiteY25"/>
+              </a:cxn>
+              <a:cxn ang="0">
+                <a:pos x="connsiteX26" y="connsiteY26"/>
+              </a:cxn>
+              <a:cxn ang="0">
+                <a:pos x="connsiteX27" y="connsiteY27"/>
+              </a:cxn>
+              <a:cxn ang="0">
+                <a:pos x="connsiteX28" y="connsiteY28"/>
+              </a:cxn>
+              <a:cxn ang="0">
+                <a:pos x="connsiteX29" y="connsiteY29"/>
+              </a:cxn>
+              <a:cxn ang="0">
+                <a:pos x="connsiteX30" y="connsiteY30"/>
+              </a:cxn>
+              <a:cxn ang="0">
+                <a:pos x="connsiteX31" y="connsiteY31"/>
+              </a:cxn>
+              <a:cxn ang="0">
+                <a:pos x="connsiteX32" y="connsiteY32"/>
+              </a:cxn>
+              <a:cxn ang="0">
+                <a:pos x="connsiteX33" y="connsiteY33"/>
+              </a:cxn>
+              <a:cxn ang="0">
+                <a:pos x="connsiteX34" y="connsiteY34"/>
+              </a:cxn>
+              <a:cxn ang="0">
+                <a:pos x="connsiteX35" y="connsiteY35"/>
+              </a:cxn>
+              <a:cxn ang="0">
+                <a:pos x="connsiteX36" y="connsiteY36"/>
+              </a:cxn>
+              <a:cxn ang="0">
+                <a:pos x="connsiteX37" y="connsiteY37"/>
+              </a:cxn>
+              <a:cxn ang="0">
+                <a:pos x="connsiteX38" y="connsiteY38"/>
+              </a:cxn>
+              <a:cxn ang="0">
+                <a:pos x="connsiteX39" y="connsiteY39"/>
+              </a:cxn>
+              <a:cxn ang="0">
+                <a:pos x="connsiteX40" y="connsiteY40"/>
+              </a:cxn>
+              <a:cxn ang="0">
+                <a:pos x="connsiteX41" y="connsiteY41"/>
+              </a:cxn>
+              <a:cxn ang="0">
+                <a:pos x="connsiteX42" y="connsiteY42"/>
+              </a:cxn>
+              <a:cxn ang="0">
+                <a:pos x="connsiteX43" y="connsiteY43"/>
+              </a:cxn>
+              <a:cxn ang="0">
+                <a:pos x="connsiteX44" y="connsiteY44"/>
+              </a:cxn>
+              <a:cxn ang="0">
+                <a:pos x="connsiteX45" y="connsiteY45"/>
+              </a:cxn>
+              <a:cxn ang="0">
+                <a:pos x="connsiteX46" y="connsiteY46"/>
+              </a:cxn>
+              <a:cxn ang="0">
+                <a:pos x="connsiteX47" y="connsiteY47"/>
+              </a:cxn>
+              <a:cxn ang="0">
+                <a:pos x="connsiteX48" y="connsiteY48"/>
+              </a:cxn>
+              <a:cxn ang="0">
+                <a:pos x="connsiteX49" y="connsiteY49"/>
+              </a:cxn>
+              <a:cxn ang="0">
+                <a:pos x="connsiteX50" y="connsiteY50"/>
+              </a:cxn>
+              <a:cxn ang="0">
+                <a:pos x="connsiteX51" y="connsiteY51"/>
+              </a:cxn>
+              <a:cxn ang="0">
+                <a:pos x="connsiteX52" y="connsiteY52"/>
+              </a:cxn>
+              <a:cxn ang="0">
+                <a:pos x="connsiteX53" y="connsiteY53"/>
+              </a:cxn>
+              <a:cxn ang="0">
+                <a:pos x="connsiteX54" y="connsiteY54"/>
+              </a:cxn>
+              <a:cxn ang="0">
+                <a:pos x="connsiteX55" y="connsiteY55"/>
+              </a:cxn>
+            </a:cxnLst>
+            <a:rect l="l" t="t" r="r" b="b"/>
+            <a:pathLst>
+              <a:path w="8376484" h="6858001">
+                <a:moveTo>
+                  <a:pt x="7031769" y="0"/>
+                </a:moveTo>
+                <a:lnTo>
+                  <a:pt x="8375307" y="0"/>
+                </a:lnTo>
+                <a:lnTo>
+                  <a:pt x="8350262" y="155677"/>
+                </a:lnTo>
+                <a:lnTo>
+                  <a:pt x="8326393" y="310668"/>
+                </a:lnTo>
+                <a:lnTo>
+                  <a:pt x="8303029" y="466344"/>
+                </a:lnTo>
+                <a:lnTo>
+                  <a:pt x="8283026" y="622707"/>
+                </a:lnTo>
+                <a:lnTo>
+                  <a:pt x="8262855" y="778383"/>
+                </a:lnTo>
+                <a:lnTo>
+                  <a:pt x="8244029" y="934746"/>
+                </a:lnTo>
+                <a:lnTo>
+                  <a:pt x="8227893" y="1089051"/>
+                </a:lnTo>
+                <a:lnTo>
+                  <a:pt x="8212597" y="1245413"/>
+                </a:lnTo>
+                <a:lnTo>
+                  <a:pt x="8198645" y="1401090"/>
+                </a:lnTo>
+                <a:lnTo>
+                  <a:pt x="8186543" y="1554023"/>
+                </a:lnTo>
+                <a:lnTo>
+                  <a:pt x="8174440" y="1709014"/>
+                </a:lnTo>
+                <a:lnTo>
+                  <a:pt x="8164355" y="1861947"/>
+                </a:lnTo>
+                <a:lnTo>
+                  <a:pt x="8156455" y="2014881"/>
+                </a:lnTo>
+                <a:lnTo>
+                  <a:pt x="8148218" y="2167128"/>
+                </a:lnTo>
+                <a:lnTo>
+                  <a:pt x="8141327" y="2318004"/>
+                </a:lnTo>
+                <a:lnTo>
+                  <a:pt x="8136452" y="2467509"/>
+                </a:lnTo>
+                <a:lnTo>
+                  <a:pt x="8132250" y="2617013"/>
+                </a:lnTo>
+                <a:lnTo>
+                  <a:pt x="8128216" y="2765146"/>
+                </a:lnTo>
+                <a:lnTo>
+                  <a:pt x="8126367" y="2911221"/>
+                </a:lnTo>
+                <a:lnTo>
+                  <a:pt x="8124350" y="3057297"/>
+                </a:lnTo>
+                <a:lnTo>
+                  <a:pt x="8123341" y="3201315"/>
+                </a:lnTo>
+                <a:lnTo>
+                  <a:pt x="8124350" y="3343961"/>
+                </a:lnTo>
+                <a:lnTo>
+                  <a:pt x="8124350" y="3485236"/>
+                </a:lnTo>
+                <a:lnTo>
+                  <a:pt x="8126367" y="3625139"/>
+                </a:lnTo>
+                <a:lnTo>
+                  <a:pt x="8129392" y="3762299"/>
+                </a:lnTo>
+                <a:lnTo>
+                  <a:pt x="8132250" y="3898087"/>
+                </a:lnTo>
+                <a:lnTo>
+                  <a:pt x="8135444" y="4031133"/>
+                </a:lnTo>
+                <a:lnTo>
+                  <a:pt x="8140318" y="4163492"/>
+                </a:lnTo>
+                <a:lnTo>
+                  <a:pt x="8145529" y="4293793"/>
+                </a:lnTo>
+                <a:lnTo>
+                  <a:pt x="8150235" y="4421352"/>
+                </a:lnTo>
+                <a:lnTo>
+                  <a:pt x="8163515" y="4670298"/>
+                </a:lnTo>
+                <a:lnTo>
+                  <a:pt x="8177634" y="4908956"/>
+                </a:lnTo>
+                <a:lnTo>
+                  <a:pt x="8192426" y="5138013"/>
+                </a:lnTo>
+                <a:lnTo>
+                  <a:pt x="8208731" y="5354726"/>
+                </a:lnTo>
+                <a:lnTo>
+                  <a:pt x="8225708" y="5561838"/>
+                </a:lnTo>
+                <a:lnTo>
+                  <a:pt x="8244029" y="5753862"/>
+                </a:lnTo>
+                <a:lnTo>
+                  <a:pt x="8262015" y="5934227"/>
+                </a:lnTo>
+                <a:lnTo>
+                  <a:pt x="8280000" y="6100191"/>
+                </a:lnTo>
+                <a:lnTo>
+                  <a:pt x="8296977" y="6252438"/>
+                </a:lnTo>
+                <a:lnTo>
+                  <a:pt x="8313114" y="6387541"/>
+                </a:lnTo>
+                <a:lnTo>
+                  <a:pt x="8328410" y="6509613"/>
+                </a:lnTo>
+                <a:lnTo>
+                  <a:pt x="8341185" y="6612483"/>
+                </a:lnTo>
+                <a:lnTo>
+                  <a:pt x="8353287" y="6698894"/>
+                </a:lnTo>
+                <a:lnTo>
+                  <a:pt x="8370601" y="6817538"/>
+                </a:lnTo>
+                <a:lnTo>
+                  <a:pt x="8376484" y="6858000"/>
+                </a:lnTo>
+                <a:lnTo>
+                  <a:pt x="7471130" y="6858000"/>
+                </a:lnTo>
+                <a:lnTo>
+                  <a:pt x="7471130" y="6858001"/>
+                </a:lnTo>
+                <a:lnTo>
+                  <a:pt x="1380566" y="6858001"/>
+                </a:lnTo>
+                <a:lnTo>
+                  <a:pt x="1380566" y="6858000"/>
+                </a:lnTo>
+                <a:lnTo>
+                  <a:pt x="0" y="6858000"/>
+                </a:lnTo>
+                <a:lnTo>
+                  <a:pt x="0" y="0"/>
+                </a:lnTo>
+                <a:lnTo>
+                  <a:pt x="1917290" y="0"/>
+                </a:lnTo>
+                <a:lnTo>
+                  <a:pt x="1917290" y="1"/>
+                </a:lnTo>
+                <a:lnTo>
+                  <a:pt x="7031769" y="1"/>
+                </a:lnTo>
+                <a:close/>
+              </a:path>
+            </a:pathLst>
+          </a:custGeom>
+          <a:ln>
+            <a:noFill/>
+          </a:ln>
+        </p:spPr>
+        <p:txBody>
+          <a:bodyPr rtlCol="0" anchor="ctr"/>
+          <a:lstStyle/>
+          <a:p>
+            <a:pPr algn="ctr"/>
+            <a:endParaRPr lang="en-US"/>
+          </a:p>
+        </p:txBody>
+      </p:sp>
+      <p:sp>
+        <p:nvSpPr>
+          <p:cNvPr id="14" name="Rectangle 13">
+            <a:extLst>
+              <a:ext uri="{FF2B5EF4-FFF2-40B4-BE49-F238E27FC236}">
+                <a16:creationId xmlns:a16="http://schemas.microsoft.com/office/drawing/2014/main" id="{6C74A888-48BE-4604-BB14-E6C5E9D0F2FB}"/>
+              </a:ext>
+              <a:ext uri="{C183D7F6-B498-43B3-948B-1728B52AA6E4}">
+                <adec:decorative xmlns:adec="http://schemas.microsoft.com/office/drawing/2017/decorative" val="1"/>
+              </a:ext>
+            </a:extLst>
+          </p:cNvPr>
+          <p:cNvSpPr>
+            <a:spLocks noGrp="1" noRot="1" noChangeAspect="1" noMove="1" noResize="1" noEditPoints="1" noAdjustHandles="1" noChangeArrowheads="1" noChangeShapeType="1" noTextEdit="1"/>
+          </p:cNvSpPr>
+          <p:nvPr>
+            <p:extLst>
+              <p:ext uri="{386F3935-93C4-4BCD-93E2-E3B085C9AB24}">
+                <p16:designElem xmlns:p16="http://schemas.microsoft.com/office/powerpoint/2015/main" val="1"/>
+              </p:ext>
+            </p:extLst>
+          </p:nvPr>
+        </p:nvSpPr>
+        <p:spPr>
+          <a:xfrm>
+            <a:off x="10437812" y="0"/>
+            <a:ext cx="685800" cy="1143000"/>
+          </a:xfrm>
+          <a:prstGeom prst="rect">
+            <a:avLst/>
+          </a:prstGeom>
+          <a:solidFill>
+            <a:schemeClr val="accent1"/>
+          </a:solidFill>
+          <a:ln>
+            <a:noFill/>
+          </a:ln>
+        </p:spPr>
+        <p:style>
+          <a:lnRef idx="1">
+            <a:schemeClr val="accent1"/>
+          </a:lnRef>
+          <a:fillRef idx="3">
+            <a:schemeClr val="accent1"/>
+          </a:fillRef>
+          <a:effectRef idx="2">
+            <a:schemeClr val="accent1"/>
+          </a:effectRef>
+          <a:fontRef idx="minor">
+            <a:schemeClr val="lt1"/>
+          </a:fontRef>
+        </p:style>
+      </p:sp>
+      <p:sp>
+        <p:nvSpPr>
           <p:cNvPr id="2" name="Title 1">
             <a:extLst>
               <a:ext uri="{FF2B5EF4-FFF2-40B4-BE49-F238E27FC236}">
@@ -3790,14 +7450,22 @@
             <p:ph type="ctrTitle"/>
           </p:nvPr>
         </p:nvSpPr>
-        <p:spPr/>
-        <p:txBody>
-          <a:bodyPr/>
+        <p:spPr>
+          <a:xfrm>
+            <a:off x="983231" y="938953"/>
+            <a:ext cx="6630143" cy="4980094"/>
+          </a:xfrm>
+        </p:spPr>
+        <p:txBody>
+          <a:bodyPr anchor="ctr">
+            <a:normAutofit/>
+          </a:bodyPr>
           <a:lstStyle/>
           <a:p>
+            <a:pPr algn="r"/>
             <a:r>
               <a:rPr lang="en-US" dirty="0"/>
-              <a:t>Psychological Measurement – Workshop 1</a:t>
+              <a:t>Psychological Measurement Workshop 1</a:t>
             </a:r>
             <a:endParaRPr lang="en-GB" dirty="0"/>
           </a:p>
@@ -3819,12 +7487,23 @@
             <p:ph type="subTitle" idx="1"/>
           </p:nvPr>
         </p:nvSpPr>
-        <p:spPr/>
-        <p:txBody>
-          <a:bodyPr/>
+        <p:spPr>
+          <a:xfrm>
+            <a:off x="8589682" y="1317171"/>
+            <a:ext cx="2872975" cy="4223658"/>
+          </a:xfrm>
+        </p:spPr>
+        <p:txBody>
+          <a:bodyPr anchor="ctr">
+            <a:normAutofit/>
+          </a:bodyPr>
           <a:lstStyle/>
           <a:p>
-            <a:endParaRPr lang="en-GB" dirty="0"/>
+            <a:endParaRPr lang="en-GB">
+              <a:solidFill>
+                <a:schemeClr val="bg2"/>
+              </a:solidFill>
+            </a:endParaRPr>
           </a:p>
         </p:txBody>
       </p:sp>
@@ -4006,7 +7685,7 @@
         </p:blipFill>
         <p:spPr bwMode="auto">
           <a:xfrm>
-            <a:off x="6956628" y="1147665"/>
+            <a:off x="6728028" y="1300065"/>
             <a:ext cx="5235372" cy="5235372"/>
           </a:xfrm>
           <a:prstGeom prst="rect">
@@ -4070,7 +7749,12 @@
             <p:ph type="title"/>
           </p:nvPr>
         </p:nvSpPr>
-        <p:spPr/>
+        <p:spPr>
+          <a:xfrm>
+            <a:off x="646109" y="109006"/>
+            <a:ext cx="9404723" cy="1400530"/>
+          </a:xfrm>
+        </p:spPr>
         <p:txBody>
           <a:bodyPr/>
           <a:lstStyle/>
@@ -4099,76 +7783,83 @@
             <p:ph idx="1"/>
           </p:nvPr>
         </p:nvSpPr>
-        <p:spPr/>
-        <p:txBody>
-          <a:bodyPr/>
+        <p:spPr>
+          <a:xfrm>
+            <a:off x="875201" y="1152983"/>
+            <a:ext cx="8946541" cy="4195481"/>
+          </a:xfrm>
+        </p:spPr>
+        <p:txBody>
+          <a:bodyPr>
+            <a:noAutofit/>
+          </a:bodyPr>
           <a:lstStyle/>
           <a:p>
             <a:r>
-              <a:rPr lang="en-US" dirty="0"/>
+              <a:rPr lang="en-US" sz="2800" dirty="0"/>
               <a:t>Hour 1:</a:t>
             </a:r>
           </a:p>
           <a:p>
             <a:pPr lvl="1"/>
             <a:r>
-              <a:rPr lang="en-US" dirty="0"/>
+              <a:rPr lang="en-US" sz="2800" dirty="0"/>
               <a:t>Consider definitions of behaviours</a:t>
             </a:r>
           </a:p>
           <a:p>
             <a:pPr lvl="1"/>
             <a:r>
-              <a:rPr lang="en-US" dirty="0"/>
+              <a:rPr lang="en-US" sz="2800" dirty="0"/>
               <a:t>Think of situations in which we might judge behaviours</a:t>
             </a:r>
           </a:p>
           <a:p>
             <a:pPr lvl="1"/>
             <a:r>
-              <a:rPr lang="en-GB" dirty="0"/>
+              <a:rPr lang="en-GB" sz="2800" dirty="0"/>
               <a:t>Think of the types of labels we attach to behaviours</a:t>
             </a:r>
           </a:p>
           <a:p>
             <a:r>
-              <a:rPr lang="en-GB" dirty="0"/>
+              <a:rPr lang="en-GB" sz="2800" dirty="0"/>
               <a:t>Hour 2</a:t>
             </a:r>
           </a:p>
           <a:p>
             <a:pPr lvl="1"/>
             <a:r>
-              <a:rPr lang="en-GB" dirty="0"/>
+              <a:rPr lang="en-GB" sz="2800" dirty="0"/>
               <a:t>Complete a fun(</a:t>
             </a:r>
             <a:r>
-              <a:rPr lang="en-GB" dirty="0" err="1"/>
+              <a:rPr lang="en-GB" sz="2800" dirty="0" err="1"/>
               <a:t>ish</a:t>
             </a:r>
             <a:r>
-              <a:rPr lang="en-GB" dirty="0"/>
+              <a:rPr lang="en-GB" sz="2800" dirty="0"/>
               <a:t>) online personality questionnaire</a:t>
             </a:r>
           </a:p>
           <a:p>
             <a:pPr lvl="1"/>
             <a:r>
-              <a:rPr lang="en-GB" dirty="0"/>
+              <a:rPr lang="en-GB" sz="2800" dirty="0"/>
               <a:t>Interpret and critically evaluate the feedback</a:t>
             </a:r>
           </a:p>
           <a:p>
             <a:pPr lvl="1"/>
             <a:r>
-              <a:rPr lang="en-GB" dirty="0"/>
+              <a:rPr lang="en-GB" sz="2800" dirty="0"/>
               <a:t>Open </a:t>
             </a:r>
             <a:r>
-              <a:rPr lang="en-GB" dirty="0" err="1"/>
+              <a:rPr lang="en-GB" sz="2800" dirty="0" err="1"/>
               <a:t>Jamovi</a:t>
             </a:r>
-            <a:endParaRPr lang="en-GB" dirty="0"/>
+            <a:endParaRPr lang="en-GB" sz="2800" dirty="0"/>
           </a:p>
         </p:txBody>
       </p:sp>
@@ -4255,15 +7946,14 @@
               </a:ext>
             </a:extLst>
           </a:blip>
-          <a:srcRect/>
           <a:stretch>
             <a:fillRect/>
           </a:stretch>
         </p:blipFill>
         <p:spPr bwMode="auto">
           <a:xfrm>
-            <a:off x="3920331" y="1825625"/>
-            <a:ext cx="4351338" cy="4351338"/>
+            <a:off x="3479007" y="2052638"/>
+            <a:ext cx="4195762" cy="4195762"/>
           </a:xfrm>
           <a:prstGeom prst="rect">
             <a:avLst/>
@@ -4379,8 +8069,8 @@
         </p:nvSpPr>
         <p:spPr>
           <a:xfrm>
-            <a:off x="8271669" y="2984500"/>
-            <a:ext cx="3937000" cy="1569660"/>
+            <a:off x="7674769" y="2984500"/>
+            <a:ext cx="4533900" cy="1569660"/>
           </a:xfrm>
           <a:prstGeom prst="rect">
             <a:avLst/>
@@ -4630,8 +8320,8 @@
         </p:nvSpPr>
         <p:spPr>
           <a:xfrm>
-            <a:off x="8271669" y="2984500"/>
-            <a:ext cx="3937000" cy="1569660"/>
+            <a:off x="7543800" y="2984500"/>
+            <a:ext cx="4664869" cy="1569660"/>
           </a:xfrm>
           <a:prstGeom prst="rect">
             <a:avLst/>
@@ -4890,6 +8580,28 @@
 <file path=ppt/slides/slide6.xml><?xml version="1.0" encoding="utf-8"?>
 <p:sld xmlns:a="http://schemas.openxmlformats.org/drawingml/2006/main" xmlns:r="http://schemas.openxmlformats.org/officeDocument/2006/relationships" xmlns:p="http://schemas.openxmlformats.org/presentationml/2006/main">
   <p:cSld>
+    <p:bg>
+      <p:bgPr>
+        <a:blipFill rotWithShape="1">
+          <a:blip r:embed="rId2">
+            <a:duotone>
+              <a:schemeClr val="bg2">
+                <a:shade val="42000"/>
+                <a:hueMod val="42000"/>
+                <a:satMod val="124000"/>
+                <a:lumMod val="62000"/>
+              </a:schemeClr>
+              <a:schemeClr val="bg2">
+                <a:tint val="96000"/>
+                <a:satMod val="130000"/>
+              </a:schemeClr>
+            </a:duotone>
+          </a:blip>
+          <a:stretch/>
+        </a:blipFill>
+        <a:effectLst/>
+      </p:bgPr>
+    </p:bg>
     <p:spTree>
       <p:nvGrpSpPr>
         <p:cNvPr id="1" name=""/>
@@ -4920,9 +8632,16 @@
             <p:ph type="title"/>
           </p:nvPr>
         </p:nvSpPr>
-        <p:spPr/>
-        <p:txBody>
-          <a:bodyPr/>
+        <p:spPr>
+          <a:xfrm>
+            <a:off x="650669" y="629266"/>
+            <a:ext cx="3330328" cy="1641986"/>
+          </a:xfrm>
+        </p:spPr>
+        <p:txBody>
+          <a:bodyPr>
+            <a:normAutofit/>
+          </a:bodyPr>
           <a:lstStyle/>
           <a:p>
             <a:r>
@@ -4932,6 +8651,88 @@
             <a:endParaRPr lang="en-GB" dirty="0"/>
           </a:p>
         </p:txBody>
+      </p:sp>
+      <p:pic>
+        <p:nvPicPr>
+          <p:cNvPr id="5" name="Picture 4" descr="Light bulb on yellow background with sketched light beams and cord">
+            <a:extLst>
+              <a:ext uri="{FF2B5EF4-FFF2-40B4-BE49-F238E27FC236}">
+                <a16:creationId xmlns:a16="http://schemas.microsoft.com/office/drawing/2014/main" id="{21EF6098-C163-5A34-2EDD-C46D02FAC85D}"/>
+              </a:ext>
+            </a:extLst>
+          </p:cNvPr>
+          <p:cNvPicPr>
+            <a:picLocks noChangeAspect="1"/>
+          </p:cNvPicPr>
+          <p:nvPr/>
+        </p:nvPicPr>
+        <p:blipFill rotWithShape="1">
+          <a:blip r:embed="rId3"/>
+          <a:srcRect l="32203"/>
+          <a:stretch/>
+        </p:blipFill>
+        <p:spPr>
+          <a:xfrm>
+            <a:off x="4634680" y="10"/>
+            <a:ext cx="7560130" cy="6857990"/>
+          </a:xfrm>
+          <a:prstGeom prst="rect">
+            <a:avLst/>
+          </a:prstGeom>
+        </p:spPr>
+      </p:pic>
+      <p:sp>
+        <p:nvSpPr>
+          <p:cNvPr id="9" name="Rectangle 8">
+            <a:extLst>
+              <a:ext uri="{FF2B5EF4-FFF2-40B4-BE49-F238E27FC236}">
+                <a16:creationId xmlns:a16="http://schemas.microsoft.com/office/drawing/2014/main" id="{1BB654B3-F3F3-4563-AD63-D784299DA671}"/>
+              </a:ext>
+              <a:ext uri="{C183D7F6-B498-43B3-948B-1728B52AA6E4}">
+                <adec:decorative xmlns:adec="http://schemas.microsoft.com/office/drawing/2017/decorative" val="1"/>
+              </a:ext>
+            </a:extLst>
+          </p:cNvPr>
+          <p:cNvSpPr>
+            <a:spLocks noGrp="1" noRot="1" noChangeAspect="1" noMove="1" noResize="1" noEditPoints="1" noAdjustHandles="1" noChangeArrowheads="1" noChangeShapeType="1" noTextEdit="1"/>
+          </p:cNvSpPr>
+          <p:nvPr>
+            <p:extLst>
+              <p:ext uri="{386F3935-93C4-4BCD-93E2-E3B085C9AB24}">
+                <p16:designElem xmlns:p16="http://schemas.microsoft.com/office/powerpoint/2015/main" val="1"/>
+              </p:ext>
+            </p:extLst>
+          </p:nvPr>
+        </p:nvSpPr>
+        <p:spPr>
+          <a:xfrm>
+            <a:off x="10437812" y="0"/>
+            <a:ext cx="685800" cy="1143000"/>
+          </a:xfrm>
+          <a:prstGeom prst="rect">
+            <a:avLst/>
+          </a:prstGeom>
+          <a:solidFill>
+            <a:schemeClr val="accent1"/>
+          </a:solidFill>
+          <a:ln>
+            <a:noFill/>
+          </a:ln>
+        </p:spPr>
+        <p:style>
+          <a:lnRef idx="1">
+            <a:schemeClr val="accent1"/>
+          </a:lnRef>
+          <a:fillRef idx="3">
+            <a:schemeClr val="accent1"/>
+          </a:fillRef>
+          <a:effectRef idx="2">
+            <a:schemeClr val="accent1"/>
+          </a:effectRef>
+          <a:fontRef idx="minor">
+            <a:schemeClr val="lt1"/>
+          </a:fontRef>
+        </p:style>
       </p:sp>
       <p:sp>
         <p:nvSpPr>
@@ -4949,9 +8750,16 @@
             <p:ph idx="1"/>
           </p:nvPr>
         </p:nvSpPr>
-        <p:spPr/>
-        <p:txBody>
-          <a:bodyPr/>
+        <p:spPr>
+          <a:xfrm>
+            <a:off x="650669" y="2438400"/>
+            <a:ext cx="3330328" cy="3809999"/>
+          </a:xfrm>
+        </p:spPr>
+        <p:txBody>
+          <a:bodyPr>
+            <a:normAutofit/>
+          </a:bodyPr>
           <a:lstStyle/>
           <a:p>
             <a:r>
@@ -4963,15 +8771,7 @@
             <a:pPr lvl="1"/>
             <a:r>
               <a:rPr lang="en-US" dirty="0"/>
-              <a:t>What constitutes a human </a:t>
-            </a:r>
-            <a:r>
-              <a:rPr lang="en-US" dirty="0" err="1"/>
-              <a:t>behaviour</a:t>
-            </a:r>
-            <a:r>
-              <a:rPr lang="en-US" dirty="0"/>
-              <a:t>?</a:t>
+              <a:t>What constitutes a human behaviour?</a:t>
             </a:r>
           </a:p>
           <a:p>
@@ -5203,7 +9003,7 @@
         <p:spPr>
           <a:xfrm>
             <a:off x="1562100" y="5016500"/>
-            <a:ext cx="2540000" cy="923330"/>
+            <a:ext cx="4775200" cy="1200329"/>
           </a:xfrm>
           <a:prstGeom prst="rect">
             <a:avLst/>
@@ -5217,10 +9017,10 @@
           <a:lstStyle/>
           <a:p>
             <a:r>
-              <a:rPr lang="en-US" dirty="0"/>
+              <a:rPr lang="en-US" sz="2400" dirty="0"/>
               <a:t>Behaviour is the actual physical occurrence (Phenomena)</a:t>
             </a:r>
-            <a:endParaRPr lang="en-GB" dirty="0"/>
+            <a:endParaRPr lang="en-GB" sz="2400" dirty="0"/>
           </a:p>
         </p:txBody>
       </p:sp>
@@ -5239,7 +9039,7 @@
         <p:spPr>
           <a:xfrm>
             <a:off x="7226300" y="5664895"/>
-            <a:ext cx="3289300" cy="923330"/>
+            <a:ext cx="4546600" cy="1015663"/>
           </a:xfrm>
           <a:prstGeom prst="rect">
             <a:avLst/>
@@ -5253,10 +9053,10 @@
           <a:lstStyle/>
           <a:p>
             <a:r>
-              <a:rPr lang="en-US" dirty="0"/>
+              <a:rPr lang="en-US" sz="2000" dirty="0"/>
               <a:t>Measure is the method we use to quantify the behaviour (produces data)</a:t>
             </a:r>
-            <a:endParaRPr lang="en-GB" dirty="0"/>
+            <a:endParaRPr lang="en-GB" sz="2000" dirty="0"/>
           </a:p>
         </p:txBody>
       </p:sp>
@@ -5314,8 +9114,8 @@
         </p:blipFill>
         <p:spPr>
           <a:xfrm>
-            <a:off x="7475551" y="4077808"/>
-            <a:ext cx="3499319" cy="2414164"/>
+            <a:off x="7470785" y="3617886"/>
+            <a:ext cx="4682766" cy="3230619"/>
           </a:xfrm>
         </p:spPr>
       </p:pic>
@@ -5369,10 +9169,10 @@
         </p:nvGrpSpPr>
         <p:grpSpPr>
           <a:xfrm>
-            <a:off x="64736" y="225369"/>
-            <a:ext cx="3615463" cy="2493246"/>
+            <a:off x="64737" y="225369"/>
+            <a:ext cx="2614964" cy="1664954"/>
             <a:chOff x="64736" y="225369"/>
-            <a:chExt cx="3615463" cy="2493246"/>
+            <a:chExt cx="3615463" cy="2647493"/>
           </a:xfrm>
         </p:grpSpPr>
         <p:grpSp>
@@ -5390,9 +9190,9 @@
           <p:grpSpPr>
             <a:xfrm>
               <a:off x="64736" y="379617"/>
-              <a:ext cx="3615463" cy="2338998"/>
+              <a:ext cx="3615463" cy="2493245"/>
               <a:chOff x="143908" y="112526"/>
-              <a:chExt cx="3615463" cy="2338998"/>
+              <a:chExt cx="3615463" cy="2493245"/>
             </a:xfrm>
           </p:grpSpPr>
           <p:pic>
@@ -5439,8 +9239,8 @@
             </p:nvSpPr>
             <p:spPr>
               <a:xfrm>
-                <a:off x="1855376" y="2054879"/>
-                <a:ext cx="1276753" cy="369332"/>
+                <a:off x="1901035" y="1578021"/>
+                <a:ext cx="1276753" cy="1027750"/>
               </a:xfrm>
               <a:prstGeom prst="rect">
                 <a:avLst/>
@@ -5456,14 +9256,14 @@
                 <a:r>
                   <a:rPr lang="en-US" dirty="0">
                     <a:solidFill>
-                      <a:schemeClr val="bg1"/>
+                      <a:schemeClr val="tx2"/>
                     </a:solidFill>
                   </a:rPr>
                   <a:t>Click here-&gt;</a:t>
                 </a:r>
                 <a:endParaRPr lang="en-GB" dirty="0">
                   <a:solidFill>
-                    <a:schemeClr val="bg1"/>
+                    <a:schemeClr val="tx2"/>
                   </a:solidFill>
                 </a:endParaRPr>
               </a:p>
@@ -5535,7 +9335,7 @@
         </p:nvGrpSpPr>
         <p:grpSpPr>
           <a:xfrm>
-            <a:off x="3986266" y="871528"/>
+            <a:off x="3714139" y="116715"/>
             <a:ext cx="2810801" cy="2900883"/>
             <a:chOff x="3946194" y="797024"/>
             <a:chExt cx="2810801" cy="2900883"/>
@@ -5707,10 +9507,10 @@
         </p:nvGrpSpPr>
         <p:grpSpPr>
           <a:xfrm>
-            <a:off x="7236881" y="844686"/>
-            <a:ext cx="4828812" cy="2991061"/>
-            <a:chOff x="6844176" y="225369"/>
-            <a:chExt cx="4828812" cy="2991061"/>
+            <a:off x="7225951" y="360222"/>
+            <a:ext cx="4765402" cy="3060202"/>
+            <a:chOff x="6844176" y="156228"/>
+            <a:chExt cx="4765402" cy="3060202"/>
           </a:xfrm>
         </p:grpSpPr>
         <p:pic>
@@ -5735,7 +9535,7 @@
           </p:blipFill>
           <p:spPr>
             <a:xfrm>
-              <a:off x="7076183" y="225369"/>
+              <a:off x="7012773" y="156228"/>
               <a:ext cx="4596805" cy="2268240"/>
             </a:xfrm>
             <a:prstGeom prst="rect">
@@ -5845,7 +9645,7 @@
         </p:nvGrpSpPr>
         <p:grpSpPr>
           <a:xfrm>
-            <a:off x="799894" y="3918570"/>
+            <a:off x="1335618" y="3761430"/>
             <a:ext cx="3349412" cy="2776683"/>
             <a:chOff x="799894" y="3918570"/>
             <a:chExt cx="3349412" cy="2776683"/>
@@ -5982,7 +9782,7 @@
         </p:nvSpPr>
         <p:spPr>
           <a:xfrm>
-            <a:off x="7691082" y="5354883"/>
+            <a:off x="11037397" y="5771923"/>
             <a:ext cx="535724" cy="923330"/>
           </a:xfrm>
           <a:prstGeom prst="rect">
@@ -6093,24 +9893,31 @@
             <p:ph idx="1"/>
           </p:nvPr>
         </p:nvSpPr>
-        <p:spPr/>
-        <p:txBody>
-          <a:bodyPr/>
+        <p:spPr>
+          <a:xfrm>
+            <a:off x="1103313" y="2052918"/>
+            <a:ext cx="7646988" cy="4195481"/>
+          </a:xfrm>
+        </p:spPr>
+        <p:txBody>
+          <a:bodyPr>
+            <a:normAutofit/>
+          </a:bodyPr>
           <a:lstStyle/>
           <a:p>
             <a:r>
-              <a:rPr lang="en-US" dirty="0"/>
+              <a:rPr lang="en-US" sz="3600" dirty="0"/>
               <a:t>What is the difference between measuring ‘</a:t>
             </a:r>
             <a:r>
-              <a:rPr lang="en-US" dirty="0" err="1"/>
+              <a:rPr lang="en-US" sz="3600" dirty="0" err="1"/>
               <a:t>behaviours</a:t>
             </a:r>
             <a:r>
-              <a:rPr lang="en-US" dirty="0"/>
+              <a:rPr lang="en-US" sz="3600" dirty="0"/>
               <a:t>’ and ‘measuring the mind’?</a:t>
             </a:r>
-            <a:endParaRPr lang="en-GB" dirty="0"/>
+            <a:endParaRPr lang="en-GB" sz="3600" dirty="0"/>
           </a:p>
         </p:txBody>
       </p:sp>
@@ -6128,9 +9935,9 @@
 </file>
 
 <file path=ppt/theme/theme1.xml><?xml version="1.0" encoding="utf-8"?>
-<a:theme xmlns:a="http://schemas.openxmlformats.org/drawingml/2006/main" name="Office Theme">
+<a:theme xmlns:a="http://schemas.openxmlformats.org/drawingml/2006/main" name="Ion">
   <a:themeElements>
-    <a:clrScheme name="Office">
+    <a:clrScheme name="Ion">
       <a:dk1>
         <a:sysClr val="windowText" lastClr="000000"/>
       </a:dk1>
@@ -6138,44 +9945,44 @@
         <a:sysClr val="window" lastClr="FFFFFF"/>
       </a:lt1>
       <a:dk2>
-        <a:srgbClr val="44546A"/>
+        <a:srgbClr val="EE5818"/>
       </a:dk2>
       <a:lt2>
-        <a:srgbClr val="E7E6E6"/>
+        <a:srgbClr val="EBEBEB"/>
       </a:lt2>
       <a:accent1>
-        <a:srgbClr val="4472C4"/>
+        <a:srgbClr val="F5A408"/>
       </a:accent1>
       <a:accent2>
-        <a:srgbClr val="ED7D31"/>
+        <a:srgbClr val="FA731A"/>
       </a:accent2>
       <a:accent3>
-        <a:srgbClr val="A5A5A5"/>
+        <a:srgbClr val="AB9281"/>
       </a:accent3>
       <a:accent4>
-        <a:srgbClr val="FFC000"/>
+        <a:srgbClr val="A18CD0"/>
       </a:accent4>
       <a:accent5>
-        <a:srgbClr val="5B9BD5"/>
+        <a:srgbClr val="8EBBD2"/>
       </a:accent5>
       <a:accent6>
-        <a:srgbClr val="70AD47"/>
+        <a:srgbClr val="ACC995"/>
       </a:accent6>
       <a:hlink>
-        <a:srgbClr val="0563C1"/>
+        <a:srgbClr val="FAC96A"/>
       </a:hlink>
       <a:folHlink>
-        <a:srgbClr val="954F72"/>
+        <a:srgbClr val="FCDB9B"/>
       </a:folHlink>
     </a:clrScheme>
-    <a:fontScheme name="Office">
+    <a:fontScheme name="Ion">
       <a:majorFont>
-        <a:latin typeface="Calibri Light" panose="020F0302020204030204"/>
+        <a:latin typeface="Century Gothic" panose="020B0502020202020204"/>
         <a:ea typeface=""/>
         <a:cs typeface=""/>
-        <a:font script="Jpan" typeface="游ゴシック Light"/>
+        <a:font script="Jpan" typeface="メイリオ"/>
         <a:font script="Hang" typeface="맑은 고딕"/>
-        <a:font script="Hans" typeface="等线 Light"/>
+        <a:font script="Hans" typeface="宋体"/>
         <a:font script="Hant" typeface="新細明體"/>
         <a:font script="Arab" typeface="Times New Roman"/>
         <a:font script="Hebr" typeface="Times New Roman"/>
@@ -6203,31 +10010,14 @@
         <a:font script="Viet" typeface="Times New Roman"/>
         <a:font script="Uigh" typeface="Microsoft Uighur"/>
         <a:font script="Geor" typeface="Sylfaen"/>
-        <a:font script="Armn" typeface="Arial"/>
-        <a:font script="Bugi" typeface="Leelawadee UI"/>
-        <a:font script="Bopo" typeface="Microsoft JhengHei"/>
-        <a:font script="Java" typeface="Javanese Text"/>
-        <a:font script="Lisu" typeface="Segoe UI"/>
-        <a:font script="Mymr" typeface="Myanmar Text"/>
-        <a:font script="Nkoo" typeface="Ebrima"/>
-        <a:font script="Olck" typeface="Nirmala UI"/>
-        <a:font script="Osma" typeface="Ebrima"/>
-        <a:font script="Phag" typeface="Phagspa"/>
-        <a:font script="Syrn" typeface="Estrangelo Edessa"/>
-        <a:font script="Syrj" typeface="Estrangelo Edessa"/>
-        <a:font script="Syre" typeface="Estrangelo Edessa"/>
-        <a:font script="Sora" typeface="Nirmala UI"/>
-        <a:font script="Tale" typeface="Microsoft Tai Le"/>
-        <a:font script="Talu" typeface="Microsoft New Tai Lue"/>
-        <a:font script="Tfng" typeface="Ebrima"/>
       </a:majorFont>
       <a:minorFont>
-        <a:latin typeface="Calibri" panose="020F0502020204030204"/>
+        <a:latin typeface="Century Gothic" panose="020B0502020202020204"/>
         <a:ea typeface=""/>
         <a:cs typeface=""/>
-        <a:font script="Jpan" typeface="游ゴシック"/>
+        <a:font script="Jpan" typeface="メイリオ"/>
         <a:font script="Hang" typeface="맑은 고딕"/>
-        <a:font script="Hans" typeface="等线"/>
+        <a:font script="Hans" typeface="宋体"/>
         <a:font script="Hant" typeface="新細明體"/>
         <a:font script="Arab" typeface="Arial"/>
         <a:font script="Hebr" typeface="Arial"/>
@@ -6255,26 +10045,9 @@
         <a:font script="Viet" typeface="Arial"/>
         <a:font script="Uigh" typeface="Microsoft Uighur"/>
         <a:font script="Geor" typeface="Sylfaen"/>
-        <a:font script="Armn" typeface="Arial"/>
-        <a:font script="Bugi" typeface="Leelawadee UI"/>
-        <a:font script="Bopo" typeface="Microsoft JhengHei"/>
-        <a:font script="Java" typeface="Javanese Text"/>
-        <a:font script="Lisu" typeface="Segoe UI"/>
-        <a:font script="Mymr" typeface="Myanmar Text"/>
-        <a:font script="Nkoo" typeface="Ebrima"/>
-        <a:font script="Olck" typeface="Nirmala UI"/>
-        <a:font script="Osma" typeface="Ebrima"/>
-        <a:font script="Phag" typeface="Phagspa"/>
-        <a:font script="Syrn" typeface="Estrangelo Edessa"/>
-        <a:font script="Syrj" typeface="Estrangelo Edessa"/>
-        <a:font script="Syre" typeface="Estrangelo Edessa"/>
-        <a:font script="Sora" typeface="Nirmala UI"/>
-        <a:font script="Tale" typeface="Microsoft Tai Le"/>
-        <a:font script="Talu" typeface="Microsoft New Tai Lue"/>
-        <a:font script="Tfng" typeface="Ebrima"/>
       </a:minorFont>
     </a:fontScheme>
-    <a:fmtScheme name="Office">
+    <a:fmtScheme name="Ion">
       <a:fillStyleLst>
         <a:solidFill>
           <a:schemeClr val="phClr"/>
@@ -6283,23 +10056,15 @@
           <a:gsLst>
             <a:gs pos="0">
               <a:schemeClr val="phClr">
-                <a:lumMod val="110000"/>
-                <a:satMod val="105000"/>
-                <a:tint val="67000"/>
-              </a:schemeClr>
-            </a:gs>
-            <a:gs pos="50000">
-              <a:schemeClr val="phClr">
-                <a:lumMod val="105000"/>
-                <a:satMod val="103000"/>
-                <a:tint val="73000"/>
+                <a:tint val="64000"/>
+                <a:lumMod val="118000"/>
               </a:schemeClr>
             </a:gs>
             <a:gs pos="100000">
               <a:schemeClr val="phClr">
-                <a:lumMod val="105000"/>
-                <a:satMod val="109000"/>
-                <a:tint val="81000"/>
+                <a:tint val="92000"/>
+                <a:alpha val="100000"/>
+                <a:lumMod val="110000"/>
               </a:schemeClr>
             </a:gs>
           </a:gsLst>
@@ -6309,23 +10074,14 @@
           <a:gsLst>
             <a:gs pos="0">
               <a:schemeClr val="phClr">
-                <a:satMod val="103000"/>
-                <a:lumMod val="102000"/>
-                <a:tint val="94000"/>
-              </a:schemeClr>
-            </a:gs>
-            <a:gs pos="50000">
-              <a:schemeClr val="phClr">
-                <a:satMod val="110000"/>
-                <a:lumMod val="100000"/>
-                <a:shade val="100000"/>
+                <a:tint val="98000"/>
+                <a:lumMod val="114000"/>
               </a:schemeClr>
             </a:gs>
             <a:gs pos="100000">
               <a:schemeClr val="phClr">
-                <a:lumMod val="99000"/>
-                <a:satMod val="120000"/>
-                <a:shade val="78000"/>
+                <a:shade val="90000"/>
+                <a:lumMod val="84000"/>
               </a:schemeClr>
             </a:gs>
           </a:gsLst>
@@ -6333,26 +10089,23 @@
         </a:gradFill>
       </a:fillStyleLst>
       <a:lnStyleLst>
-        <a:ln w="6350" cap="flat" cmpd="sng" algn="ctr">
+        <a:ln w="9525" cap="rnd" cmpd="sng" algn="ctr">
           <a:solidFill>
             <a:schemeClr val="phClr"/>
           </a:solidFill>
           <a:prstDash val="solid"/>
-          <a:miter lim="800000"/>
         </a:ln>
-        <a:ln w="12700" cap="flat" cmpd="sng" algn="ctr">
+        <a:ln w="19050" cap="rnd" cmpd="sng" algn="ctr">
           <a:solidFill>
             <a:schemeClr val="phClr"/>
           </a:solidFill>
           <a:prstDash val="solid"/>
-          <a:miter lim="800000"/>
         </a:ln>
-        <a:ln w="19050" cap="flat" cmpd="sng" algn="ctr">
+        <a:ln w="28575" cap="rnd" cmpd="sng" algn="ctr">
           <a:solidFill>
             <a:schemeClr val="phClr"/>
           </a:solidFill>
           <a:prstDash val="solid"/>
-          <a:miter lim="800000"/>
         </a:ln>
       </a:lnStyleLst>
       <a:effectStyleLst>
@@ -6360,55 +10113,77 @@
           <a:effectLst/>
         </a:effectStyle>
         <a:effectStyle>
-          <a:effectLst/>
+          <a:effectLst>
+            <a:outerShdw blurRad="38100" dist="25400" dir="5400000" rotWithShape="0">
+              <a:srgbClr val="000000">
+                <a:alpha val="45000"/>
+              </a:srgbClr>
+            </a:outerShdw>
+          </a:effectLst>
         </a:effectStyle>
         <a:effectStyle>
           <a:effectLst>
-            <a:outerShdw blurRad="57150" dist="19050" dir="5400000" algn="ctr" rotWithShape="0">
+            <a:outerShdw blurRad="63500" dist="38100" dir="5400000" rotWithShape="0">
               <a:srgbClr val="000000">
-                <a:alpha val="63000"/>
+                <a:alpha val="60000"/>
               </a:srgbClr>
             </a:outerShdw>
           </a:effectLst>
+          <a:scene3d>
+            <a:camera prst="orthographicFront">
+              <a:rot lat="0" lon="0" rev="0"/>
+            </a:camera>
+            <a:lightRig rig="threePt" dir="tl"/>
+          </a:scene3d>
+          <a:sp3d prstMaterial="plastic">
+            <a:bevelT w="0" h="0"/>
+          </a:sp3d>
         </a:effectStyle>
       </a:effectStyleLst>
       <a:bgFillStyleLst>
         <a:solidFill>
           <a:schemeClr val="phClr"/>
         </a:solidFill>
-        <a:solidFill>
-          <a:schemeClr val="phClr">
-            <a:tint val="95000"/>
-            <a:satMod val="170000"/>
-          </a:schemeClr>
-        </a:solidFill>
         <a:gradFill rotWithShape="1">
           <a:gsLst>
             <a:gs pos="0">
               <a:schemeClr val="phClr">
-                <a:tint val="93000"/>
-                <a:satMod val="150000"/>
-                <a:shade val="98000"/>
-                <a:lumMod val="102000"/>
-              </a:schemeClr>
-            </a:gs>
-            <a:gs pos="50000">
-              <a:schemeClr val="phClr">
                 <a:tint val="98000"/>
-                <a:satMod val="130000"/>
-                <a:shade val="90000"/>
-                <a:lumMod val="103000"/>
+                <a:hueMod val="104000"/>
+                <a:satMod val="128000"/>
+                <a:lumMod val="104000"/>
               </a:schemeClr>
             </a:gs>
             <a:gs pos="100000">
               <a:schemeClr val="phClr">
-                <a:shade val="63000"/>
-                <a:satMod val="120000"/>
+                <a:shade val="76000"/>
+                <a:hueMod val="89000"/>
+                <a:satMod val="164000"/>
+                <a:lumMod val="68000"/>
               </a:schemeClr>
             </a:gs>
           </a:gsLst>
-          <a:lin ang="5400000" scaled="0"/>
+          <a:path path="circle">
+            <a:fillToRect l="45000" t="65000" r="125000" b="100000"/>
+          </a:path>
         </a:gradFill>
+        <a:blipFill rotWithShape="1">
+          <a:blip xmlns:r="http://schemas.openxmlformats.org/officeDocument/2006/relationships" r:embed="rId1">
+            <a:duotone>
+              <a:schemeClr val="phClr">
+                <a:shade val="42000"/>
+                <a:hueMod val="42000"/>
+                <a:satMod val="124000"/>
+                <a:lumMod val="62000"/>
+              </a:schemeClr>
+              <a:schemeClr val="phClr">
+                <a:tint val="96000"/>
+                <a:satMod val="130000"/>
+              </a:schemeClr>
+            </a:duotone>
+          </a:blip>
+          <a:stretch/>
+        </a:blipFill>
       </a:bgFillStyleLst>
     </a:fmtScheme>
   </a:themeElements>
@@ -6416,7 +10191,7 @@
   <a:extraClrSchemeLst/>
   <a:extLst>
     <a:ext uri="{05A4C25C-085E-4340-85A3-A5531E510DB2}">
-      <thm15:themeFamily xmlns:thm15="http://schemas.microsoft.com/office/thememl/2012/main" name="Office Theme" id="{62F939B6-93AF-4DB8-9C6B-D6C7DFDC589F}" vid="{4A3C46E8-61CC-4603-A589-7422A47A8E4A}"/>
+      <thm15:themeFamily xmlns:thm15="http://schemas.microsoft.com/office/thememl/2012/main" name="Ion" id="{B8441ADB-2E43-4AF7-B97A-BD870242C6A8}" vid="{5A2F9111-B2DB-470C-BA56-608F9B658826}"/>
     </a:ext>
   </a:extLst>
 </a:theme>
